--- a/Presentacion/Taller.pptx
+++ b/Presentacion/Taller.pptx
@@ -2,7 +2,7 @@
 <file path=ppt/presentation.xml><?xml version="1.0" encoding="utf-8"?>
 <p:presentation xmlns:a="http://schemas.openxmlformats.org/drawingml/2006/main" xmlns:r="http://schemas.openxmlformats.org/officeDocument/2006/relationships" xmlns:p="http://schemas.openxmlformats.org/presentationml/2006/main" saveSubsetFonts="1">
   <p:sldMasterIdLst>
-    <p:sldMasterId id="2147483648" r:id="rId1"/>
+    <p:sldMasterId id="2147483726" r:id="rId1"/>
   </p:sldMasterIdLst>
   <p:sldIdLst>
     <p:sldId id="256" r:id="rId2"/>
@@ -135,7 +135,44 @@
       </p:grpSpPr>
       <p:sp>
         <p:nvSpPr>
-          <p:cNvPr id="2" name="Título 1"/>
+          <p:cNvPr id="7" name="Rectangle 6"/>
+          <p:cNvSpPr/>
+          <p:nvPr/>
+        </p:nvSpPr>
+        <p:spPr>
+          <a:xfrm>
+            <a:off x="446534" y="3085765"/>
+            <a:ext cx="11262866" cy="3304800"/>
+          </a:xfrm>
+          <a:prstGeom prst="rect">
+            <a:avLst/>
+          </a:prstGeom>
+          <a:solidFill>
+            <a:schemeClr val="accent1"/>
+          </a:solidFill>
+          <a:ln>
+            <a:noFill/>
+          </a:ln>
+          <a:effectLst/>
+        </p:spPr>
+        <p:style>
+          <a:lnRef idx="1">
+            <a:schemeClr val="accent1"/>
+          </a:lnRef>
+          <a:fillRef idx="3">
+            <a:schemeClr val="accent1"/>
+          </a:fillRef>
+          <a:effectRef idx="2">
+            <a:schemeClr val="accent1"/>
+          </a:effectRef>
+          <a:fontRef idx="minor">
+            <a:schemeClr val="lt1"/>
+          </a:fontRef>
+        </p:style>
+      </p:sp>
+      <p:sp>
+        <p:nvSpPr>
+          <p:cNvPr id="2" name="Title 1"/>
           <p:cNvSpPr>
             <a:spLocks noGrp="1"/>
           </p:cNvSpPr>
@@ -145,15 +182,22 @@
         </p:nvSpPr>
         <p:spPr>
           <a:xfrm>
-            <a:off x="1524000" y="1122363"/>
-            <a:ext cx="9144000" cy="2387600"/>
-          </a:xfrm>
-        </p:spPr>
-        <p:txBody>
-          <a:bodyPr anchor="b"/>
+            <a:off x="581191" y="1020431"/>
+            <a:ext cx="10993549" cy="1475013"/>
+          </a:xfrm>
+          <a:effectLst/>
+        </p:spPr>
+        <p:txBody>
+          <a:bodyPr anchor="b">
+            <a:normAutofit/>
+          </a:bodyPr>
           <a:lstStyle>
-            <a:lvl1pPr algn="ctr">
-              <a:defRPr sz="6000"/>
+            <a:lvl1pPr>
+              <a:defRPr sz="3600">
+                <a:solidFill>
+                  <a:schemeClr val="accent1"/>
+                </a:solidFill>
+              </a:defRPr>
             </a:lvl1pPr>
           </a:lstStyle>
           <a:p>
@@ -161,13 +205,13 @@
               <a:rPr lang="es-ES" smtClean="0"/>
               <a:t>Haga clic para modificar el estilo de título del patrón</a:t>
             </a:r>
-            <a:endParaRPr lang="es-MX"/>
-          </a:p>
-        </p:txBody>
-      </p:sp>
-      <p:sp>
-        <p:nvSpPr>
-          <p:cNvPr id="3" name="Subtítulo 2"/>
+            <a:endParaRPr lang="en-US" dirty="0"/>
+          </a:p>
+        </p:txBody>
+      </p:sp>
+      <p:sp>
+        <p:nvSpPr>
+          <p:cNvPr id="3" name="Subtitle 2"/>
           <p:cNvSpPr>
             <a:spLocks noGrp="1"/>
           </p:cNvSpPr>
@@ -177,73 +221,143 @@
         </p:nvSpPr>
         <p:spPr>
           <a:xfrm>
-            <a:off x="1524000" y="3602038"/>
-            <a:ext cx="9144000" cy="1655762"/>
+            <a:off x="581194" y="2495445"/>
+            <a:ext cx="10993546" cy="590321"/>
+          </a:xfrm>
+        </p:spPr>
+        <p:txBody>
+          <a:bodyPr anchor="t">
+            <a:normAutofit/>
+          </a:bodyPr>
+          <a:lstStyle>
+            <a:lvl1pPr marL="0" indent="0" algn="l">
+              <a:buNone/>
+              <a:defRPr sz="1600" cap="all">
+                <a:solidFill>
+                  <a:schemeClr val="accent2"/>
+                </a:solidFill>
+              </a:defRPr>
+            </a:lvl1pPr>
+            <a:lvl2pPr marL="457200" indent="0" algn="ctr">
+              <a:buNone/>
+              <a:defRPr>
+                <a:solidFill>
+                  <a:schemeClr val="tx1">
+                    <a:tint val="75000"/>
+                  </a:schemeClr>
+                </a:solidFill>
+              </a:defRPr>
+            </a:lvl2pPr>
+            <a:lvl3pPr marL="914400" indent="0" algn="ctr">
+              <a:buNone/>
+              <a:defRPr>
+                <a:solidFill>
+                  <a:schemeClr val="tx1">
+                    <a:tint val="75000"/>
+                  </a:schemeClr>
+                </a:solidFill>
+              </a:defRPr>
+            </a:lvl3pPr>
+            <a:lvl4pPr marL="1371600" indent="0" algn="ctr">
+              <a:buNone/>
+              <a:defRPr>
+                <a:solidFill>
+                  <a:schemeClr val="tx1">
+                    <a:tint val="75000"/>
+                  </a:schemeClr>
+                </a:solidFill>
+              </a:defRPr>
+            </a:lvl4pPr>
+            <a:lvl5pPr marL="1828800" indent="0" algn="ctr">
+              <a:buNone/>
+              <a:defRPr>
+                <a:solidFill>
+                  <a:schemeClr val="tx1">
+                    <a:tint val="75000"/>
+                  </a:schemeClr>
+                </a:solidFill>
+              </a:defRPr>
+            </a:lvl5pPr>
+            <a:lvl6pPr marL="2286000" indent="0" algn="ctr">
+              <a:buNone/>
+              <a:defRPr>
+                <a:solidFill>
+                  <a:schemeClr val="tx1">
+                    <a:tint val="75000"/>
+                  </a:schemeClr>
+                </a:solidFill>
+              </a:defRPr>
+            </a:lvl6pPr>
+            <a:lvl7pPr marL="2743200" indent="0" algn="ctr">
+              <a:buNone/>
+              <a:defRPr>
+                <a:solidFill>
+                  <a:schemeClr val="tx1">
+                    <a:tint val="75000"/>
+                  </a:schemeClr>
+                </a:solidFill>
+              </a:defRPr>
+            </a:lvl7pPr>
+            <a:lvl8pPr marL="3200400" indent="0" algn="ctr">
+              <a:buNone/>
+              <a:defRPr>
+                <a:solidFill>
+                  <a:schemeClr val="tx1">
+                    <a:tint val="75000"/>
+                  </a:schemeClr>
+                </a:solidFill>
+              </a:defRPr>
+            </a:lvl8pPr>
+            <a:lvl9pPr marL="3657600" indent="0" algn="ctr">
+              <a:buNone/>
+              <a:defRPr>
+                <a:solidFill>
+                  <a:schemeClr val="tx1">
+                    <a:tint val="75000"/>
+                  </a:schemeClr>
+                </a:solidFill>
+              </a:defRPr>
+            </a:lvl9pPr>
+          </a:lstStyle>
+          <a:p>
+            <a:r>
+              <a:rPr lang="es-ES" smtClean="0"/>
+              <a:t>Haga clic para editar el estilo de subtítulo del patrón</a:t>
+            </a:r>
+            <a:endParaRPr lang="en-US" dirty="0"/>
+          </a:p>
+        </p:txBody>
+      </p:sp>
+      <p:sp>
+        <p:nvSpPr>
+          <p:cNvPr id="4" name="Date Placeholder 3"/>
+          <p:cNvSpPr>
+            <a:spLocks noGrp="1"/>
+          </p:cNvSpPr>
+          <p:nvPr>
+            <p:ph type="dt" sz="half" idx="10"/>
+          </p:nvPr>
+        </p:nvSpPr>
+        <p:spPr>
+          <a:xfrm>
+            <a:off x="7605951" y="5956137"/>
+            <a:ext cx="2844800" cy="365125"/>
           </a:xfrm>
         </p:spPr>
         <p:txBody>
           <a:bodyPr/>
           <a:lstStyle>
-            <a:lvl1pPr marL="0" indent="0" algn="ctr">
-              <a:buNone/>
-              <a:defRPr sz="2400"/>
+            <a:lvl1pPr>
+              <a:defRPr>
+                <a:solidFill>
+                  <a:schemeClr val="accent1">
+                    <a:lumMod val="75000"/>
+                    <a:lumOff val="25000"/>
+                  </a:schemeClr>
+                </a:solidFill>
+              </a:defRPr>
             </a:lvl1pPr>
-            <a:lvl2pPr marL="457200" indent="0" algn="ctr">
-              <a:buNone/>
-              <a:defRPr sz="2000"/>
-            </a:lvl2pPr>
-            <a:lvl3pPr marL="914400" indent="0" algn="ctr">
-              <a:buNone/>
-              <a:defRPr sz="1800"/>
-            </a:lvl3pPr>
-            <a:lvl4pPr marL="1371600" indent="0" algn="ctr">
-              <a:buNone/>
-              <a:defRPr sz="1600"/>
-            </a:lvl4pPr>
-            <a:lvl5pPr marL="1828800" indent="0" algn="ctr">
-              <a:buNone/>
-              <a:defRPr sz="1600"/>
-            </a:lvl5pPr>
-            <a:lvl6pPr marL="2286000" indent="0" algn="ctr">
-              <a:buNone/>
-              <a:defRPr sz="1600"/>
-            </a:lvl6pPr>
-            <a:lvl7pPr marL="2743200" indent="0" algn="ctr">
-              <a:buNone/>
-              <a:defRPr sz="1600"/>
-            </a:lvl7pPr>
-            <a:lvl8pPr marL="3200400" indent="0" algn="ctr">
-              <a:buNone/>
-              <a:defRPr sz="1600"/>
-            </a:lvl8pPr>
-            <a:lvl9pPr marL="3657600" indent="0" algn="ctr">
-              <a:buNone/>
-              <a:defRPr sz="1600"/>
-            </a:lvl9pPr>
           </a:lstStyle>
-          <a:p>
-            <a:r>
-              <a:rPr lang="es-ES" smtClean="0"/>
-              <a:t>Haga clic para editar el estilo de subtítulo del patrón</a:t>
-            </a:r>
-            <a:endParaRPr lang="es-MX"/>
-          </a:p>
-        </p:txBody>
-      </p:sp>
-      <p:sp>
-        <p:nvSpPr>
-          <p:cNvPr id="4" name="Marcador de fecha 3"/>
-          <p:cNvSpPr>
-            <a:spLocks noGrp="1"/>
-          </p:cNvSpPr>
-          <p:nvPr>
-            <p:ph type="dt" sz="half" idx="10"/>
-          </p:nvPr>
-        </p:nvSpPr>
-        <p:spPr/>
-        <p:txBody>
-          <a:bodyPr/>
-          <a:lstStyle/>
           <a:p>
             <a:fld id="{941820D4-FD18-40B0-A2DA-577109253211}" type="datetimeFigureOut">
               <a:rPr lang="es-MX" smtClean="0"/>
@@ -255,7 +369,7 @@
       </p:sp>
       <p:sp>
         <p:nvSpPr>
-          <p:cNvPr id="5" name="Marcador de pie de página 4"/>
+          <p:cNvPr id="5" name="Footer Placeholder 4"/>
           <p:cNvSpPr>
             <a:spLocks noGrp="1"/>
           </p:cNvSpPr>
@@ -263,10 +377,26 @@
             <p:ph type="ftr" sz="quarter" idx="11"/>
           </p:nvPr>
         </p:nvSpPr>
-        <p:spPr/>
+        <p:spPr>
+          <a:xfrm>
+            <a:off x="581192" y="5951811"/>
+            <a:ext cx="6917210" cy="365125"/>
+          </a:xfrm>
+        </p:spPr>
         <p:txBody>
           <a:bodyPr/>
-          <a:lstStyle/>
+          <a:lstStyle>
+            <a:lvl1pPr>
+              <a:defRPr>
+                <a:solidFill>
+                  <a:schemeClr val="accent1">
+                    <a:lumMod val="75000"/>
+                    <a:lumOff val="25000"/>
+                  </a:schemeClr>
+                </a:solidFill>
+              </a:defRPr>
+            </a:lvl1pPr>
+          </a:lstStyle>
           <a:p>
             <a:endParaRPr lang="es-MX"/>
           </a:p>
@@ -274,7 +404,7 @@
       </p:sp>
       <p:sp>
         <p:nvSpPr>
-          <p:cNvPr id="6" name="Marcador de número de diapositiva 5"/>
+          <p:cNvPr id="6" name="Slide Number Placeholder 5"/>
           <p:cNvSpPr>
             <a:spLocks noGrp="1"/>
           </p:cNvSpPr>
@@ -282,10 +412,26 @@
             <p:ph type="sldNum" sz="quarter" idx="12"/>
           </p:nvPr>
         </p:nvSpPr>
-        <p:spPr/>
+        <p:spPr>
+          <a:xfrm>
+            <a:off x="10558300" y="5956137"/>
+            <a:ext cx="1016440" cy="365125"/>
+          </a:xfrm>
+        </p:spPr>
         <p:txBody>
           <a:bodyPr/>
-          <a:lstStyle/>
+          <a:lstStyle>
+            <a:lvl1pPr>
+              <a:defRPr>
+                <a:solidFill>
+                  <a:schemeClr val="accent1">
+                    <a:lumMod val="75000"/>
+                    <a:lumOff val="25000"/>
+                  </a:schemeClr>
+                </a:solidFill>
+              </a:defRPr>
+            </a:lvl1pPr>
+          </a:lstStyle>
           <a:p>
             <a:fld id="{4C344F94-92B1-4075-82AE-8BB90E39107F}" type="slidenum">
               <a:rPr lang="es-MX" smtClean="0"/>
@@ -298,7 +444,7 @@
     </p:spTree>
     <p:extLst>
       <p:ext uri="{BB962C8B-B14F-4D97-AF65-F5344CB8AC3E}">
-        <p14:creationId xmlns:p14="http://schemas.microsoft.com/office/powerpoint/2010/main" val="727279508"/>
+        <p14:creationId xmlns:p14="http://schemas.microsoft.com/office/powerpoint/2010/main" val="3476465281"/>
       </p:ext>
     </p:extLst>
   </p:cSld>
@@ -327,7 +473,46 @@
       </p:grpSpPr>
       <p:sp>
         <p:nvSpPr>
-          <p:cNvPr id="2" name="Título 1"/>
+          <p:cNvPr id="8" name="Rectangle 7"/>
+          <p:cNvSpPr>
+            <a:spLocks noChangeAspect="1"/>
+          </p:cNvSpPr>
+          <p:nvPr/>
+        </p:nvSpPr>
+        <p:spPr>
+          <a:xfrm>
+            <a:off x="440286" y="614407"/>
+            <a:ext cx="11309338" cy="1189298"/>
+          </a:xfrm>
+          <a:prstGeom prst="rect">
+            <a:avLst/>
+          </a:prstGeom>
+          <a:solidFill>
+            <a:schemeClr val="accent1"/>
+          </a:solidFill>
+          <a:ln>
+            <a:noFill/>
+          </a:ln>
+          <a:effectLst/>
+        </p:spPr>
+        <p:style>
+          <a:lnRef idx="1">
+            <a:schemeClr val="accent1"/>
+          </a:lnRef>
+          <a:fillRef idx="3">
+            <a:schemeClr val="accent1"/>
+          </a:fillRef>
+          <a:effectRef idx="2">
+            <a:schemeClr val="accent1"/>
+          </a:effectRef>
+          <a:fontRef idx="minor">
+            <a:schemeClr val="lt1"/>
+          </a:fontRef>
+        </p:style>
+      </p:sp>
+      <p:sp>
+        <p:nvSpPr>
+          <p:cNvPr id="9" name="Title 1"/>
           <p:cNvSpPr>
             <a:spLocks noGrp="1"/>
           </p:cNvSpPr>
@@ -335,7 +520,12 @@
             <p:ph type="title"/>
           </p:nvPr>
         </p:nvSpPr>
-        <p:spPr/>
+        <p:spPr>
+          <a:xfrm>
+            <a:off x="581192" y="702156"/>
+            <a:ext cx="11029616" cy="1013800"/>
+          </a:xfrm>
+        </p:spPr>
         <p:txBody>
           <a:bodyPr/>
           <a:lstStyle/>
@@ -344,13 +534,13 @@
               <a:rPr lang="es-ES" smtClean="0"/>
               <a:t>Haga clic para modificar el estilo de título del patrón</a:t>
             </a:r>
-            <a:endParaRPr lang="es-MX"/>
-          </a:p>
-        </p:txBody>
-      </p:sp>
-      <p:sp>
-        <p:nvSpPr>
-          <p:cNvPr id="3" name="Marcador de texto vertical 2"/>
+            <a:endParaRPr lang="en-US" dirty="0"/>
+          </a:p>
+        </p:txBody>
+      </p:sp>
+      <p:sp>
+        <p:nvSpPr>
+          <p:cNvPr id="3" name="Vertical Text Placeholder 2"/>
           <p:cNvSpPr>
             <a:spLocks noGrp="1"/>
           </p:cNvSpPr>
@@ -360,8 +550,24 @@
         </p:nvSpPr>
         <p:spPr/>
         <p:txBody>
-          <a:bodyPr vert="eaVert"/>
-          <a:lstStyle/>
+          <a:bodyPr vert="eaVert" anchor="t"/>
+          <a:lstStyle>
+            <a:lvl1pPr algn="l">
+              <a:defRPr/>
+            </a:lvl1pPr>
+            <a:lvl2pPr algn="l">
+              <a:defRPr/>
+            </a:lvl2pPr>
+            <a:lvl3pPr algn="l">
+              <a:defRPr/>
+            </a:lvl3pPr>
+            <a:lvl4pPr algn="l">
+              <a:defRPr/>
+            </a:lvl4pPr>
+            <a:lvl5pPr algn="l">
+              <a:defRPr/>
+            </a:lvl5pPr>
+          </a:lstStyle>
           <a:p>
             <a:pPr lvl="0"/>
             <a:r>
@@ -396,13 +602,13 @@
               <a:rPr lang="es-ES" smtClean="0"/>
               <a:t>Quinto nivel</a:t>
             </a:r>
-            <a:endParaRPr lang="es-MX"/>
-          </a:p>
-        </p:txBody>
-      </p:sp>
-      <p:sp>
-        <p:nvSpPr>
-          <p:cNvPr id="4" name="Marcador de fecha 3"/>
+            <a:endParaRPr lang="en-US" dirty="0"/>
+          </a:p>
+        </p:txBody>
+      </p:sp>
+      <p:sp>
+        <p:nvSpPr>
+          <p:cNvPr id="4" name="Date Placeholder 3"/>
           <p:cNvSpPr>
             <a:spLocks noGrp="1"/>
           </p:cNvSpPr>
@@ -425,7 +631,7 @@
       </p:sp>
       <p:sp>
         <p:nvSpPr>
-          <p:cNvPr id="5" name="Marcador de pie de página 4"/>
+          <p:cNvPr id="5" name="Footer Placeholder 4"/>
           <p:cNvSpPr>
             <a:spLocks noGrp="1"/>
           </p:cNvSpPr>
@@ -444,7 +650,7 @@
       </p:sp>
       <p:sp>
         <p:nvSpPr>
-          <p:cNvPr id="6" name="Marcador de número de diapositiva 5"/>
+          <p:cNvPr id="6" name="Slide Number Placeholder 5"/>
           <p:cNvSpPr>
             <a:spLocks noGrp="1"/>
           </p:cNvSpPr>
@@ -468,7 +674,7 @@
     </p:spTree>
     <p:extLst>
       <p:ext uri="{BB962C8B-B14F-4D97-AF65-F5344CB8AC3E}">
-        <p14:creationId xmlns:p14="http://schemas.microsoft.com/office/powerpoint/2010/main" val="3172479134"/>
+        <p14:creationId xmlns:p14="http://schemas.microsoft.com/office/powerpoint/2010/main" val="2717678509"/>
       </p:ext>
     </p:extLst>
   </p:cSld>
@@ -497,7 +703,46 @@
       </p:grpSpPr>
       <p:sp>
         <p:nvSpPr>
-          <p:cNvPr id="2" name="Título vertical 1"/>
+          <p:cNvPr id="7" name="Rectangle 6"/>
+          <p:cNvSpPr>
+            <a:spLocks noChangeAspect="1"/>
+          </p:cNvSpPr>
+          <p:nvPr/>
+        </p:nvSpPr>
+        <p:spPr>
+          <a:xfrm>
+            <a:off x="8839201" y="599725"/>
+            <a:ext cx="2906817" cy="5816950"/>
+          </a:xfrm>
+          <a:prstGeom prst="rect">
+            <a:avLst/>
+          </a:prstGeom>
+          <a:solidFill>
+            <a:schemeClr val="accent1"/>
+          </a:solidFill>
+          <a:ln>
+            <a:noFill/>
+          </a:ln>
+          <a:effectLst/>
+        </p:spPr>
+        <p:style>
+          <a:lnRef idx="1">
+            <a:schemeClr val="accent1"/>
+          </a:lnRef>
+          <a:fillRef idx="3">
+            <a:schemeClr val="accent1"/>
+          </a:fillRef>
+          <a:effectRef idx="2">
+            <a:schemeClr val="accent1"/>
+          </a:effectRef>
+          <a:fontRef idx="minor">
+            <a:schemeClr val="lt1"/>
+          </a:fontRef>
+        </p:style>
+      </p:sp>
+      <p:sp>
+        <p:nvSpPr>
+          <p:cNvPr id="2" name="Vertical Title 1"/>
           <p:cNvSpPr>
             <a:spLocks noGrp="1"/>
           </p:cNvSpPr>
@@ -507,8 +752,8 @@
         </p:nvSpPr>
         <p:spPr>
           <a:xfrm>
-            <a:off x="8724900" y="365125"/>
-            <a:ext cx="2628900" cy="5811838"/>
+            <a:off x="8839201" y="675726"/>
+            <a:ext cx="2004164" cy="5183073"/>
           </a:xfrm>
         </p:spPr>
         <p:txBody>
@@ -519,13 +764,13 @@
               <a:rPr lang="es-ES" smtClean="0"/>
               <a:t>Haga clic para modificar el estilo de título del patrón</a:t>
             </a:r>
-            <a:endParaRPr lang="es-MX"/>
-          </a:p>
-        </p:txBody>
-      </p:sp>
-      <p:sp>
-        <p:nvSpPr>
-          <p:cNvPr id="3" name="Marcador de texto vertical 2"/>
+            <a:endParaRPr lang="en-US" dirty="0"/>
+          </a:p>
+        </p:txBody>
+      </p:sp>
+      <p:sp>
+        <p:nvSpPr>
+          <p:cNvPr id="3" name="Vertical Text Placeholder 2"/>
           <p:cNvSpPr>
             <a:spLocks noGrp="1"/>
           </p:cNvSpPr>
@@ -535,12 +780,12 @@
         </p:nvSpPr>
         <p:spPr>
           <a:xfrm>
-            <a:off x="838200" y="365125"/>
-            <a:ext cx="7734300" cy="5811838"/>
-          </a:xfrm>
-        </p:spPr>
-        <p:txBody>
-          <a:bodyPr vert="eaVert"/>
+            <a:off x="774923" y="675726"/>
+            <a:ext cx="7896279" cy="5183073"/>
+          </a:xfrm>
+        </p:spPr>
+        <p:txBody>
+          <a:bodyPr vert="eaVert" anchor="t"/>
           <a:lstStyle/>
           <a:p>
             <a:pPr lvl="0"/>
@@ -576,13 +821,13 @@
               <a:rPr lang="es-ES" smtClean="0"/>
               <a:t>Quinto nivel</a:t>
             </a:r>
-            <a:endParaRPr lang="es-MX"/>
-          </a:p>
-        </p:txBody>
-      </p:sp>
-      <p:sp>
-        <p:nvSpPr>
-          <p:cNvPr id="4" name="Marcador de fecha 3"/>
+            <a:endParaRPr lang="en-US" dirty="0"/>
+          </a:p>
+        </p:txBody>
+      </p:sp>
+      <p:sp>
+        <p:nvSpPr>
+          <p:cNvPr id="4" name="Date Placeholder 3"/>
           <p:cNvSpPr>
             <a:spLocks noGrp="1"/>
           </p:cNvSpPr>
@@ -590,10 +835,26 @@
             <p:ph type="dt" sz="half" idx="10"/>
           </p:nvPr>
         </p:nvSpPr>
-        <p:spPr/>
+        <p:spPr>
+          <a:xfrm>
+            <a:off x="8993673" y="5956137"/>
+            <a:ext cx="1328141" cy="365125"/>
+          </a:xfrm>
+        </p:spPr>
         <p:txBody>
           <a:bodyPr/>
-          <a:lstStyle/>
+          <a:lstStyle>
+            <a:lvl1pPr>
+              <a:defRPr>
+                <a:solidFill>
+                  <a:schemeClr val="accent1">
+                    <a:lumMod val="75000"/>
+                    <a:lumOff val="25000"/>
+                  </a:schemeClr>
+                </a:solidFill>
+              </a:defRPr>
+            </a:lvl1pPr>
+          </a:lstStyle>
           <a:p>
             <a:fld id="{941820D4-FD18-40B0-A2DA-577109253211}" type="datetimeFigureOut">
               <a:rPr lang="es-MX" smtClean="0"/>
@@ -605,7 +866,7 @@
       </p:sp>
       <p:sp>
         <p:nvSpPr>
-          <p:cNvPr id="5" name="Marcador de pie de página 4"/>
+          <p:cNvPr id="5" name="Footer Placeholder 4"/>
           <p:cNvSpPr>
             <a:spLocks noGrp="1"/>
           </p:cNvSpPr>
@@ -613,7 +874,12 @@
             <p:ph type="ftr" sz="quarter" idx="11"/>
           </p:nvPr>
         </p:nvSpPr>
-        <p:spPr/>
+        <p:spPr>
+          <a:xfrm>
+            <a:off x="774923" y="5951811"/>
+            <a:ext cx="7896279" cy="365125"/>
+          </a:xfrm>
+        </p:spPr>
         <p:txBody>
           <a:bodyPr/>
           <a:lstStyle/>
@@ -624,7 +890,7 @@
       </p:sp>
       <p:sp>
         <p:nvSpPr>
-          <p:cNvPr id="6" name="Marcador de número de diapositiva 5"/>
+          <p:cNvPr id="6" name="Slide Number Placeholder 5"/>
           <p:cNvSpPr>
             <a:spLocks noGrp="1"/>
           </p:cNvSpPr>
@@ -632,10 +898,26 @@
             <p:ph type="sldNum" sz="quarter" idx="12"/>
           </p:nvPr>
         </p:nvSpPr>
-        <p:spPr/>
+        <p:spPr>
+          <a:xfrm>
+            <a:off x="10446615" y="5956137"/>
+            <a:ext cx="1164195" cy="365125"/>
+          </a:xfrm>
+        </p:spPr>
         <p:txBody>
           <a:bodyPr/>
-          <a:lstStyle/>
+          <a:lstStyle>
+            <a:lvl1pPr>
+              <a:defRPr>
+                <a:solidFill>
+                  <a:schemeClr val="accent1">
+                    <a:lumMod val="75000"/>
+                    <a:lumOff val="25000"/>
+                  </a:schemeClr>
+                </a:solidFill>
+              </a:defRPr>
+            </a:lvl1pPr>
+          </a:lstStyle>
           <a:p>
             <a:fld id="{4C344F94-92B1-4075-82AE-8BB90E39107F}" type="slidenum">
               <a:rPr lang="es-MX" smtClean="0"/>
@@ -648,7 +930,7 @@
     </p:spTree>
     <p:extLst>
       <p:ext uri="{BB962C8B-B14F-4D97-AF65-F5344CB8AC3E}">
-        <p14:creationId xmlns:p14="http://schemas.microsoft.com/office/powerpoint/2010/main" val="3160264651"/>
+        <p14:creationId xmlns:p14="http://schemas.microsoft.com/office/powerpoint/2010/main" val="129394477"/>
       </p:ext>
     </p:extLst>
   </p:cSld>
@@ -677,7 +959,46 @@
       </p:grpSpPr>
       <p:sp>
         <p:nvSpPr>
-          <p:cNvPr id="2" name="Título 1"/>
+          <p:cNvPr id="7" name="Rectangle 6"/>
+          <p:cNvSpPr>
+            <a:spLocks noChangeAspect="1"/>
+          </p:cNvSpPr>
+          <p:nvPr/>
+        </p:nvSpPr>
+        <p:spPr>
+          <a:xfrm>
+            <a:off x="440286" y="614407"/>
+            <a:ext cx="11309338" cy="1189298"/>
+          </a:xfrm>
+          <a:prstGeom prst="rect">
+            <a:avLst/>
+          </a:prstGeom>
+          <a:solidFill>
+            <a:schemeClr val="accent1"/>
+          </a:solidFill>
+          <a:ln>
+            <a:noFill/>
+          </a:ln>
+          <a:effectLst/>
+        </p:spPr>
+        <p:style>
+          <a:lnRef idx="1">
+            <a:schemeClr val="accent1"/>
+          </a:lnRef>
+          <a:fillRef idx="3">
+            <a:schemeClr val="accent1"/>
+          </a:fillRef>
+          <a:effectRef idx="2">
+            <a:schemeClr val="accent1"/>
+          </a:effectRef>
+          <a:fontRef idx="minor">
+            <a:schemeClr val="lt1"/>
+          </a:fontRef>
+        </p:style>
+      </p:sp>
+      <p:sp>
+        <p:nvSpPr>
+          <p:cNvPr id="2" name="Title 1"/>
           <p:cNvSpPr>
             <a:spLocks noGrp="1"/>
           </p:cNvSpPr>
@@ -685,7 +1006,12 @@
             <p:ph type="title"/>
           </p:nvPr>
         </p:nvSpPr>
-        <p:spPr/>
+        <p:spPr>
+          <a:xfrm>
+            <a:off x="581192" y="702156"/>
+            <a:ext cx="11029616" cy="1013800"/>
+          </a:xfrm>
+        </p:spPr>
         <p:txBody>
           <a:bodyPr/>
           <a:lstStyle/>
@@ -694,13 +1020,13 @@
               <a:rPr lang="es-ES" smtClean="0"/>
               <a:t>Haga clic para modificar el estilo de título del patrón</a:t>
             </a:r>
-            <a:endParaRPr lang="es-MX"/>
-          </a:p>
-        </p:txBody>
-      </p:sp>
-      <p:sp>
-        <p:nvSpPr>
-          <p:cNvPr id="3" name="Marcador de contenido 2"/>
+            <a:endParaRPr lang="en-US" dirty="0"/>
+          </a:p>
+        </p:txBody>
+      </p:sp>
+      <p:sp>
+        <p:nvSpPr>
+          <p:cNvPr id="3" name="Content Placeholder 2"/>
           <p:cNvSpPr>
             <a:spLocks noGrp="1"/>
           </p:cNvSpPr>
@@ -708,7 +1034,12 @@
             <p:ph idx="1"/>
           </p:nvPr>
         </p:nvSpPr>
-        <p:spPr/>
+        <p:spPr>
+          <a:xfrm>
+            <a:off x="581192" y="2180496"/>
+            <a:ext cx="11029615" cy="3678303"/>
+          </a:xfrm>
+        </p:spPr>
         <p:txBody>
           <a:bodyPr/>
           <a:lstStyle/>
@@ -746,13 +1077,13 @@
               <a:rPr lang="es-ES" smtClean="0"/>
               <a:t>Quinto nivel</a:t>
             </a:r>
-            <a:endParaRPr lang="es-MX"/>
-          </a:p>
-        </p:txBody>
-      </p:sp>
-      <p:sp>
-        <p:nvSpPr>
-          <p:cNvPr id="4" name="Marcador de fecha 3"/>
+            <a:endParaRPr lang="en-US" dirty="0"/>
+          </a:p>
+        </p:txBody>
+      </p:sp>
+      <p:sp>
+        <p:nvSpPr>
+          <p:cNvPr id="4" name="Date Placeholder 3"/>
           <p:cNvSpPr>
             <a:spLocks noGrp="1"/>
           </p:cNvSpPr>
@@ -775,7 +1106,7 @@
       </p:sp>
       <p:sp>
         <p:nvSpPr>
-          <p:cNvPr id="5" name="Marcador de pie de página 4"/>
+          <p:cNvPr id="5" name="Footer Placeholder 4"/>
           <p:cNvSpPr>
             <a:spLocks noGrp="1"/>
           </p:cNvSpPr>
@@ -794,7 +1125,7 @@
       </p:sp>
       <p:sp>
         <p:nvSpPr>
-          <p:cNvPr id="6" name="Marcador de número de diapositiva 5"/>
+          <p:cNvPr id="6" name="Slide Number Placeholder 5"/>
           <p:cNvSpPr>
             <a:spLocks noGrp="1"/>
           </p:cNvSpPr>
@@ -802,7 +1133,12 @@
             <p:ph type="sldNum" sz="quarter" idx="12"/>
           </p:nvPr>
         </p:nvSpPr>
-        <p:spPr/>
+        <p:spPr>
+          <a:xfrm>
+            <a:off x="10558300" y="5956137"/>
+            <a:ext cx="1052508" cy="365125"/>
+          </a:xfrm>
+        </p:spPr>
         <p:txBody>
           <a:bodyPr/>
           <a:lstStyle/>
@@ -818,7 +1154,7 @@
     </p:spTree>
     <p:extLst>
       <p:ext uri="{BB962C8B-B14F-4D97-AF65-F5344CB8AC3E}">
-        <p14:creationId xmlns:p14="http://schemas.microsoft.com/office/powerpoint/2010/main" val="2047018045"/>
+        <p14:creationId xmlns:p14="http://schemas.microsoft.com/office/powerpoint/2010/main" val="1271639329"/>
       </p:ext>
     </p:extLst>
   </p:cSld>
@@ -847,7 +1183,46 @@
       </p:grpSpPr>
       <p:sp>
         <p:nvSpPr>
-          <p:cNvPr id="2" name="Título 1"/>
+          <p:cNvPr id="8" name="Rectangle 7"/>
+          <p:cNvSpPr>
+            <a:spLocks noChangeAspect="1"/>
+          </p:cNvSpPr>
+          <p:nvPr/>
+        </p:nvSpPr>
+        <p:spPr>
+          <a:xfrm>
+            <a:off x="447817" y="5141974"/>
+            <a:ext cx="11290860" cy="1258827"/>
+          </a:xfrm>
+          <a:prstGeom prst="rect">
+            <a:avLst/>
+          </a:prstGeom>
+          <a:solidFill>
+            <a:schemeClr val="accent1"/>
+          </a:solidFill>
+          <a:ln>
+            <a:noFill/>
+          </a:ln>
+          <a:effectLst/>
+        </p:spPr>
+        <p:style>
+          <a:lnRef idx="1">
+            <a:schemeClr val="accent1"/>
+          </a:lnRef>
+          <a:fillRef idx="3">
+            <a:schemeClr val="accent1"/>
+          </a:fillRef>
+          <a:effectRef idx="2">
+            <a:schemeClr val="accent1"/>
+          </a:effectRef>
+          <a:fontRef idx="minor">
+            <a:schemeClr val="lt1"/>
+          </a:fontRef>
+        </p:style>
+      </p:sp>
+      <p:sp>
+        <p:nvSpPr>
+          <p:cNvPr id="2" name="Title 1"/>
           <p:cNvSpPr>
             <a:spLocks noGrp="1"/>
           </p:cNvSpPr>
@@ -857,15 +1232,21 @@
         </p:nvSpPr>
         <p:spPr>
           <a:xfrm>
-            <a:off x="831850" y="1709738"/>
-            <a:ext cx="10515600" cy="2852737"/>
-          </a:xfrm>
-        </p:spPr>
-        <p:txBody>
-          <a:bodyPr anchor="b"/>
+            <a:off x="581193" y="3043910"/>
+            <a:ext cx="11029615" cy="1497507"/>
+          </a:xfrm>
+        </p:spPr>
+        <p:txBody>
+          <a:bodyPr anchor="b">
+            <a:normAutofit/>
+          </a:bodyPr>
           <a:lstStyle>
-            <a:lvl1pPr>
-              <a:defRPr sz="6000"/>
+            <a:lvl1pPr algn="l">
+              <a:defRPr sz="3600" b="0" cap="all">
+                <a:solidFill>
+                  <a:schemeClr val="accent1"/>
+                </a:solidFill>
+              </a:defRPr>
             </a:lvl1pPr>
           </a:lstStyle>
           <a:p>
@@ -873,13 +1254,13 @@
               <a:rPr lang="es-ES" smtClean="0"/>
               <a:t>Haga clic para modificar el estilo de título del patrón</a:t>
             </a:r>
-            <a:endParaRPr lang="es-MX"/>
-          </a:p>
-        </p:txBody>
-      </p:sp>
-      <p:sp>
-        <p:nvSpPr>
-          <p:cNvPr id="3" name="Marcador de texto 2"/>
+            <a:endParaRPr lang="en-US" dirty="0"/>
+          </a:p>
+        </p:txBody>
+      </p:sp>
+      <p:sp>
+        <p:nvSpPr>
+          <p:cNvPr id="3" name="Text Placeholder 2"/>
           <p:cNvSpPr>
             <a:spLocks noGrp="1"/>
           </p:cNvSpPr>
@@ -889,26 +1270,26 @@
         </p:nvSpPr>
         <p:spPr>
           <a:xfrm>
-            <a:off x="831850" y="4589463"/>
-            <a:ext cx="10515600" cy="1500187"/>
-          </a:xfrm>
-        </p:spPr>
-        <p:txBody>
-          <a:bodyPr/>
+            <a:off x="581192" y="4541417"/>
+            <a:ext cx="11029615" cy="600556"/>
+          </a:xfrm>
+        </p:spPr>
+        <p:txBody>
+          <a:bodyPr anchor="t">
+            <a:normAutofit/>
+          </a:bodyPr>
           <a:lstStyle>
-            <a:lvl1pPr marL="0" indent="0">
-              <a:buNone/>
-              <a:defRPr sz="2400">
+            <a:lvl1pPr marL="0" indent="0" algn="l">
+              <a:buNone/>
+              <a:defRPr sz="1800" cap="all">
                 <a:solidFill>
-                  <a:schemeClr val="tx1">
-                    <a:tint val="75000"/>
-                  </a:schemeClr>
+                  <a:schemeClr val="accent2"/>
                 </a:solidFill>
               </a:defRPr>
             </a:lvl1pPr>
             <a:lvl2pPr marL="457200" indent="0">
               <a:buNone/>
-              <a:defRPr sz="2000">
+              <a:defRPr sz="1800">
                 <a:solidFill>
                   <a:schemeClr val="tx1">
                     <a:tint val="75000"/>
@@ -918,7 +1299,7 @@
             </a:lvl2pPr>
             <a:lvl3pPr marL="914400" indent="0">
               <a:buNone/>
-              <a:defRPr sz="1800">
+              <a:defRPr sz="1600">
                 <a:solidFill>
                   <a:schemeClr val="tx1">
                     <a:tint val="75000"/>
@@ -928,7 +1309,7 @@
             </a:lvl3pPr>
             <a:lvl4pPr marL="1371600" indent="0">
               <a:buNone/>
-              <a:defRPr sz="1600">
+              <a:defRPr sz="1400">
                 <a:solidFill>
                   <a:schemeClr val="tx1">
                     <a:tint val="75000"/>
@@ -938,7 +1319,7 @@
             </a:lvl4pPr>
             <a:lvl5pPr marL="1828800" indent="0">
               <a:buNone/>
-              <a:defRPr sz="1600">
+              <a:defRPr sz="1400">
                 <a:solidFill>
                   <a:schemeClr val="tx1">
                     <a:tint val="75000"/>
@@ -948,7 +1329,7 @@
             </a:lvl5pPr>
             <a:lvl6pPr marL="2286000" indent="0">
               <a:buNone/>
-              <a:defRPr sz="1600">
+              <a:defRPr sz="1400">
                 <a:solidFill>
                   <a:schemeClr val="tx1">
                     <a:tint val="75000"/>
@@ -958,7 +1339,7 @@
             </a:lvl6pPr>
             <a:lvl7pPr marL="2743200" indent="0">
               <a:buNone/>
-              <a:defRPr sz="1600">
+              <a:defRPr sz="1400">
                 <a:solidFill>
                   <a:schemeClr val="tx1">
                     <a:tint val="75000"/>
@@ -968,7 +1349,7 @@
             </a:lvl7pPr>
             <a:lvl8pPr marL="3200400" indent="0">
               <a:buNone/>
-              <a:defRPr sz="1600">
+              <a:defRPr sz="1400">
                 <a:solidFill>
                   <a:schemeClr val="tx1">
                     <a:tint val="75000"/>
@@ -978,7 +1359,7 @@
             </a:lvl8pPr>
             <a:lvl9pPr marL="3657600" indent="0">
               <a:buNone/>
-              <a:defRPr sz="1600">
+              <a:defRPr sz="1400">
                 <a:solidFill>
                   <a:schemeClr val="tx1">
                     <a:tint val="75000"/>
@@ -998,7 +1379,7 @@
       </p:sp>
       <p:sp>
         <p:nvSpPr>
-          <p:cNvPr id="4" name="Marcador de fecha 3"/>
+          <p:cNvPr id="4" name="Date Placeholder 3"/>
           <p:cNvSpPr>
             <a:spLocks noGrp="1"/>
           </p:cNvSpPr>
@@ -1009,7 +1390,18 @@
         <p:spPr/>
         <p:txBody>
           <a:bodyPr/>
-          <a:lstStyle/>
+          <a:lstStyle>
+            <a:lvl1pPr>
+              <a:defRPr>
+                <a:solidFill>
+                  <a:schemeClr val="accent1">
+                    <a:lumMod val="75000"/>
+                    <a:lumOff val="25000"/>
+                  </a:schemeClr>
+                </a:solidFill>
+              </a:defRPr>
+            </a:lvl1pPr>
+          </a:lstStyle>
           <a:p>
             <a:fld id="{941820D4-FD18-40B0-A2DA-577109253211}" type="datetimeFigureOut">
               <a:rPr lang="es-MX" smtClean="0"/>
@@ -1021,7 +1413,7 @@
       </p:sp>
       <p:sp>
         <p:nvSpPr>
-          <p:cNvPr id="5" name="Marcador de pie de página 4"/>
+          <p:cNvPr id="5" name="Footer Placeholder 4"/>
           <p:cNvSpPr>
             <a:spLocks noGrp="1"/>
           </p:cNvSpPr>
@@ -1032,7 +1424,18 @@
         <p:spPr/>
         <p:txBody>
           <a:bodyPr/>
-          <a:lstStyle/>
+          <a:lstStyle>
+            <a:lvl1pPr>
+              <a:defRPr>
+                <a:solidFill>
+                  <a:schemeClr val="accent1">
+                    <a:lumMod val="75000"/>
+                    <a:lumOff val="25000"/>
+                  </a:schemeClr>
+                </a:solidFill>
+              </a:defRPr>
+            </a:lvl1pPr>
+          </a:lstStyle>
           <a:p>
             <a:endParaRPr lang="es-MX"/>
           </a:p>
@@ -1040,7 +1443,7 @@
       </p:sp>
       <p:sp>
         <p:nvSpPr>
-          <p:cNvPr id="6" name="Marcador de número de diapositiva 5"/>
+          <p:cNvPr id="6" name="Slide Number Placeholder 5"/>
           <p:cNvSpPr>
             <a:spLocks noGrp="1"/>
           </p:cNvSpPr>
@@ -1051,7 +1454,18 @@
         <p:spPr/>
         <p:txBody>
           <a:bodyPr/>
-          <a:lstStyle/>
+          <a:lstStyle>
+            <a:lvl1pPr>
+              <a:defRPr>
+                <a:solidFill>
+                  <a:schemeClr val="accent1">
+                    <a:lumMod val="75000"/>
+                    <a:lumOff val="25000"/>
+                  </a:schemeClr>
+                </a:solidFill>
+              </a:defRPr>
+            </a:lvl1pPr>
+          </a:lstStyle>
           <a:p>
             <a:fld id="{4C344F94-92B1-4075-82AE-8BB90E39107F}" type="slidenum">
               <a:rPr lang="es-MX" smtClean="0"/>
@@ -1064,7 +1478,7 @@
     </p:spTree>
     <p:extLst>
       <p:ext uri="{BB962C8B-B14F-4D97-AF65-F5344CB8AC3E}">
-        <p14:creationId xmlns:p14="http://schemas.microsoft.com/office/powerpoint/2010/main" val="1880037252"/>
+        <p14:creationId xmlns:p14="http://schemas.microsoft.com/office/powerpoint/2010/main" val="3637430967"/>
       </p:ext>
     </p:extLst>
   </p:cSld>
@@ -1093,7 +1507,46 @@
       </p:grpSpPr>
       <p:sp>
         <p:nvSpPr>
-          <p:cNvPr id="2" name="Título 1"/>
+          <p:cNvPr id="8" name="Rectangle 7"/>
+          <p:cNvSpPr>
+            <a:spLocks noChangeAspect="1"/>
+          </p:cNvSpPr>
+          <p:nvPr/>
+        </p:nvSpPr>
+        <p:spPr>
+          <a:xfrm>
+            <a:off x="445982" y="606554"/>
+            <a:ext cx="11300036" cy="1258827"/>
+          </a:xfrm>
+          <a:prstGeom prst="rect">
+            <a:avLst/>
+          </a:prstGeom>
+          <a:solidFill>
+            <a:schemeClr val="accent1"/>
+          </a:solidFill>
+          <a:ln>
+            <a:noFill/>
+          </a:ln>
+          <a:effectLst/>
+        </p:spPr>
+        <p:style>
+          <a:lnRef idx="1">
+            <a:schemeClr val="accent1"/>
+          </a:lnRef>
+          <a:fillRef idx="3">
+            <a:schemeClr val="accent1"/>
+          </a:fillRef>
+          <a:effectRef idx="2">
+            <a:schemeClr val="accent1"/>
+          </a:effectRef>
+          <a:fontRef idx="minor">
+            <a:schemeClr val="lt1"/>
+          </a:fontRef>
+        </p:style>
+      </p:sp>
+      <p:sp>
+        <p:nvSpPr>
+          <p:cNvPr id="2" name="Title 1"/>
           <p:cNvSpPr>
             <a:spLocks noGrp="1"/>
           </p:cNvSpPr>
@@ -1101,7 +1554,12 @@
             <p:ph type="title"/>
           </p:nvPr>
         </p:nvSpPr>
-        <p:spPr/>
+        <p:spPr>
+          <a:xfrm>
+            <a:off x="581193" y="729658"/>
+            <a:ext cx="11029616" cy="988332"/>
+          </a:xfrm>
+        </p:spPr>
         <p:txBody>
           <a:bodyPr/>
           <a:lstStyle/>
@@ -1110,13 +1568,13 @@
               <a:rPr lang="es-ES" smtClean="0"/>
               <a:t>Haga clic para modificar el estilo de título del patrón</a:t>
             </a:r>
-            <a:endParaRPr lang="es-MX"/>
-          </a:p>
-        </p:txBody>
-      </p:sp>
-      <p:sp>
-        <p:nvSpPr>
-          <p:cNvPr id="3" name="Marcador de contenido 2"/>
+            <a:endParaRPr lang="en-US" dirty="0"/>
+          </a:p>
+        </p:txBody>
+      </p:sp>
+      <p:sp>
+        <p:nvSpPr>
+          <p:cNvPr id="3" name="Content Placeholder 2"/>
           <p:cNvSpPr>
             <a:spLocks noGrp="1"/>
           </p:cNvSpPr>
@@ -1126,12 +1584,14 @@
         </p:nvSpPr>
         <p:spPr>
           <a:xfrm>
-            <a:off x="838200" y="1825625"/>
-            <a:ext cx="5181600" cy="4351338"/>
-          </a:xfrm>
-        </p:spPr>
-        <p:txBody>
-          <a:bodyPr/>
+            <a:off x="581193" y="2228003"/>
+            <a:ext cx="5422390" cy="3633047"/>
+          </a:xfrm>
+        </p:spPr>
+        <p:txBody>
+          <a:bodyPr>
+            <a:normAutofit/>
+          </a:bodyPr>
           <a:lstStyle/>
           <a:p>
             <a:pPr lvl="0"/>
@@ -1167,13 +1627,13 @@
               <a:rPr lang="es-ES" smtClean="0"/>
               <a:t>Quinto nivel</a:t>
             </a:r>
-            <a:endParaRPr lang="es-MX"/>
-          </a:p>
-        </p:txBody>
-      </p:sp>
-      <p:sp>
-        <p:nvSpPr>
-          <p:cNvPr id="4" name="Marcador de contenido 3"/>
+            <a:endParaRPr lang="en-US" dirty="0"/>
+          </a:p>
+        </p:txBody>
+      </p:sp>
+      <p:sp>
+        <p:nvSpPr>
+          <p:cNvPr id="4" name="Content Placeholder 3"/>
           <p:cNvSpPr>
             <a:spLocks noGrp="1"/>
           </p:cNvSpPr>
@@ -1183,12 +1643,14 @@
         </p:nvSpPr>
         <p:spPr>
           <a:xfrm>
-            <a:off x="6172200" y="1825625"/>
-            <a:ext cx="5181600" cy="4351338"/>
-          </a:xfrm>
-        </p:spPr>
-        <p:txBody>
-          <a:bodyPr/>
+            <a:off x="6188417" y="2228003"/>
+            <a:ext cx="5422392" cy="3633047"/>
+          </a:xfrm>
+        </p:spPr>
+        <p:txBody>
+          <a:bodyPr>
+            <a:normAutofit/>
+          </a:bodyPr>
           <a:lstStyle/>
           <a:p>
             <a:pPr lvl="0"/>
@@ -1224,13 +1686,13 @@
               <a:rPr lang="es-ES" smtClean="0"/>
               <a:t>Quinto nivel</a:t>
             </a:r>
-            <a:endParaRPr lang="es-MX"/>
-          </a:p>
-        </p:txBody>
-      </p:sp>
-      <p:sp>
-        <p:nvSpPr>
-          <p:cNvPr id="5" name="Marcador de fecha 4"/>
+            <a:endParaRPr lang="en-US" dirty="0"/>
+          </a:p>
+        </p:txBody>
+      </p:sp>
+      <p:sp>
+        <p:nvSpPr>
+          <p:cNvPr id="5" name="Date Placeholder 4"/>
           <p:cNvSpPr>
             <a:spLocks noGrp="1"/>
           </p:cNvSpPr>
@@ -1253,7 +1715,7 @@
       </p:sp>
       <p:sp>
         <p:nvSpPr>
-          <p:cNvPr id="6" name="Marcador de pie de página 5"/>
+          <p:cNvPr id="6" name="Footer Placeholder 5"/>
           <p:cNvSpPr>
             <a:spLocks noGrp="1"/>
           </p:cNvSpPr>
@@ -1272,7 +1734,7 @@
       </p:sp>
       <p:sp>
         <p:nvSpPr>
-          <p:cNvPr id="7" name="Marcador de número de diapositiva 6"/>
+          <p:cNvPr id="7" name="Slide Number Placeholder 6"/>
           <p:cNvSpPr>
             <a:spLocks noGrp="1"/>
           </p:cNvSpPr>
@@ -1296,7 +1758,7 @@
     </p:spTree>
     <p:extLst>
       <p:ext uri="{BB962C8B-B14F-4D97-AF65-F5344CB8AC3E}">
-        <p14:creationId xmlns:p14="http://schemas.microsoft.com/office/powerpoint/2010/main" val="1572956127"/>
+        <p14:creationId xmlns:p14="http://schemas.microsoft.com/office/powerpoint/2010/main" val="2478598964"/>
       </p:ext>
     </p:extLst>
   </p:cSld>
@@ -1325,7 +1787,46 @@
       </p:grpSpPr>
       <p:sp>
         <p:nvSpPr>
-          <p:cNvPr id="2" name="Título 1"/>
+          <p:cNvPr id="11" name="Rectangle 10"/>
+          <p:cNvSpPr>
+            <a:spLocks noChangeAspect="1"/>
+          </p:cNvSpPr>
+          <p:nvPr/>
+        </p:nvSpPr>
+        <p:spPr>
+          <a:xfrm>
+            <a:off x="445982" y="606554"/>
+            <a:ext cx="11300036" cy="1258827"/>
+          </a:xfrm>
+          <a:prstGeom prst="rect">
+            <a:avLst/>
+          </a:prstGeom>
+          <a:solidFill>
+            <a:schemeClr val="accent1"/>
+          </a:solidFill>
+          <a:ln>
+            <a:noFill/>
+          </a:ln>
+          <a:effectLst/>
+        </p:spPr>
+        <p:style>
+          <a:lnRef idx="1">
+            <a:schemeClr val="accent1"/>
+          </a:lnRef>
+          <a:fillRef idx="3">
+            <a:schemeClr val="accent1"/>
+          </a:fillRef>
+          <a:effectRef idx="2">
+            <a:schemeClr val="accent1"/>
+          </a:effectRef>
+          <a:fontRef idx="minor">
+            <a:schemeClr val="lt1"/>
+          </a:fontRef>
+        </p:style>
+      </p:sp>
+      <p:sp>
+        <p:nvSpPr>
+          <p:cNvPr id="12" name="Title 1"/>
           <p:cNvSpPr>
             <a:spLocks noGrp="1"/>
           </p:cNvSpPr>
@@ -1335,8 +1836,8 @@
         </p:nvSpPr>
         <p:spPr>
           <a:xfrm>
-            <a:off x="839788" y="365125"/>
-            <a:ext cx="10515600" cy="1325563"/>
+            <a:off x="581193" y="729658"/>
+            <a:ext cx="11029616" cy="988332"/>
           </a:xfrm>
         </p:spPr>
         <p:txBody>
@@ -1347,13 +1848,13 @@
               <a:rPr lang="es-ES" smtClean="0"/>
               <a:t>Haga clic para modificar el estilo de título del patrón</a:t>
             </a:r>
-            <a:endParaRPr lang="es-MX"/>
-          </a:p>
-        </p:txBody>
-      </p:sp>
-      <p:sp>
-        <p:nvSpPr>
-          <p:cNvPr id="3" name="Marcador de texto 2"/>
+            <a:endParaRPr lang="en-US" dirty="0"/>
+          </a:p>
+        </p:txBody>
+      </p:sp>
+      <p:sp>
+        <p:nvSpPr>
+          <p:cNvPr id="3" name="Text Placeholder 2"/>
           <p:cNvSpPr>
             <a:spLocks noGrp="1"/>
           </p:cNvSpPr>
@@ -1363,16 +1864,22 @@
         </p:nvSpPr>
         <p:spPr>
           <a:xfrm>
-            <a:off x="839788" y="1681163"/>
-            <a:ext cx="5157787" cy="823912"/>
-          </a:xfrm>
-        </p:spPr>
-        <p:txBody>
-          <a:bodyPr anchor="b"/>
+            <a:off x="887219" y="2250892"/>
+            <a:ext cx="5087075" cy="536005"/>
+          </a:xfrm>
+        </p:spPr>
+        <p:txBody>
+          <a:bodyPr anchor="b">
+            <a:noAutofit/>
+          </a:bodyPr>
           <a:lstStyle>
             <a:lvl1pPr marL="0" indent="0">
               <a:buNone/>
-              <a:defRPr sz="2400" b="1"/>
+              <a:defRPr sz="2200" b="0">
+                <a:solidFill>
+                  <a:schemeClr val="accent2"/>
+                </a:solidFill>
+              </a:defRPr>
             </a:lvl1pPr>
             <a:lvl2pPr marL="457200" indent="0">
               <a:buNone/>
@@ -1418,7 +1925,7 @@
       </p:sp>
       <p:sp>
         <p:nvSpPr>
-          <p:cNvPr id="4" name="Marcador de contenido 3"/>
+          <p:cNvPr id="4" name="Content Placeholder 3"/>
           <p:cNvSpPr>
             <a:spLocks noGrp="1"/>
           </p:cNvSpPr>
@@ -1428,12 +1935,14 @@
         </p:nvSpPr>
         <p:spPr>
           <a:xfrm>
-            <a:off x="839788" y="2505075"/>
-            <a:ext cx="5157787" cy="3684588"/>
-          </a:xfrm>
-        </p:spPr>
-        <p:txBody>
-          <a:bodyPr/>
+            <a:off x="581194" y="2926052"/>
+            <a:ext cx="5393100" cy="2934999"/>
+          </a:xfrm>
+        </p:spPr>
+        <p:txBody>
+          <a:bodyPr anchor="t">
+            <a:normAutofit/>
+          </a:bodyPr>
           <a:lstStyle/>
           <a:p>
             <a:pPr lvl="0"/>
@@ -1469,13 +1978,13 @@
               <a:rPr lang="es-ES" smtClean="0"/>
               <a:t>Quinto nivel</a:t>
             </a:r>
-            <a:endParaRPr lang="es-MX"/>
-          </a:p>
-        </p:txBody>
-      </p:sp>
-      <p:sp>
-        <p:nvSpPr>
-          <p:cNvPr id="5" name="Marcador de texto 4"/>
+            <a:endParaRPr lang="en-US" dirty="0"/>
+          </a:p>
+        </p:txBody>
+      </p:sp>
+      <p:sp>
+        <p:nvSpPr>
+          <p:cNvPr id="5" name="Text Placeholder 4"/>
           <p:cNvSpPr>
             <a:spLocks noGrp="1"/>
           </p:cNvSpPr>
@@ -1485,16 +1994,22 @@
         </p:nvSpPr>
         <p:spPr>
           <a:xfrm>
-            <a:off x="6172200" y="1681163"/>
-            <a:ext cx="5183188" cy="823912"/>
-          </a:xfrm>
-        </p:spPr>
-        <p:txBody>
-          <a:bodyPr anchor="b"/>
+            <a:off x="6523735" y="2250892"/>
+            <a:ext cx="5087073" cy="553373"/>
+          </a:xfrm>
+        </p:spPr>
+        <p:txBody>
+          <a:bodyPr anchor="b">
+            <a:noAutofit/>
+          </a:bodyPr>
           <a:lstStyle>
             <a:lvl1pPr marL="0" indent="0">
               <a:buNone/>
-              <a:defRPr sz="2400" b="1"/>
+              <a:defRPr sz="2200" b="0">
+                <a:solidFill>
+                  <a:schemeClr val="accent2"/>
+                </a:solidFill>
+              </a:defRPr>
             </a:lvl1pPr>
             <a:lvl2pPr marL="457200" indent="0">
               <a:buNone/>
@@ -1540,7 +2055,7 @@
       </p:sp>
       <p:sp>
         <p:nvSpPr>
-          <p:cNvPr id="6" name="Marcador de contenido 5"/>
+          <p:cNvPr id="6" name="Content Placeholder 5"/>
           <p:cNvSpPr>
             <a:spLocks noGrp="1"/>
           </p:cNvSpPr>
@@ -1550,12 +2065,14 @@
         </p:nvSpPr>
         <p:spPr>
           <a:xfrm>
-            <a:off x="6172200" y="2505075"/>
-            <a:ext cx="5183188" cy="3684588"/>
-          </a:xfrm>
-        </p:spPr>
-        <p:txBody>
-          <a:bodyPr/>
+            <a:off x="6217709" y="2926052"/>
+            <a:ext cx="5393100" cy="2934999"/>
+          </a:xfrm>
+        </p:spPr>
+        <p:txBody>
+          <a:bodyPr anchor="t">
+            <a:normAutofit/>
+          </a:bodyPr>
           <a:lstStyle/>
           <a:p>
             <a:pPr lvl="0"/>
@@ -1591,13 +2108,13 @@
               <a:rPr lang="es-ES" smtClean="0"/>
               <a:t>Quinto nivel</a:t>
             </a:r>
-            <a:endParaRPr lang="es-MX"/>
-          </a:p>
-        </p:txBody>
-      </p:sp>
-      <p:sp>
-        <p:nvSpPr>
-          <p:cNvPr id="7" name="Marcador de fecha 6"/>
+            <a:endParaRPr lang="en-US" dirty="0"/>
+          </a:p>
+        </p:txBody>
+      </p:sp>
+      <p:sp>
+        <p:nvSpPr>
+          <p:cNvPr id="7" name="Date Placeholder 6"/>
           <p:cNvSpPr>
             <a:spLocks noGrp="1"/>
           </p:cNvSpPr>
@@ -1620,7 +2137,7 @@
       </p:sp>
       <p:sp>
         <p:nvSpPr>
-          <p:cNvPr id="8" name="Marcador de pie de página 7"/>
+          <p:cNvPr id="8" name="Footer Placeholder 7"/>
           <p:cNvSpPr>
             <a:spLocks noGrp="1"/>
           </p:cNvSpPr>
@@ -1639,7 +2156,7 @@
       </p:sp>
       <p:sp>
         <p:nvSpPr>
-          <p:cNvPr id="9" name="Marcador de número de diapositiva 8"/>
+          <p:cNvPr id="9" name="Slide Number Placeholder 8"/>
           <p:cNvSpPr>
             <a:spLocks noGrp="1"/>
           </p:cNvSpPr>
@@ -1663,7 +2180,7 @@
     </p:spTree>
     <p:extLst>
       <p:ext uri="{BB962C8B-B14F-4D97-AF65-F5344CB8AC3E}">
-        <p14:creationId xmlns:p14="http://schemas.microsoft.com/office/powerpoint/2010/main" val="588027672"/>
+        <p14:creationId xmlns:p14="http://schemas.microsoft.com/office/powerpoint/2010/main" val="1135290948"/>
       </p:ext>
     </p:extLst>
   </p:cSld>
@@ -1692,7 +2209,46 @@
       </p:grpSpPr>
       <p:sp>
         <p:nvSpPr>
-          <p:cNvPr id="2" name="Título 1"/>
+          <p:cNvPr id="7" name="Rectangle 6"/>
+          <p:cNvSpPr>
+            <a:spLocks noChangeAspect="1"/>
+          </p:cNvSpPr>
+          <p:nvPr/>
+        </p:nvSpPr>
+        <p:spPr>
+          <a:xfrm>
+            <a:off x="440683" y="606554"/>
+            <a:ext cx="11300036" cy="1258827"/>
+          </a:xfrm>
+          <a:prstGeom prst="rect">
+            <a:avLst/>
+          </a:prstGeom>
+          <a:solidFill>
+            <a:schemeClr val="accent1"/>
+          </a:solidFill>
+          <a:ln>
+            <a:noFill/>
+          </a:ln>
+          <a:effectLst/>
+        </p:spPr>
+        <p:style>
+          <a:lnRef idx="1">
+            <a:schemeClr val="accent1"/>
+          </a:lnRef>
+          <a:fillRef idx="3">
+            <a:schemeClr val="accent1"/>
+          </a:fillRef>
+          <a:effectRef idx="2">
+            <a:schemeClr val="accent1"/>
+          </a:effectRef>
+          <a:fontRef idx="minor">
+            <a:schemeClr val="lt1"/>
+          </a:fontRef>
+        </p:style>
+      </p:sp>
+      <p:sp>
+        <p:nvSpPr>
+          <p:cNvPr id="8" name="Title 1"/>
           <p:cNvSpPr>
             <a:spLocks noGrp="1"/>
           </p:cNvSpPr>
@@ -1700,7 +2256,12 @@
             <p:ph type="title"/>
           </p:nvPr>
         </p:nvSpPr>
-        <p:spPr/>
+        <p:spPr>
+          <a:xfrm>
+            <a:off x="575894" y="729658"/>
+            <a:ext cx="11029616" cy="988332"/>
+          </a:xfrm>
+        </p:spPr>
         <p:txBody>
           <a:bodyPr/>
           <a:lstStyle/>
@@ -1709,13 +2270,13 @@
               <a:rPr lang="es-ES" smtClean="0"/>
               <a:t>Haga clic para modificar el estilo de título del patrón</a:t>
             </a:r>
-            <a:endParaRPr lang="es-MX"/>
-          </a:p>
-        </p:txBody>
-      </p:sp>
-      <p:sp>
-        <p:nvSpPr>
-          <p:cNvPr id="3" name="Marcador de fecha 2"/>
+            <a:endParaRPr lang="en-US" dirty="0"/>
+          </a:p>
+        </p:txBody>
+      </p:sp>
+      <p:sp>
+        <p:nvSpPr>
+          <p:cNvPr id="3" name="Date Placeholder 2"/>
           <p:cNvSpPr>
             <a:spLocks noGrp="1"/>
           </p:cNvSpPr>
@@ -1738,7 +2299,7 @@
       </p:sp>
       <p:sp>
         <p:nvSpPr>
-          <p:cNvPr id="4" name="Marcador de pie de página 3"/>
+          <p:cNvPr id="4" name="Footer Placeholder 3"/>
           <p:cNvSpPr>
             <a:spLocks noGrp="1"/>
           </p:cNvSpPr>
@@ -1757,7 +2318,7 @@
       </p:sp>
       <p:sp>
         <p:nvSpPr>
-          <p:cNvPr id="5" name="Marcador de número de diapositiva 4"/>
+          <p:cNvPr id="5" name="Slide Number Placeholder 4"/>
           <p:cNvSpPr>
             <a:spLocks noGrp="1"/>
           </p:cNvSpPr>
@@ -1781,7 +2342,7 @@
     </p:spTree>
     <p:extLst>
       <p:ext uri="{BB962C8B-B14F-4D97-AF65-F5344CB8AC3E}">
-        <p14:creationId xmlns:p14="http://schemas.microsoft.com/office/powerpoint/2010/main" val="562995383"/>
+        <p14:creationId xmlns:p14="http://schemas.microsoft.com/office/powerpoint/2010/main" val="2185059270"/>
       </p:ext>
     </p:extLst>
   </p:cSld>
@@ -1810,7 +2371,7 @@
       </p:grpSpPr>
       <p:sp>
         <p:nvSpPr>
-          <p:cNvPr id="2" name="Marcador de fecha 1"/>
+          <p:cNvPr id="2" name="Date Placeholder 1"/>
           <p:cNvSpPr>
             <a:spLocks noGrp="1"/>
           </p:cNvSpPr>
@@ -1833,7 +2394,7 @@
       </p:sp>
       <p:sp>
         <p:nvSpPr>
-          <p:cNvPr id="3" name="Marcador de pie de página 2"/>
+          <p:cNvPr id="3" name="Footer Placeholder 2"/>
           <p:cNvSpPr>
             <a:spLocks noGrp="1"/>
           </p:cNvSpPr>
@@ -1852,7 +2413,7 @@
       </p:sp>
       <p:sp>
         <p:nvSpPr>
-          <p:cNvPr id="4" name="Marcador de número de diapositiva 3"/>
+          <p:cNvPr id="4" name="Slide Number Placeholder 3"/>
           <p:cNvSpPr>
             <a:spLocks noGrp="1"/>
           </p:cNvSpPr>
@@ -1876,7 +2437,7 @@
     </p:spTree>
     <p:extLst>
       <p:ext uri="{BB962C8B-B14F-4D97-AF65-F5344CB8AC3E}">
-        <p14:creationId xmlns:p14="http://schemas.microsoft.com/office/powerpoint/2010/main" val="2205884821"/>
+        <p14:creationId xmlns:p14="http://schemas.microsoft.com/office/powerpoint/2010/main" val="2976046700"/>
       </p:ext>
     </p:extLst>
   </p:cSld>
@@ -1905,7 +2466,46 @@
       </p:grpSpPr>
       <p:sp>
         <p:nvSpPr>
-          <p:cNvPr id="2" name="Título 1"/>
+          <p:cNvPr id="9" name="Rectangle 8"/>
+          <p:cNvSpPr>
+            <a:spLocks noChangeAspect="1"/>
+          </p:cNvSpPr>
+          <p:nvPr/>
+        </p:nvSpPr>
+        <p:spPr>
+          <a:xfrm>
+            <a:off x="447817" y="5141973"/>
+            <a:ext cx="11298200" cy="1274702"/>
+          </a:xfrm>
+          <a:prstGeom prst="rect">
+            <a:avLst/>
+          </a:prstGeom>
+          <a:solidFill>
+            <a:schemeClr val="accent1"/>
+          </a:solidFill>
+          <a:ln>
+            <a:noFill/>
+          </a:ln>
+          <a:effectLst/>
+        </p:spPr>
+        <p:style>
+          <a:lnRef idx="1">
+            <a:schemeClr val="accent1"/>
+          </a:lnRef>
+          <a:fillRef idx="3">
+            <a:schemeClr val="accent1"/>
+          </a:fillRef>
+          <a:effectRef idx="2">
+            <a:schemeClr val="accent1"/>
+          </a:effectRef>
+          <a:fontRef idx="minor">
+            <a:schemeClr val="lt1"/>
+          </a:fontRef>
+        </p:style>
+      </p:sp>
+      <p:sp>
+        <p:nvSpPr>
+          <p:cNvPr id="2" name="Title 1"/>
           <p:cNvSpPr>
             <a:spLocks noGrp="1"/>
           </p:cNvSpPr>
@@ -1915,190 +2515,252 @@
         </p:nvSpPr>
         <p:spPr>
           <a:xfrm>
-            <a:off x="839788" y="457200"/>
-            <a:ext cx="3932237" cy="1600200"/>
-          </a:xfrm>
-        </p:spPr>
-        <p:txBody>
-          <a:bodyPr anchor="b"/>
+            <a:off x="581192" y="5262296"/>
+            <a:ext cx="4909445" cy="689514"/>
+          </a:xfrm>
+        </p:spPr>
+        <p:txBody>
+          <a:bodyPr anchor="ctr"/>
+          <a:lstStyle>
+            <a:lvl1pPr algn="l">
+              <a:defRPr sz="2000" b="0">
+                <a:solidFill>
+                  <a:schemeClr val="accent1">
+                    <a:lumMod val="75000"/>
+                    <a:lumOff val="25000"/>
+                  </a:schemeClr>
+                </a:solidFill>
+              </a:defRPr>
+            </a:lvl1pPr>
+          </a:lstStyle>
+          <a:p>
+            <a:r>
+              <a:rPr lang="es-ES" smtClean="0"/>
+              <a:t>Haga clic para modificar el estilo de título del patrón</a:t>
+            </a:r>
+            <a:endParaRPr lang="en-US" dirty="0"/>
+          </a:p>
+        </p:txBody>
+      </p:sp>
+      <p:sp>
+        <p:nvSpPr>
+          <p:cNvPr id="3" name="Content Placeholder 2"/>
+          <p:cNvSpPr>
+            <a:spLocks noGrp="1"/>
+          </p:cNvSpPr>
+          <p:nvPr>
+            <p:ph idx="1"/>
+          </p:nvPr>
+        </p:nvSpPr>
+        <p:spPr>
+          <a:xfrm>
+            <a:off x="447816" y="601200"/>
+            <a:ext cx="11292840" cy="4204800"/>
+          </a:xfrm>
+        </p:spPr>
+        <p:txBody>
+          <a:bodyPr anchor="ctr">
+            <a:normAutofit/>
+          </a:bodyPr>
           <a:lstStyle>
             <a:lvl1pPr>
-              <a:defRPr sz="3200"/>
+              <a:defRPr sz="2000">
+                <a:solidFill>
+                  <a:schemeClr val="tx2"/>
+                </a:solidFill>
+              </a:defRPr>
             </a:lvl1pPr>
+            <a:lvl2pPr>
+              <a:defRPr sz="1800">
+                <a:solidFill>
+                  <a:schemeClr val="tx2"/>
+                </a:solidFill>
+              </a:defRPr>
+            </a:lvl2pPr>
+            <a:lvl3pPr>
+              <a:defRPr sz="1600">
+                <a:solidFill>
+                  <a:schemeClr val="tx2"/>
+                </a:solidFill>
+              </a:defRPr>
+            </a:lvl3pPr>
+            <a:lvl4pPr>
+              <a:defRPr sz="1400">
+                <a:solidFill>
+                  <a:schemeClr val="tx2"/>
+                </a:solidFill>
+              </a:defRPr>
+            </a:lvl4pPr>
+            <a:lvl5pPr>
+              <a:defRPr sz="1400">
+                <a:solidFill>
+                  <a:schemeClr val="tx2"/>
+                </a:solidFill>
+              </a:defRPr>
+            </a:lvl5pPr>
+            <a:lvl6pPr>
+              <a:defRPr sz="1400">
+                <a:solidFill>
+                  <a:schemeClr val="tx2"/>
+                </a:solidFill>
+              </a:defRPr>
+            </a:lvl6pPr>
+            <a:lvl7pPr>
+              <a:defRPr sz="1400">
+                <a:solidFill>
+                  <a:schemeClr val="tx2"/>
+                </a:solidFill>
+              </a:defRPr>
+            </a:lvl7pPr>
+            <a:lvl8pPr>
+              <a:defRPr sz="1400">
+                <a:solidFill>
+                  <a:schemeClr val="tx2"/>
+                </a:solidFill>
+              </a:defRPr>
+            </a:lvl8pPr>
+            <a:lvl9pPr>
+              <a:defRPr sz="1400">
+                <a:solidFill>
+                  <a:schemeClr val="tx2"/>
+                </a:solidFill>
+              </a:defRPr>
+            </a:lvl9pPr>
           </a:lstStyle>
           <a:p>
-            <a:r>
-              <a:rPr lang="es-ES" smtClean="0"/>
-              <a:t>Haga clic para modificar el estilo de título del patrón</a:t>
-            </a:r>
-            <a:endParaRPr lang="es-MX"/>
-          </a:p>
-        </p:txBody>
-      </p:sp>
-      <p:sp>
-        <p:nvSpPr>
-          <p:cNvPr id="3" name="Marcador de contenido 2"/>
-          <p:cNvSpPr>
-            <a:spLocks noGrp="1"/>
-          </p:cNvSpPr>
-          <p:nvPr>
-            <p:ph idx="1"/>
-          </p:nvPr>
-        </p:nvSpPr>
-        <p:spPr>
-          <a:xfrm>
-            <a:off x="5183188" y="987425"/>
-            <a:ext cx="6172200" cy="4873625"/>
-          </a:xfrm>
-        </p:spPr>
+            <a:pPr lvl="0"/>
+            <a:r>
+              <a:rPr lang="es-ES" smtClean="0"/>
+              <a:t>Editar el estilo de texto del patrón</a:t>
+            </a:r>
+          </a:p>
+          <a:p>
+            <a:pPr lvl="1"/>
+            <a:r>
+              <a:rPr lang="es-ES" smtClean="0"/>
+              <a:t>Segundo nivel</a:t>
+            </a:r>
+          </a:p>
+          <a:p>
+            <a:pPr lvl="2"/>
+            <a:r>
+              <a:rPr lang="es-ES" smtClean="0"/>
+              <a:t>Tercer nivel</a:t>
+            </a:r>
+          </a:p>
+          <a:p>
+            <a:pPr lvl="3"/>
+            <a:r>
+              <a:rPr lang="es-ES" smtClean="0"/>
+              <a:t>Cuarto nivel</a:t>
+            </a:r>
+          </a:p>
+          <a:p>
+            <a:pPr lvl="4"/>
+            <a:r>
+              <a:rPr lang="es-ES" smtClean="0"/>
+              <a:t>Quinto nivel</a:t>
+            </a:r>
+            <a:endParaRPr lang="en-US" dirty="0"/>
+          </a:p>
+        </p:txBody>
+      </p:sp>
+      <p:sp>
+        <p:nvSpPr>
+          <p:cNvPr id="4" name="Text Placeholder 3"/>
+          <p:cNvSpPr>
+            <a:spLocks noGrp="1"/>
+          </p:cNvSpPr>
+          <p:nvPr>
+            <p:ph type="body" sz="half" idx="2"/>
+          </p:nvPr>
+        </p:nvSpPr>
+        <p:spPr>
+          <a:xfrm>
+            <a:off x="5740823" y="5262296"/>
+            <a:ext cx="5869987" cy="689515"/>
+          </a:xfrm>
+        </p:spPr>
+        <p:txBody>
+          <a:bodyPr anchor="ctr">
+            <a:normAutofit/>
+          </a:bodyPr>
+          <a:lstStyle>
+            <a:lvl1pPr marL="0" indent="0" algn="r">
+              <a:buNone/>
+              <a:defRPr sz="1100">
+                <a:solidFill>
+                  <a:schemeClr val="bg1"/>
+                </a:solidFill>
+              </a:defRPr>
+            </a:lvl1pPr>
+            <a:lvl2pPr marL="457200" indent="0">
+              <a:buNone/>
+              <a:defRPr sz="1100"/>
+            </a:lvl2pPr>
+            <a:lvl3pPr marL="914400" indent="0">
+              <a:buNone/>
+              <a:defRPr sz="1000"/>
+            </a:lvl3pPr>
+            <a:lvl4pPr marL="1371600" indent="0">
+              <a:buNone/>
+              <a:defRPr sz="900"/>
+            </a:lvl4pPr>
+            <a:lvl5pPr marL="1828800" indent="0">
+              <a:buNone/>
+              <a:defRPr sz="900"/>
+            </a:lvl5pPr>
+            <a:lvl6pPr marL="2286000" indent="0">
+              <a:buNone/>
+              <a:defRPr sz="900"/>
+            </a:lvl6pPr>
+            <a:lvl7pPr marL="2743200" indent="0">
+              <a:buNone/>
+              <a:defRPr sz="900"/>
+            </a:lvl7pPr>
+            <a:lvl8pPr marL="3200400" indent="0">
+              <a:buNone/>
+              <a:defRPr sz="900"/>
+            </a:lvl8pPr>
+            <a:lvl9pPr marL="3657600" indent="0">
+              <a:buNone/>
+              <a:defRPr sz="900"/>
+            </a:lvl9pPr>
+          </a:lstStyle>
+          <a:p>
+            <a:pPr lvl="0"/>
+            <a:r>
+              <a:rPr lang="es-ES" smtClean="0"/>
+              <a:t>Editar el estilo de texto del patrón</a:t>
+            </a:r>
+          </a:p>
+        </p:txBody>
+      </p:sp>
+      <p:sp>
+        <p:nvSpPr>
+          <p:cNvPr id="5" name="Date Placeholder 4"/>
+          <p:cNvSpPr>
+            <a:spLocks noGrp="1"/>
+          </p:cNvSpPr>
+          <p:nvPr>
+            <p:ph type="dt" sz="half" idx="10"/>
+          </p:nvPr>
+        </p:nvSpPr>
+        <p:spPr/>
         <p:txBody>
           <a:bodyPr/>
           <a:lstStyle>
             <a:lvl1pPr>
-              <a:defRPr sz="3200"/>
+              <a:defRPr>
+                <a:solidFill>
+                  <a:schemeClr val="accent1">
+                    <a:lumMod val="75000"/>
+                    <a:lumOff val="25000"/>
+                  </a:schemeClr>
+                </a:solidFill>
+              </a:defRPr>
             </a:lvl1pPr>
-            <a:lvl2pPr>
-              <a:defRPr sz="2800"/>
-            </a:lvl2pPr>
-            <a:lvl3pPr>
-              <a:defRPr sz="2400"/>
-            </a:lvl3pPr>
-            <a:lvl4pPr>
-              <a:defRPr sz="2000"/>
-            </a:lvl4pPr>
-            <a:lvl5pPr>
-              <a:defRPr sz="2000"/>
-            </a:lvl5pPr>
-            <a:lvl6pPr>
-              <a:defRPr sz="2000"/>
-            </a:lvl6pPr>
-            <a:lvl7pPr>
-              <a:defRPr sz="2000"/>
-            </a:lvl7pPr>
-            <a:lvl8pPr>
-              <a:defRPr sz="2000"/>
-            </a:lvl8pPr>
-            <a:lvl9pPr>
-              <a:defRPr sz="2000"/>
-            </a:lvl9pPr>
           </a:lstStyle>
-          <a:p>
-            <a:pPr lvl="0"/>
-            <a:r>
-              <a:rPr lang="es-ES" smtClean="0"/>
-              <a:t>Editar el estilo de texto del patrón</a:t>
-            </a:r>
-          </a:p>
-          <a:p>
-            <a:pPr lvl="1"/>
-            <a:r>
-              <a:rPr lang="es-ES" smtClean="0"/>
-              <a:t>Segundo nivel</a:t>
-            </a:r>
-          </a:p>
-          <a:p>
-            <a:pPr lvl="2"/>
-            <a:r>
-              <a:rPr lang="es-ES" smtClean="0"/>
-              <a:t>Tercer nivel</a:t>
-            </a:r>
-          </a:p>
-          <a:p>
-            <a:pPr lvl="3"/>
-            <a:r>
-              <a:rPr lang="es-ES" smtClean="0"/>
-              <a:t>Cuarto nivel</a:t>
-            </a:r>
-          </a:p>
-          <a:p>
-            <a:pPr lvl="4"/>
-            <a:r>
-              <a:rPr lang="es-ES" smtClean="0"/>
-              <a:t>Quinto nivel</a:t>
-            </a:r>
-            <a:endParaRPr lang="es-MX"/>
-          </a:p>
-        </p:txBody>
-      </p:sp>
-      <p:sp>
-        <p:nvSpPr>
-          <p:cNvPr id="4" name="Marcador de texto 3"/>
-          <p:cNvSpPr>
-            <a:spLocks noGrp="1"/>
-          </p:cNvSpPr>
-          <p:nvPr>
-            <p:ph type="body" sz="half" idx="2"/>
-          </p:nvPr>
-        </p:nvSpPr>
-        <p:spPr>
-          <a:xfrm>
-            <a:off x="839788" y="2057400"/>
-            <a:ext cx="3932237" cy="3811588"/>
-          </a:xfrm>
-        </p:spPr>
-        <p:txBody>
-          <a:bodyPr/>
-          <a:lstStyle>
-            <a:lvl1pPr marL="0" indent="0">
-              <a:buNone/>
-              <a:defRPr sz="1600"/>
-            </a:lvl1pPr>
-            <a:lvl2pPr marL="457200" indent="0">
-              <a:buNone/>
-              <a:defRPr sz="1400"/>
-            </a:lvl2pPr>
-            <a:lvl3pPr marL="914400" indent="0">
-              <a:buNone/>
-              <a:defRPr sz="1200"/>
-            </a:lvl3pPr>
-            <a:lvl4pPr marL="1371600" indent="0">
-              <a:buNone/>
-              <a:defRPr sz="1000"/>
-            </a:lvl4pPr>
-            <a:lvl5pPr marL="1828800" indent="0">
-              <a:buNone/>
-              <a:defRPr sz="1000"/>
-            </a:lvl5pPr>
-            <a:lvl6pPr marL="2286000" indent="0">
-              <a:buNone/>
-              <a:defRPr sz="1000"/>
-            </a:lvl6pPr>
-            <a:lvl7pPr marL="2743200" indent="0">
-              <a:buNone/>
-              <a:defRPr sz="1000"/>
-            </a:lvl7pPr>
-            <a:lvl8pPr marL="3200400" indent="0">
-              <a:buNone/>
-              <a:defRPr sz="1000"/>
-            </a:lvl8pPr>
-            <a:lvl9pPr marL="3657600" indent="0">
-              <a:buNone/>
-              <a:defRPr sz="1000"/>
-            </a:lvl9pPr>
-          </a:lstStyle>
-          <a:p>
-            <a:pPr lvl="0"/>
-            <a:r>
-              <a:rPr lang="es-ES" smtClean="0"/>
-              <a:t>Editar el estilo de texto del patrón</a:t>
-            </a:r>
-          </a:p>
-        </p:txBody>
-      </p:sp>
-      <p:sp>
-        <p:nvSpPr>
-          <p:cNvPr id="5" name="Marcador de fecha 4"/>
-          <p:cNvSpPr>
-            <a:spLocks noGrp="1"/>
-          </p:cNvSpPr>
-          <p:nvPr>
-            <p:ph type="dt" sz="half" idx="10"/>
-          </p:nvPr>
-        </p:nvSpPr>
-        <p:spPr/>
-        <p:txBody>
-          <a:bodyPr/>
-          <a:lstStyle/>
           <a:p>
             <a:fld id="{941820D4-FD18-40B0-A2DA-577109253211}" type="datetimeFigureOut">
               <a:rPr lang="es-MX" smtClean="0"/>
@@ -2110,7 +2772,7 @@
       </p:sp>
       <p:sp>
         <p:nvSpPr>
-          <p:cNvPr id="6" name="Marcador de pie de página 5"/>
+          <p:cNvPr id="6" name="Footer Placeholder 5"/>
           <p:cNvSpPr>
             <a:spLocks noGrp="1"/>
           </p:cNvSpPr>
@@ -2121,7 +2783,18 @@
         <p:spPr/>
         <p:txBody>
           <a:bodyPr/>
-          <a:lstStyle/>
+          <a:lstStyle>
+            <a:lvl1pPr>
+              <a:defRPr>
+                <a:solidFill>
+                  <a:schemeClr val="accent1">
+                    <a:lumMod val="75000"/>
+                    <a:lumOff val="25000"/>
+                  </a:schemeClr>
+                </a:solidFill>
+              </a:defRPr>
+            </a:lvl1pPr>
+          </a:lstStyle>
           <a:p>
             <a:endParaRPr lang="es-MX"/>
           </a:p>
@@ -2129,7 +2802,7 @@
       </p:sp>
       <p:sp>
         <p:nvSpPr>
-          <p:cNvPr id="7" name="Marcador de número de diapositiva 6"/>
+          <p:cNvPr id="7" name="Slide Number Placeholder 6"/>
           <p:cNvSpPr>
             <a:spLocks noGrp="1"/>
           </p:cNvSpPr>
@@ -2140,7 +2813,18 @@
         <p:spPr/>
         <p:txBody>
           <a:bodyPr/>
-          <a:lstStyle/>
+          <a:lstStyle>
+            <a:lvl1pPr>
+              <a:defRPr>
+                <a:solidFill>
+                  <a:schemeClr val="accent1">
+                    <a:lumMod val="75000"/>
+                    <a:lumOff val="25000"/>
+                  </a:schemeClr>
+                </a:solidFill>
+              </a:defRPr>
+            </a:lvl1pPr>
+          </a:lstStyle>
           <a:p>
             <a:fld id="{4C344F94-92B1-4075-82AE-8BB90E39107F}" type="slidenum">
               <a:rPr lang="es-MX" smtClean="0"/>
@@ -2153,7 +2837,7 @@
     </p:spTree>
     <p:extLst>
       <p:ext uri="{BB962C8B-B14F-4D97-AF65-F5344CB8AC3E}">
-        <p14:creationId xmlns:p14="http://schemas.microsoft.com/office/powerpoint/2010/main" val="999393817"/>
+        <p14:creationId xmlns:p14="http://schemas.microsoft.com/office/powerpoint/2010/main" val="2653962530"/>
       </p:ext>
     </p:extLst>
   </p:cSld>
@@ -2182,7 +2866,7 @@
       </p:grpSpPr>
       <p:sp>
         <p:nvSpPr>
-          <p:cNvPr id="2" name="Título 1"/>
+          <p:cNvPr id="2" name="Title 1"/>
           <p:cNvSpPr>
             <a:spLocks noGrp="1"/>
           </p:cNvSpPr>
@@ -2192,15 +2876,21 @@
         </p:nvSpPr>
         <p:spPr>
           <a:xfrm>
-            <a:off x="839788" y="457200"/>
-            <a:ext cx="3932237" cy="1600200"/>
-          </a:xfrm>
-        </p:spPr>
-        <p:txBody>
-          <a:bodyPr anchor="b"/>
+            <a:off x="581193" y="4693389"/>
+            <a:ext cx="11029616" cy="566738"/>
+          </a:xfrm>
+        </p:spPr>
+        <p:txBody>
+          <a:bodyPr anchor="b">
+            <a:normAutofit/>
+          </a:bodyPr>
           <a:lstStyle>
-            <a:lvl1pPr>
-              <a:defRPr sz="3200"/>
+            <a:lvl1pPr algn="l">
+              <a:defRPr sz="2400" b="0">
+                <a:solidFill>
+                  <a:schemeClr val="accent1"/>
+                </a:solidFill>
+              </a:defRPr>
             </a:lvl1pPr>
           </a:lstStyle>
           <a:p>
@@ -2208,15 +2898,15 @@
               <a:rPr lang="es-ES" smtClean="0"/>
               <a:t>Haga clic para modificar el estilo de título del patrón</a:t>
             </a:r>
-            <a:endParaRPr lang="es-MX"/>
-          </a:p>
-        </p:txBody>
-      </p:sp>
-      <p:sp>
-        <p:nvSpPr>
-          <p:cNvPr id="3" name="Marcador de posición de imagen 2"/>
-          <p:cNvSpPr>
-            <a:spLocks noGrp="1"/>
+            <a:endParaRPr lang="en-US" dirty="0"/>
+          </a:p>
+        </p:txBody>
+      </p:sp>
+      <p:sp>
+        <p:nvSpPr>
+          <p:cNvPr id="3" name="Picture Placeholder 2"/>
+          <p:cNvSpPr>
+            <a:spLocks noGrp="1" noChangeAspect="1"/>
           </p:cNvSpPr>
           <p:nvPr>
             <p:ph type="pic" idx="1"/>
@@ -2224,112 +2914,120 @@
         </p:nvSpPr>
         <p:spPr>
           <a:xfrm>
-            <a:off x="5183188" y="987425"/>
-            <a:ext cx="6172200" cy="4873625"/>
-          </a:xfrm>
-        </p:spPr>
-        <p:txBody>
-          <a:bodyPr/>
+            <a:off x="447817" y="599725"/>
+            <a:ext cx="11290859" cy="3557252"/>
+          </a:xfrm>
+        </p:spPr>
+        <p:txBody>
+          <a:bodyPr anchor="t">
+            <a:normAutofit/>
+          </a:bodyPr>
           <a:lstStyle>
-            <a:lvl1pPr marL="0" indent="0">
-              <a:buNone/>
-              <a:defRPr sz="3200"/>
-            </a:lvl1pPr>
-            <a:lvl2pPr marL="457200" indent="0">
-              <a:buNone/>
-              <a:defRPr sz="2800"/>
-            </a:lvl2pPr>
-            <a:lvl3pPr marL="914400" indent="0">
-              <a:buNone/>
-              <a:defRPr sz="2400"/>
-            </a:lvl3pPr>
-            <a:lvl4pPr marL="1371600" indent="0">
-              <a:buNone/>
-              <a:defRPr sz="2000"/>
-            </a:lvl4pPr>
-            <a:lvl5pPr marL="1828800" indent="0">
-              <a:buNone/>
-              <a:defRPr sz="2000"/>
-            </a:lvl5pPr>
-            <a:lvl6pPr marL="2286000" indent="0">
-              <a:buNone/>
-              <a:defRPr sz="2000"/>
-            </a:lvl6pPr>
-            <a:lvl7pPr marL="2743200" indent="0">
-              <a:buNone/>
-              <a:defRPr sz="2000"/>
-            </a:lvl7pPr>
-            <a:lvl8pPr marL="3200400" indent="0">
-              <a:buNone/>
-              <a:defRPr sz="2000"/>
-            </a:lvl8pPr>
-            <a:lvl9pPr marL="3657600" indent="0">
-              <a:buNone/>
-              <a:defRPr sz="2000"/>
-            </a:lvl9pPr>
-          </a:lstStyle>
-          <a:p>
-            <a:endParaRPr lang="es-MX"/>
-          </a:p>
-        </p:txBody>
-      </p:sp>
-      <p:sp>
-        <p:nvSpPr>
-          <p:cNvPr id="4" name="Marcador de texto 3"/>
-          <p:cNvSpPr>
-            <a:spLocks noGrp="1"/>
-          </p:cNvSpPr>
-          <p:nvPr>
-            <p:ph type="body" sz="half" idx="2"/>
-          </p:nvPr>
-        </p:nvSpPr>
-        <p:spPr>
-          <a:xfrm>
-            <a:off x="839788" y="2057400"/>
-            <a:ext cx="3932237" cy="3811588"/>
-          </a:xfrm>
-        </p:spPr>
-        <p:txBody>
-          <a:bodyPr/>
-          <a:lstStyle>
-            <a:lvl1pPr marL="0" indent="0">
+            <a:lvl1pPr marL="0" indent="0" algn="ctr">
               <a:buNone/>
               <a:defRPr sz="1600"/>
             </a:lvl1pPr>
             <a:lvl2pPr marL="457200" indent="0">
               <a:buNone/>
-              <a:defRPr sz="1400"/>
+              <a:defRPr sz="1600"/>
             </a:lvl2pPr>
             <a:lvl3pPr marL="914400" indent="0">
               <a:buNone/>
-              <a:defRPr sz="1200"/>
+              <a:defRPr sz="1600"/>
             </a:lvl3pPr>
             <a:lvl4pPr marL="1371600" indent="0">
               <a:buNone/>
-              <a:defRPr sz="1000"/>
+              <a:defRPr sz="1600"/>
             </a:lvl4pPr>
             <a:lvl5pPr marL="1828800" indent="0">
               <a:buNone/>
-              <a:defRPr sz="1000"/>
+              <a:defRPr sz="1600"/>
             </a:lvl5pPr>
             <a:lvl6pPr marL="2286000" indent="0">
               <a:buNone/>
-              <a:defRPr sz="1000"/>
+              <a:defRPr sz="1600"/>
             </a:lvl6pPr>
             <a:lvl7pPr marL="2743200" indent="0">
               <a:buNone/>
-              <a:defRPr sz="1000"/>
+              <a:defRPr sz="1600"/>
             </a:lvl7pPr>
             <a:lvl8pPr marL="3200400" indent="0">
               <a:buNone/>
-              <a:defRPr sz="1000"/>
+              <a:defRPr sz="1600"/>
             </a:lvl8pPr>
             <a:lvl9pPr marL="3657600" indent="0">
               <a:buNone/>
-              <a:defRPr sz="1000"/>
+              <a:defRPr sz="1600"/>
             </a:lvl9pPr>
           </a:lstStyle>
           <a:p>
+            <a:r>
+              <a:rPr lang="es-ES" smtClean="0"/>
+              <a:t>Haga clic en el icono para agregar una imagen</a:t>
+            </a:r>
+            <a:endParaRPr lang="en-US" dirty="0"/>
+          </a:p>
+        </p:txBody>
+      </p:sp>
+      <p:sp>
+        <p:nvSpPr>
+          <p:cNvPr id="4" name="Text Placeholder 3"/>
+          <p:cNvSpPr>
+            <a:spLocks noGrp="1"/>
+          </p:cNvSpPr>
+          <p:nvPr>
+            <p:ph type="body" sz="half" idx="2"/>
+          </p:nvPr>
+        </p:nvSpPr>
+        <p:spPr>
+          <a:xfrm>
+            <a:off x="581192" y="5260127"/>
+            <a:ext cx="11029617" cy="598671"/>
+          </a:xfrm>
+        </p:spPr>
+        <p:txBody>
+          <a:bodyPr>
+            <a:normAutofit/>
+          </a:bodyPr>
+          <a:lstStyle>
+            <a:lvl1pPr marL="0" indent="0">
+              <a:buNone/>
+              <a:defRPr sz="1200"/>
+            </a:lvl1pPr>
+            <a:lvl2pPr marL="457200" indent="0">
+              <a:buNone/>
+              <a:defRPr sz="1200"/>
+            </a:lvl2pPr>
+            <a:lvl3pPr marL="914400" indent="0">
+              <a:buNone/>
+              <a:defRPr sz="1000"/>
+            </a:lvl3pPr>
+            <a:lvl4pPr marL="1371600" indent="0">
+              <a:buNone/>
+              <a:defRPr sz="900"/>
+            </a:lvl4pPr>
+            <a:lvl5pPr marL="1828800" indent="0">
+              <a:buNone/>
+              <a:defRPr sz="900"/>
+            </a:lvl5pPr>
+            <a:lvl6pPr marL="2286000" indent="0">
+              <a:buNone/>
+              <a:defRPr sz="900"/>
+            </a:lvl6pPr>
+            <a:lvl7pPr marL="2743200" indent="0">
+              <a:buNone/>
+              <a:defRPr sz="900"/>
+            </a:lvl7pPr>
+            <a:lvl8pPr marL="3200400" indent="0">
+              <a:buNone/>
+              <a:defRPr sz="900"/>
+            </a:lvl8pPr>
+            <a:lvl9pPr marL="3657600" indent="0">
+              <a:buNone/>
+              <a:defRPr sz="900"/>
+            </a:lvl9pPr>
+          </a:lstStyle>
+          <a:p>
             <a:pPr lvl="0"/>
             <a:r>
               <a:rPr lang="es-ES" smtClean="0"/>
@@ -2340,7 +3038,7 @@
       </p:sp>
       <p:sp>
         <p:nvSpPr>
-          <p:cNvPr id="5" name="Marcador de fecha 4"/>
+          <p:cNvPr id="5" name="Date Placeholder 4"/>
           <p:cNvSpPr>
             <a:spLocks noGrp="1"/>
           </p:cNvSpPr>
@@ -2363,7 +3061,7 @@
       </p:sp>
       <p:sp>
         <p:nvSpPr>
-          <p:cNvPr id="6" name="Marcador de pie de página 5"/>
+          <p:cNvPr id="6" name="Footer Placeholder 5"/>
           <p:cNvSpPr>
             <a:spLocks noGrp="1"/>
           </p:cNvSpPr>
@@ -2382,7 +3080,7 @@
       </p:sp>
       <p:sp>
         <p:nvSpPr>
-          <p:cNvPr id="7" name="Marcador de número de diapositiva 6"/>
+          <p:cNvPr id="7" name="Slide Number Placeholder 6"/>
           <p:cNvSpPr>
             <a:spLocks noGrp="1"/>
           </p:cNvSpPr>
@@ -2406,7 +3104,7 @@
     </p:spTree>
     <p:extLst>
       <p:ext uri="{BB962C8B-B14F-4D97-AF65-F5344CB8AC3E}">
-        <p14:creationId xmlns:p14="http://schemas.microsoft.com/office/powerpoint/2010/main" val="1628196990"/>
+        <p14:creationId xmlns:p14="http://schemas.microsoft.com/office/powerpoint/2010/main" val="977242252"/>
       </p:ext>
     </p:extLst>
   </p:cSld>
@@ -2440,7 +3138,7 @@
       </p:grpSpPr>
       <p:sp>
         <p:nvSpPr>
-          <p:cNvPr id="2" name="Marcador de título 1"/>
+          <p:cNvPr id="2" name="Title Placeholder 1"/>
           <p:cNvSpPr>
             <a:spLocks noGrp="1"/>
           </p:cNvSpPr>
@@ -2450,8 +3148,41 @@
         </p:nvSpPr>
         <p:spPr>
           <a:xfrm>
-            <a:off x="838200" y="365125"/>
-            <a:ext cx="10515600" cy="1325563"/>
+            <a:off x="581192" y="705124"/>
+            <a:ext cx="11029616" cy="1189554"/>
+          </a:xfrm>
+          <a:prstGeom prst="rect">
+            <a:avLst/>
+          </a:prstGeom>
+        </p:spPr>
+        <p:txBody>
+          <a:bodyPr vert="horz" lIns="91440" tIns="45720" rIns="91440" bIns="45720" rtlCol="0" anchor="b">
+            <a:normAutofit/>
+          </a:bodyPr>
+          <a:lstStyle/>
+          <a:p>
+            <a:r>
+              <a:rPr lang="es-ES" smtClean="0"/>
+              <a:t>Haga clic para modificar el estilo de título del patrón</a:t>
+            </a:r>
+            <a:endParaRPr lang="en-US" dirty="0"/>
+          </a:p>
+        </p:txBody>
+      </p:sp>
+      <p:sp>
+        <p:nvSpPr>
+          <p:cNvPr id="3" name="Text Placeholder 2"/>
+          <p:cNvSpPr>
+            <a:spLocks noGrp="1"/>
+          </p:cNvSpPr>
+          <p:nvPr>
+            <p:ph type="body" idx="1"/>
+          </p:nvPr>
+        </p:nvSpPr>
+        <p:spPr>
+          <a:xfrm>
+            <a:off x="581192" y="2336003"/>
+            <a:ext cx="11029616" cy="3522794"/>
           </a:xfrm>
           <a:prstGeom prst="rect">
             <a:avLst/>
@@ -2463,104 +3194,69 @@
           </a:bodyPr>
           <a:lstStyle/>
           <a:p>
-            <a:r>
-              <a:rPr lang="es-ES" smtClean="0"/>
-              <a:t>Haga clic para modificar el estilo de título del patrón</a:t>
-            </a:r>
-            <a:endParaRPr lang="es-MX"/>
-          </a:p>
-        </p:txBody>
-      </p:sp>
-      <p:sp>
-        <p:nvSpPr>
-          <p:cNvPr id="3" name="Marcador de texto 2"/>
-          <p:cNvSpPr>
-            <a:spLocks noGrp="1"/>
-          </p:cNvSpPr>
-          <p:nvPr>
-            <p:ph type="body" idx="1"/>
-          </p:nvPr>
-        </p:nvSpPr>
-        <p:spPr>
-          <a:xfrm>
-            <a:off x="838200" y="1825625"/>
-            <a:ext cx="10515600" cy="4351338"/>
+            <a:pPr lvl="0"/>
+            <a:r>
+              <a:rPr lang="es-ES" smtClean="0"/>
+              <a:t>Editar el estilo de texto del patrón</a:t>
+            </a:r>
+          </a:p>
+          <a:p>
+            <a:pPr lvl="1"/>
+            <a:r>
+              <a:rPr lang="es-ES" smtClean="0"/>
+              <a:t>Segundo nivel</a:t>
+            </a:r>
+          </a:p>
+          <a:p>
+            <a:pPr lvl="2"/>
+            <a:r>
+              <a:rPr lang="es-ES" smtClean="0"/>
+              <a:t>Tercer nivel</a:t>
+            </a:r>
+          </a:p>
+          <a:p>
+            <a:pPr lvl="3"/>
+            <a:r>
+              <a:rPr lang="es-ES" smtClean="0"/>
+              <a:t>Cuarto nivel</a:t>
+            </a:r>
+          </a:p>
+          <a:p>
+            <a:pPr lvl="4"/>
+            <a:r>
+              <a:rPr lang="es-ES" smtClean="0"/>
+              <a:t>Quinto nivel</a:t>
+            </a:r>
+            <a:endParaRPr lang="en-US" dirty="0"/>
+          </a:p>
+        </p:txBody>
+      </p:sp>
+      <p:sp>
+        <p:nvSpPr>
+          <p:cNvPr id="4" name="Date Placeholder 3"/>
+          <p:cNvSpPr>
+            <a:spLocks noGrp="1"/>
+          </p:cNvSpPr>
+          <p:nvPr>
+            <p:ph type="dt" sz="half" idx="2"/>
+          </p:nvPr>
+        </p:nvSpPr>
+        <p:spPr>
+          <a:xfrm>
+            <a:off x="7605951" y="5956137"/>
+            <a:ext cx="2844799" cy="365125"/>
           </a:xfrm>
           <a:prstGeom prst="rect">
             <a:avLst/>
           </a:prstGeom>
         </p:spPr>
         <p:txBody>
-          <a:bodyPr vert="horz" lIns="91440" tIns="45720" rIns="91440" bIns="45720" rtlCol="0">
-            <a:normAutofit/>
-          </a:bodyPr>
-          <a:lstStyle/>
-          <a:p>
-            <a:pPr lvl="0"/>
-            <a:r>
-              <a:rPr lang="es-ES" smtClean="0"/>
-              <a:t>Editar el estilo de texto del patrón</a:t>
-            </a:r>
-          </a:p>
-          <a:p>
-            <a:pPr lvl="1"/>
-            <a:r>
-              <a:rPr lang="es-ES" smtClean="0"/>
-              <a:t>Segundo nivel</a:t>
-            </a:r>
-          </a:p>
-          <a:p>
-            <a:pPr lvl="2"/>
-            <a:r>
-              <a:rPr lang="es-ES" smtClean="0"/>
-              <a:t>Tercer nivel</a:t>
-            </a:r>
-          </a:p>
-          <a:p>
-            <a:pPr lvl="3"/>
-            <a:r>
-              <a:rPr lang="es-ES" smtClean="0"/>
-              <a:t>Cuarto nivel</a:t>
-            </a:r>
-          </a:p>
-          <a:p>
-            <a:pPr lvl="4"/>
-            <a:r>
-              <a:rPr lang="es-ES" smtClean="0"/>
-              <a:t>Quinto nivel</a:t>
-            </a:r>
-            <a:endParaRPr lang="es-MX"/>
-          </a:p>
-        </p:txBody>
-      </p:sp>
-      <p:sp>
-        <p:nvSpPr>
-          <p:cNvPr id="4" name="Marcador de fecha 3"/>
-          <p:cNvSpPr>
-            <a:spLocks noGrp="1"/>
-          </p:cNvSpPr>
-          <p:nvPr>
-            <p:ph type="dt" sz="half" idx="2"/>
-          </p:nvPr>
-        </p:nvSpPr>
-        <p:spPr>
-          <a:xfrm>
-            <a:off x="838200" y="6356350"/>
-            <a:ext cx="2743200" cy="365125"/>
-          </a:xfrm>
-          <a:prstGeom prst="rect">
-            <a:avLst/>
-          </a:prstGeom>
-        </p:spPr>
-        <p:txBody>
           <a:bodyPr vert="horz" lIns="91440" tIns="45720" rIns="91440" bIns="45720" rtlCol="0" anchor="ctr"/>
           <a:lstStyle>
-            <a:lvl1pPr algn="l">
-              <a:defRPr sz="1200">
+            <a:lvl1pPr algn="r">
+              <a:defRPr sz="900">
                 <a:solidFill>
-                  <a:schemeClr val="tx1">
-                    <a:tint val="75000"/>
-                  </a:schemeClr>
+                  <a:schemeClr val="accent2"/>
                 </a:solidFill>
               </a:defRPr>
             </a:lvl1pPr>
@@ -2576,7 +3272,7 @@
       </p:sp>
       <p:sp>
         <p:nvSpPr>
-          <p:cNvPr id="5" name="Marcador de pie de página 4"/>
+          <p:cNvPr id="5" name="Footer Placeholder 4"/>
           <p:cNvSpPr>
             <a:spLocks noGrp="1"/>
           </p:cNvSpPr>
@@ -2586,8 +3282,8 @@
         </p:nvSpPr>
         <p:spPr>
           <a:xfrm>
-            <a:off x="4038600" y="6356350"/>
-            <a:ext cx="4114800" cy="365125"/>
+            <a:off x="581192" y="5951811"/>
+            <a:ext cx="6917210" cy="365125"/>
           </a:xfrm>
           <a:prstGeom prst="rect">
             <a:avLst/>
@@ -2596,12 +3292,10 @@
         <p:txBody>
           <a:bodyPr vert="horz" lIns="91440" tIns="45720" rIns="91440" bIns="45720" rtlCol="0" anchor="ctr"/>
           <a:lstStyle>
-            <a:lvl1pPr algn="ctr">
-              <a:defRPr sz="1200">
+            <a:lvl1pPr algn="l">
+              <a:defRPr sz="900" cap="all">
                 <a:solidFill>
-                  <a:schemeClr val="tx1">
-                    <a:tint val="75000"/>
-                  </a:schemeClr>
+                  <a:schemeClr val="accent2"/>
                 </a:solidFill>
               </a:defRPr>
             </a:lvl1pPr>
@@ -2613,7 +3307,7 @@
       </p:sp>
       <p:sp>
         <p:nvSpPr>
-          <p:cNvPr id="6" name="Marcador de número de diapositiva 5"/>
+          <p:cNvPr id="6" name="Slide Number Placeholder 5"/>
           <p:cNvSpPr>
             <a:spLocks noGrp="1"/>
           </p:cNvSpPr>
@@ -2623,8 +3317,8 @@
         </p:nvSpPr>
         <p:spPr>
           <a:xfrm>
-            <a:off x="8610600" y="6356350"/>
-            <a:ext cx="2743200" cy="365125"/>
+            <a:off x="10558300" y="5956137"/>
+            <a:ext cx="1052510" cy="365125"/>
           </a:xfrm>
           <a:prstGeom prst="rect">
             <a:avLst/>
@@ -2634,11 +3328,9 @@
           <a:bodyPr vert="horz" lIns="91440" tIns="45720" rIns="91440" bIns="45720" rtlCol="0" anchor="ctr"/>
           <a:lstStyle>
             <a:lvl1pPr algn="r">
-              <a:defRPr sz="1200">
+              <a:defRPr sz="900">
                 <a:solidFill>
-                  <a:schemeClr val="tx1">
-                    <a:tint val="75000"/>
-                  </a:schemeClr>
+                  <a:schemeClr val="accent2"/>
                 </a:solidFill>
               </a:defRPr>
             </a:lvl1pPr>
@@ -2652,58 +3344,417 @@
           </a:p>
         </p:txBody>
       </p:sp>
+      <p:sp>
+        <p:nvSpPr>
+          <p:cNvPr id="9" name="Rectangle 8"/>
+          <p:cNvSpPr/>
+          <p:nvPr/>
+        </p:nvSpPr>
+        <p:spPr>
+          <a:xfrm>
+            <a:off x="446534" y="457200"/>
+            <a:ext cx="3703320" cy="94997"/>
+          </a:xfrm>
+          <a:prstGeom prst="rect">
+            <a:avLst/>
+          </a:prstGeom>
+          <a:solidFill>
+            <a:schemeClr val="accent1"/>
+          </a:solidFill>
+          <a:ln>
+            <a:noFill/>
+          </a:ln>
+          <a:effectLst/>
+        </p:spPr>
+        <p:style>
+          <a:lnRef idx="1">
+            <a:schemeClr val="accent1"/>
+          </a:lnRef>
+          <a:fillRef idx="3">
+            <a:schemeClr val="accent1"/>
+          </a:fillRef>
+          <a:effectRef idx="2">
+            <a:schemeClr val="accent1"/>
+          </a:effectRef>
+          <a:fontRef idx="minor">
+            <a:schemeClr val="lt1"/>
+          </a:fontRef>
+        </p:style>
+      </p:sp>
+      <p:sp>
+        <p:nvSpPr>
+          <p:cNvPr id="10" name="Rectangle 9"/>
+          <p:cNvSpPr/>
+          <p:nvPr/>
+        </p:nvSpPr>
+        <p:spPr>
+          <a:xfrm>
+            <a:off x="8042147" y="453643"/>
+            <a:ext cx="3703320" cy="98554"/>
+          </a:xfrm>
+          <a:prstGeom prst="rect">
+            <a:avLst/>
+          </a:prstGeom>
+          <a:solidFill>
+            <a:schemeClr val="accent4"/>
+          </a:solidFill>
+          <a:ln>
+            <a:noFill/>
+          </a:ln>
+          <a:effectLst/>
+        </p:spPr>
+        <p:style>
+          <a:lnRef idx="1">
+            <a:schemeClr val="accent1"/>
+          </a:lnRef>
+          <a:fillRef idx="3">
+            <a:schemeClr val="accent1"/>
+          </a:fillRef>
+          <a:effectRef idx="2">
+            <a:schemeClr val="accent1"/>
+          </a:effectRef>
+          <a:fontRef idx="minor">
+            <a:schemeClr val="lt1"/>
+          </a:fontRef>
+        </p:style>
+      </p:sp>
+      <p:sp>
+        <p:nvSpPr>
+          <p:cNvPr id="11" name="Rectangle 10"/>
+          <p:cNvSpPr/>
+          <p:nvPr/>
+        </p:nvSpPr>
+        <p:spPr>
+          <a:xfrm>
+            <a:off x="4241830" y="457200"/>
+            <a:ext cx="3703320" cy="91440"/>
+          </a:xfrm>
+          <a:prstGeom prst="rect">
+            <a:avLst/>
+          </a:prstGeom>
+          <a:solidFill>
+            <a:schemeClr val="accent2"/>
+          </a:solidFill>
+          <a:ln>
+            <a:noFill/>
+          </a:ln>
+          <a:effectLst/>
+        </p:spPr>
+        <p:style>
+          <a:lnRef idx="1">
+            <a:schemeClr val="accent1"/>
+          </a:lnRef>
+          <a:fillRef idx="3">
+            <a:schemeClr val="accent1"/>
+          </a:fillRef>
+          <a:effectRef idx="2">
+            <a:schemeClr val="accent1"/>
+          </a:effectRef>
+          <a:fontRef idx="minor">
+            <a:schemeClr val="lt1"/>
+          </a:fontRef>
+        </p:style>
+      </p:sp>
     </p:spTree>
     <p:extLst>
       <p:ext uri="{BB962C8B-B14F-4D97-AF65-F5344CB8AC3E}">
-        <p14:creationId xmlns:p14="http://schemas.microsoft.com/office/powerpoint/2010/main" val="1293604579"/>
+        <p14:creationId xmlns:p14="http://schemas.microsoft.com/office/powerpoint/2010/main" val="704317585"/>
       </p:ext>
     </p:extLst>
   </p:cSld>
   <p:clrMap bg1="lt1" tx1="dk1" bg2="lt2" tx2="dk2" accent1="accent1" accent2="accent2" accent3="accent3" accent4="accent4" accent5="accent5" accent6="accent6" hlink="hlink" folHlink="folHlink"/>
   <p:sldLayoutIdLst>
-    <p:sldLayoutId id="2147483649" r:id="rId1"/>
-    <p:sldLayoutId id="2147483650" r:id="rId2"/>
-    <p:sldLayoutId id="2147483651" r:id="rId3"/>
-    <p:sldLayoutId id="2147483652" r:id="rId4"/>
-    <p:sldLayoutId id="2147483653" r:id="rId5"/>
-    <p:sldLayoutId id="2147483654" r:id="rId6"/>
-    <p:sldLayoutId id="2147483655" r:id="rId7"/>
-    <p:sldLayoutId id="2147483656" r:id="rId8"/>
-    <p:sldLayoutId id="2147483657" r:id="rId9"/>
-    <p:sldLayoutId id="2147483658" r:id="rId10"/>
-    <p:sldLayoutId id="2147483659" r:id="rId11"/>
+    <p:sldLayoutId id="2147483727" r:id="rId1"/>
+    <p:sldLayoutId id="2147483728" r:id="rId2"/>
+    <p:sldLayoutId id="2147483729" r:id="rId3"/>
+    <p:sldLayoutId id="2147483730" r:id="rId4"/>
+    <p:sldLayoutId id="2147483731" r:id="rId5"/>
+    <p:sldLayoutId id="2147483732" r:id="rId6"/>
+    <p:sldLayoutId id="2147483733" r:id="rId7"/>
+    <p:sldLayoutId id="2147483734" r:id="rId8"/>
+    <p:sldLayoutId id="2147483735" r:id="rId9"/>
+    <p:sldLayoutId id="2147483736" r:id="rId10"/>
+    <p:sldLayoutId id="2147483737" r:id="rId11"/>
   </p:sldLayoutIdLst>
   <p:txStyles>
     <p:titleStyle>
-      <a:lvl1pPr algn="l" defTabSz="914400" rtl="0" eaLnBrk="1" latinLnBrk="0" hangingPunct="1">
-        <a:lnSpc>
-          <a:spcPct val="90000"/>
-        </a:lnSpc>
+      <a:lvl1pPr algn="l" defTabSz="457200" rtl="0" eaLnBrk="1" latinLnBrk="0" hangingPunct="1">
         <a:spcBef>
           <a:spcPct val="0"/>
         </a:spcBef>
         <a:buNone/>
-        <a:defRPr sz="4400" kern="1200">
+        <a:defRPr sz="2800" b="0" kern="1200" cap="all">
           <a:solidFill>
-            <a:schemeClr val="tx1"/>
+            <a:schemeClr val="bg1"/>
           </a:solidFill>
           <a:latin typeface="+mj-lt"/>
           <a:ea typeface="+mj-ea"/>
           <a:cs typeface="+mj-cs"/>
         </a:defRPr>
       </a:lvl1pPr>
+      <a:lvl2pPr eaLnBrk="1" hangingPunct="1">
+        <a:defRPr>
+          <a:solidFill>
+            <a:schemeClr val="tx2"/>
+          </a:solidFill>
+        </a:defRPr>
+      </a:lvl2pPr>
+      <a:lvl3pPr eaLnBrk="1" hangingPunct="1">
+        <a:defRPr>
+          <a:solidFill>
+            <a:schemeClr val="tx2"/>
+          </a:solidFill>
+        </a:defRPr>
+      </a:lvl3pPr>
+      <a:lvl4pPr eaLnBrk="1" hangingPunct="1">
+        <a:defRPr>
+          <a:solidFill>
+            <a:schemeClr val="tx2"/>
+          </a:solidFill>
+        </a:defRPr>
+      </a:lvl4pPr>
+      <a:lvl5pPr eaLnBrk="1" hangingPunct="1">
+        <a:defRPr>
+          <a:solidFill>
+            <a:schemeClr val="tx2"/>
+          </a:solidFill>
+        </a:defRPr>
+      </a:lvl5pPr>
+      <a:lvl6pPr eaLnBrk="1" hangingPunct="1">
+        <a:defRPr>
+          <a:solidFill>
+            <a:schemeClr val="tx2"/>
+          </a:solidFill>
+        </a:defRPr>
+      </a:lvl6pPr>
+      <a:lvl7pPr eaLnBrk="1" hangingPunct="1">
+        <a:defRPr>
+          <a:solidFill>
+            <a:schemeClr val="tx2"/>
+          </a:solidFill>
+        </a:defRPr>
+      </a:lvl7pPr>
+      <a:lvl8pPr eaLnBrk="1" hangingPunct="1">
+        <a:defRPr>
+          <a:solidFill>
+            <a:schemeClr val="tx2"/>
+          </a:solidFill>
+        </a:defRPr>
+      </a:lvl8pPr>
+      <a:lvl9pPr eaLnBrk="1" hangingPunct="1">
+        <a:defRPr>
+          <a:solidFill>
+            <a:schemeClr val="tx2"/>
+          </a:solidFill>
+        </a:defRPr>
+      </a:lvl9pPr>
     </p:titleStyle>
     <p:bodyStyle>
-      <a:lvl1pPr marL="228600" indent="-228600" algn="l" defTabSz="914400" rtl="0" eaLnBrk="1" latinLnBrk="0" hangingPunct="1">
-        <a:lnSpc>
-          <a:spcPct val="90000"/>
-        </a:lnSpc>
+      <a:lvl1pPr marL="306000" indent="-306000" algn="l" defTabSz="457200" rtl="0" eaLnBrk="1" latinLnBrk="0" hangingPunct="1">
         <a:spcBef>
-          <a:spcPts val="1000"/>
+          <a:spcPct val="20000"/>
         </a:spcBef>
-        <a:buFont typeface="Arial" panose="020B0604020202020204" pitchFamily="34" charset="0"/>
-        <a:buChar char="•"/>
-        <a:defRPr sz="2800" kern="1200">
+        <a:spcAft>
+          <a:spcPts val="600"/>
+        </a:spcAft>
+        <a:buClr>
+          <a:schemeClr val="accent2"/>
+        </a:buClr>
+        <a:buSzPct val="92000"/>
+        <a:buFont typeface="Wingdings 2" panose="05020102010507070707" pitchFamily="18" charset="2"/>
+        <a:buChar char=""/>
+        <a:defRPr sz="1800" kern="1200">
+          <a:solidFill>
+            <a:schemeClr val="tx2"/>
+          </a:solidFill>
+          <a:latin typeface="+mn-lt"/>
+          <a:ea typeface="+mn-ea"/>
+          <a:cs typeface="+mn-cs"/>
+        </a:defRPr>
+      </a:lvl1pPr>
+      <a:lvl2pPr marL="630000" indent="-306000" algn="l" defTabSz="457200" rtl="0" eaLnBrk="1" latinLnBrk="0" hangingPunct="1">
+        <a:spcBef>
+          <a:spcPct val="20000"/>
+        </a:spcBef>
+        <a:spcAft>
+          <a:spcPts val="600"/>
+        </a:spcAft>
+        <a:buClr>
+          <a:schemeClr val="accent2"/>
+        </a:buClr>
+        <a:buSzPct val="92000"/>
+        <a:buFont typeface="Wingdings 2" panose="05020102010507070707" pitchFamily="18" charset="2"/>
+        <a:buChar char=""/>
+        <a:defRPr sz="1600" kern="1200">
+          <a:solidFill>
+            <a:schemeClr val="tx2"/>
+          </a:solidFill>
+          <a:latin typeface="+mn-lt"/>
+          <a:ea typeface="+mn-ea"/>
+          <a:cs typeface="+mn-cs"/>
+        </a:defRPr>
+      </a:lvl2pPr>
+      <a:lvl3pPr marL="900000" indent="-270000" algn="l" defTabSz="457200" rtl="0" eaLnBrk="1" latinLnBrk="0" hangingPunct="1">
+        <a:spcBef>
+          <a:spcPct val="20000"/>
+        </a:spcBef>
+        <a:spcAft>
+          <a:spcPts val="600"/>
+        </a:spcAft>
+        <a:buClr>
+          <a:schemeClr val="accent2"/>
+        </a:buClr>
+        <a:buSzPct val="92000"/>
+        <a:buFont typeface="Wingdings 2" panose="05020102010507070707" pitchFamily="18" charset="2"/>
+        <a:buChar char=""/>
+        <a:defRPr sz="1400" kern="1200">
+          <a:solidFill>
+            <a:schemeClr val="tx2"/>
+          </a:solidFill>
+          <a:latin typeface="+mn-lt"/>
+          <a:ea typeface="+mn-ea"/>
+          <a:cs typeface="+mn-cs"/>
+        </a:defRPr>
+      </a:lvl3pPr>
+      <a:lvl4pPr marL="1242000" indent="-234000" algn="l" defTabSz="457200" rtl="0" eaLnBrk="1" latinLnBrk="0" hangingPunct="1">
+        <a:spcBef>
+          <a:spcPct val="20000"/>
+        </a:spcBef>
+        <a:spcAft>
+          <a:spcPts val="600"/>
+        </a:spcAft>
+        <a:buClr>
+          <a:schemeClr val="accent2"/>
+        </a:buClr>
+        <a:buSzPct val="92000"/>
+        <a:buFont typeface="Wingdings 2" panose="05020102010507070707" pitchFamily="18" charset="2"/>
+        <a:buChar char=""/>
+        <a:defRPr sz="1200" kern="1200">
+          <a:solidFill>
+            <a:schemeClr val="tx2"/>
+          </a:solidFill>
+          <a:latin typeface="+mn-lt"/>
+          <a:ea typeface="+mn-ea"/>
+          <a:cs typeface="+mn-cs"/>
+        </a:defRPr>
+      </a:lvl4pPr>
+      <a:lvl5pPr marL="1602000" indent="-234000" algn="l" defTabSz="457200" rtl="0" eaLnBrk="1" latinLnBrk="0" hangingPunct="1">
+        <a:spcBef>
+          <a:spcPct val="20000"/>
+        </a:spcBef>
+        <a:spcAft>
+          <a:spcPts val="600"/>
+        </a:spcAft>
+        <a:buClr>
+          <a:schemeClr val="accent2"/>
+        </a:buClr>
+        <a:buSzPct val="92000"/>
+        <a:buFont typeface="Wingdings 2" panose="05020102010507070707" pitchFamily="18" charset="2"/>
+        <a:buChar char=""/>
+        <a:defRPr sz="1200" kern="1200">
+          <a:solidFill>
+            <a:schemeClr val="tx2"/>
+          </a:solidFill>
+          <a:latin typeface="+mn-lt"/>
+          <a:ea typeface="+mn-ea"/>
+          <a:cs typeface="+mn-cs"/>
+        </a:defRPr>
+      </a:lvl5pPr>
+      <a:lvl6pPr marL="1900000" indent="-228600" algn="l" defTabSz="457200" rtl="0" eaLnBrk="1" latinLnBrk="0" hangingPunct="1">
+        <a:spcBef>
+          <a:spcPct val="20000"/>
+        </a:spcBef>
+        <a:spcAft>
+          <a:spcPts val="600"/>
+        </a:spcAft>
+        <a:buClr>
+          <a:schemeClr val="accent2"/>
+        </a:buClr>
+        <a:buSzPct val="92000"/>
+        <a:buFont typeface="Wingdings 2" panose="05020102010507070707" pitchFamily="18" charset="2"/>
+        <a:buChar char=""/>
+        <a:defRPr sz="1200" kern="1200">
+          <a:solidFill>
+            <a:schemeClr val="tx2"/>
+          </a:solidFill>
+          <a:latin typeface="+mn-lt"/>
+          <a:ea typeface="+mn-ea"/>
+          <a:cs typeface="+mn-cs"/>
+        </a:defRPr>
+      </a:lvl6pPr>
+      <a:lvl7pPr marL="2200000" indent="-228600" algn="l" defTabSz="457200" rtl="0" eaLnBrk="1" latinLnBrk="0" hangingPunct="1">
+        <a:spcBef>
+          <a:spcPct val="20000"/>
+        </a:spcBef>
+        <a:spcAft>
+          <a:spcPts val="600"/>
+        </a:spcAft>
+        <a:buClr>
+          <a:schemeClr val="accent2"/>
+        </a:buClr>
+        <a:buSzPct val="92000"/>
+        <a:buFont typeface="Wingdings 2" panose="05020102010507070707" pitchFamily="18" charset="2"/>
+        <a:buChar char=""/>
+        <a:defRPr sz="1200" kern="1200">
+          <a:solidFill>
+            <a:schemeClr val="tx2"/>
+          </a:solidFill>
+          <a:latin typeface="+mn-lt"/>
+          <a:ea typeface="+mn-ea"/>
+          <a:cs typeface="+mn-cs"/>
+        </a:defRPr>
+      </a:lvl7pPr>
+      <a:lvl8pPr marL="2500000" indent="-228600" algn="l" defTabSz="457200" rtl="0" eaLnBrk="1" latinLnBrk="0" hangingPunct="1">
+        <a:spcBef>
+          <a:spcPct val="20000"/>
+        </a:spcBef>
+        <a:spcAft>
+          <a:spcPts val="600"/>
+        </a:spcAft>
+        <a:buClr>
+          <a:schemeClr val="accent2"/>
+        </a:buClr>
+        <a:buSzPct val="92000"/>
+        <a:buFont typeface="Wingdings 2" panose="05020102010507070707" pitchFamily="18" charset="2"/>
+        <a:buChar char=""/>
+        <a:defRPr sz="1200" kern="1200">
+          <a:solidFill>
+            <a:schemeClr val="tx2"/>
+          </a:solidFill>
+          <a:latin typeface="+mn-lt"/>
+          <a:ea typeface="+mn-ea"/>
+          <a:cs typeface="+mn-cs"/>
+        </a:defRPr>
+      </a:lvl8pPr>
+      <a:lvl9pPr marL="2800000" indent="-228600" algn="l" defTabSz="457200" rtl="0" eaLnBrk="1" latinLnBrk="0" hangingPunct="1">
+        <a:spcBef>
+          <a:spcPct val="20000"/>
+        </a:spcBef>
+        <a:spcAft>
+          <a:spcPts val="600"/>
+        </a:spcAft>
+        <a:buClr>
+          <a:schemeClr val="accent2"/>
+        </a:buClr>
+        <a:buSzPct val="92000"/>
+        <a:buFont typeface="Wingdings 2" panose="05020102010507070707" pitchFamily="18" charset="2"/>
+        <a:buChar char=""/>
+        <a:defRPr sz="1200" kern="1200">
+          <a:solidFill>
+            <a:schemeClr val="tx2"/>
+          </a:solidFill>
+          <a:latin typeface="+mn-lt"/>
+          <a:ea typeface="+mn-ea"/>
+          <a:cs typeface="+mn-cs"/>
+        </a:defRPr>
+      </a:lvl9pPr>
+    </p:bodyStyle>
+    <p:otherStyle>
+      <a:defPPr>
+        <a:defRPr lang="en-US"/>
+      </a:defPPr>
+      <a:lvl1pPr marL="0" algn="l" defTabSz="457200" rtl="0" eaLnBrk="1" latinLnBrk="0" hangingPunct="1">
+        <a:defRPr sz="1800" kern="1200">
           <a:solidFill>
             <a:schemeClr val="tx1"/>
           </a:solidFill>
@@ -2712,16 +3763,8 @@
           <a:cs typeface="+mn-cs"/>
         </a:defRPr>
       </a:lvl1pPr>
-      <a:lvl2pPr marL="685800" indent="-228600" algn="l" defTabSz="914400" rtl="0" eaLnBrk="1" latinLnBrk="0" hangingPunct="1">
-        <a:lnSpc>
-          <a:spcPct val="90000"/>
-        </a:lnSpc>
-        <a:spcBef>
-          <a:spcPts val="500"/>
-        </a:spcBef>
-        <a:buFont typeface="Arial" panose="020B0604020202020204" pitchFamily="34" charset="0"/>
-        <a:buChar char="•"/>
-        <a:defRPr sz="2400" kern="1200">
+      <a:lvl2pPr marL="457200" algn="l" defTabSz="457200" rtl="0" eaLnBrk="1" latinLnBrk="0" hangingPunct="1">
+        <a:defRPr sz="1800" kern="1200">
           <a:solidFill>
             <a:schemeClr val="tx1"/>
           </a:solidFill>
@@ -2730,16 +3773,8 @@
           <a:cs typeface="+mn-cs"/>
         </a:defRPr>
       </a:lvl2pPr>
-      <a:lvl3pPr marL="1143000" indent="-228600" algn="l" defTabSz="914400" rtl="0" eaLnBrk="1" latinLnBrk="0" hangingPunct="1">
-        <a:lnSpc>
-          <a:spcPct val="90000"/>
-        </a:lnSpc>
-        <a:spcBef>
-          <a:spcPts val="500"/>
-        </a:spcBef>
-        <a:buFont typeface="Arial" panose="020B0604020202020204" pitchFamily="34" charset="0"/>
-        <a:buChar char="•"/>
-        <a:defRPr sz="2000" kern="1200">
+      <a:lvl3pPr marL="914400" algn="l" defTabSz="457200" rtl="0" eaLnBrk="1" latinLnBrk="0" hangingPunct="1">
+        <a:defRPr sz="1800" kern="1200">
           <a:solidFill>
             <a:schemeClr val="tx1"/>
           </a:solidFill>
@@ -2748,15 +3783,7 @@
           <a:cs typeface="+mn-cs"/>
         </a:defRPr>
       </a:lvl3pPr>
-      <a:lvl4pPr marL="1600200" indent="-228600" algn="l" defTabSz="914400" rtl="0" eaLnBrk="1" latinLnBrk="0" hangingPunct="1">
-        <a:lnSpc>
-          <a:spcPct val="90000"/>
-        </a:lnSpc>
-        <a:spcBef>
-          <a:spcPts val="500"/>
-        </a:spcBef>
-        <a:buFont typeface="Arial" panose="020B0604020202020204" pitchFamily="34" charset="0"/>
-        <a:buChar char="•"/>
+      <a:lvl4pPr marL="1371600" algn="l" defTabSz="457200" rtl="0" eaLnBrk="1" latinLnBrk="0" hangingPunct="1">
         <a:defRPr sz="1800" kern="1200">
           <a:solidFill>
             <a:schemeClr val="tx1"/>
@@ -2766,15 +3793,7 @@
           <a:cs typeface="+mn-cs"/>
         </a:defRPr>
       </a:lvl4pPr>
-      <a:lvl5pPr marL="2057400" indent="-228600" algn="l" defTabSz="914400" rtl="0" eaLnBrk="1" latinLnBrk="0" hangingPunct="1">
-        <a:lnSpc>
-          <a:spcPct val="90000"/>
-        </a:lnSpc>
-        <a:spcBef>
-          <a:spcPts val="500"/>
-        </a:spcBef>
-        <a:buFont typeface="Arial" panose="020B0604020202020204" pitchFamily="34" charset="0"/>
-        <a:buChar char="•"/>
+      <a:lvl5pPr marL="1828800" algn="l" defTabSz="457200" rtl="0" eaLnBrk="1" latinLnBrk="0" hangingPunct="1">
         <a:defRPr sz="1800" kern="1200">
           <a:solidFill>
             <a:schemeClr val="tx1"/>
@@ -2784,15 +3803,7 @@
           <a:cs typeface="+mn-cs"/>
         </a:defRPr>
       </a:lvl5pPr>
-      <a:lvl6pPr marL="2514600" indent="-228600" algn="l" defTabSz="914400" rtl="0" eaLnBrk="1" latinLnBrk="0" hangingPunct="1">
-        <a:lnSpc>
-          <a:spcPct val="90000"/>
-        </a:lnSpc>
-        <a:spcBef>
-          <a:spcPts val="500"/>
-        </a:spcBef>
-        <a:buFont typeface="Arial" panose="020B0604020202020204" pitchFamily="34" charset="0"/>
-        <a:buChar char="•"/>
+      <a:lvl6pPr marL="2286000" algn="l" defTabSz="457200" rtl="0" eaLnBrk="1" latinLnBrk="0" hangingPunct="1">
         <a:defRPr sz="1800" kern="1200">
           <a:solidFill>
             <a:schemeClr val="tx1"/>
@@ -2802,15 +3813,7 @@
           <a:cs typeface="+mn-cs"/>
         </a:defRPr>
       </a:lvl6pPr>
-      <a:lvl7pPr marL="2971800" indent="-228600" algn="l" defTabSz="914400" rtl="0" eaLnBrk="1" latinLnBrk="0" hangingPunct="1">
-        <a:lnSpc>
-          <a:spcPct val="90000"/>
-        </a:lnSpc>
-        <a:spcBef>
-          <a:spcPts val="500"/>
-        </a:spcBef>
-        <a:buFont typeface="Arial" panose="020B0604020202020204" pitchFamily="34" charset="0"/>
-        <a:buChar char="•"/>
+      <a:lvl7pPr marL="2743200" algn="l" defTabSz="457200" rtl="0" eaLnBrk="1" latinLnBrk="0" hangingPunct="1">
         <a:defRPr sz="1800" kern="1200">
           <a:solidFill>
             <a:schemeClr val="tx1"/>
@@ -2820,15 +3823,7 @@
           <a:cs typeface="+mn-cs"/>
         </a:defRPr>
       </a:lvl7pPr>
-      <a:lvl8pPr marL="3429000" indent="-228600" algn="l" defTabSz="914400" rtl="0" eaLnBrk="1" latinLnBrk="0" hangingPunct="1">
-        <a:lnSpc>
-          <a:spcPct val="90000"/>
-        </a:lnSpc>
-        <a:spcBef>
-          <a:spcPts val="500"/>
-        </a:spcBef>
-        <a:buFont typeface="Arial" panose="020B0604020202020204" pitchFamily="34" charset="0"/>
-        <a:buChar char="•"/>
+      <a:lvl8pPr marL="3200400" algn="l" defTabSz="457200" rtl="0" eaLnBrk="1" latinLnBrk="0" hangingPunct="1">
         <a:defRPr sz="1800" kern="1200">
           <a:solidFill>
             <a:schemeClr val="tx1"/>
@@ -2838,110 +3833,7 @@
           <a:cs typeface="+mn-cs"/>
         </a:defRPr>
       </a:lvl8pPr>
-      <a:lvl9pPr marL="3886200" indent="-228600" algn="l" defTabSz="914400" rtl="0" eaLnBrk="1" latinLnBrk="0" hangingPunct="1">
-        <a:lnSpc>
-          <a:spcPct val="90000"/>
-        </a:lnSpc>
-        <a:spcBef>
-          <a:spcPts val="500"/>
-        </a:spcBef>
-        <a:buFont typeface="Arial" panose="020B0604020202020204" pitchFamily="34" charset="0"/>
-        <a:buChar char="•"/>
-        <a:defRPr sz="1800" kern="1200">
-          <a:solidFill>
-            <a:schemeClr val="tx1"/>
-          </a:solidFill>
-          <a:latin typeface="+mn-lt"/>
-          <a:ea typeface="+mn-ea"/>
-          <a:cs typeface="+mn-cs"/>
-        </a:defRPr>
-      </a:lvl9pPr>
-    </p:bodyStyle>
-    <p:otherStyle>
-      <a:defPPr>
-        <a:defRPr lang="es-MX"/>
-      </a:defPPr>
-      <a:lvl1pPr marL="0" algn="l" defTabSz="914400" rtl="0" eaLnBrk="1" latinLnBrk="0" hangingPunct="1">
-        <a:defRPr sz="1800" kern="1200">
-          <a:solidFill>
-            <a:schemeClr val="tx1"/>
-          </a:solidFill>
-          <a:latin typeface="+mn-lt"/>
-          <a:ea typeface="+mn-ea"/>
-          <a:cs typeface="+mn-cs"/>
-        </a:defRPr>
-      </a:lvl1pPr>
-      <a:lvl2pPr marL="457200" algn="l" defTabSz="914400" rtl="0" eaLnBrk="1" latinLnBrk="0" hangingPunct="1">
-        <a:defRPr sz="1800" kern="1200">
-          <a:solidFill>
-            <a:schemeClr val="tx1"/>
-          </a:solidFill>
-          <a:latin typeface="+mn-lt"/>
-          <a:ea typeface="+mn-ea"/>
-          <a:cs typeface="+mn-cs"/>
-        </a:defRPr>
-      </a:lvl2pPr>
-      <a:lvl3pPr marL="914400" algn="l" defTabSz="914400" rtl="0" eaLnBrk="1" latinLnBrk="0" hangingPunct="1">
-        <a:defRPr sz="1800" kern="1200">
-          <a:solidFill>
-            <a:schemeClr val="tx1"/>
-          </a:solidFill>
-          <a:latin typeface="+mn-lt"/>
-          <a:ea typeface="+mn-ea"/>
-          <a:cs typeface="+mn-cs"/>
-        </a:defRPr>
-      </a:lvl3pPr>
-      <a:lvl4pPr marL="1371600" algn="l" defTabSz="914400" rtl="0" eaLnBrk="1" latinLnBrk="0" hangingPunct="1">
-        <a:defRPr sz="1800" kern="1200">
-          <a:solidFill>
-            <a:schemeClr val="tx1"/>
-          </a:solidFill>
-          <a:latin typeface="+mn-lt"/>
-          <a:ea typeface="+mn-ea"/>
-          <a:cs typeface="+mn-cs"/>
-        </a:defRPr>
-      </a:lvl4pPr>
-      <a:lvl5pPr marL="1828800" algn="l" defTabSz="914400" rtl="0" eaLnBrk="1" latinLnBrk="0" hangingPunct="1">
-        <a:defRPr sz="1800" kern="1200">
-          <a:solidFill>
-            <a:schemeClr val="tx1"/>
-          </a:solidFill>
-          <a:latin typeface="+mn-lt"/>
-          <a:ea typeface="+mn-ea"/>
-          <a:cs typeface="+mn-cs"/>
-        </a:defRPr>
-      </a:lvl5pPr>
-      <a:lvl6pPr marL="2286000" algn="l" defTabSz="914400" rtl="0" eaLnBrk="1" latinLnBrk="0" hangingPunct="1">
-        <a:defRPr sz="1800" kern="1200">
-          <a:solidFill>
-            <a:schemeClr val="tx1"/>
-          </a:solidFill>
-          <a:latin typeface="+mn-lt"/>
-          <a:ea typeface="+mn-ea"/>
-          <a:cs typeface="+mn-cs"/>
-        </a:defRPr>
-      </a:lvl6pPr>
-      <a:lvl7pPr marL="2743200" algn="l" defTabSz="914400" rtl="0" eaLnBrk="1" latinLnBrk="0" hangingPunct="1">
-        <a:defRPr sz="1800" kern="1200">
-          <a:solidFill>
-            <a:schemeClr val="tx1"/>
-          </a:solidFill>
-          <a:latin typeface="+mn-lt"/>
-          <a:ea typeface="+mn-ea"/>
-          <a:cs typeface="+mn-cs"/>
-        </a:defRPr>
-      </a:lvl7pPr>
-      <a:lvl8pPr marL="3200400" algn="l" defTabSz="914400" rtl="0" eaLnBrk="1" latinLnBrk="0" hangingPunct="1">
-        <a:defRPr sz="1800" kern="1200">
-          <a:solidFill>
-            <a:schemeClr val="tx1"/>
-          </a:solidFill>
-          <a:latin typeface="+mn-lt"/>
-          <a:ea typeface="+mn-ea"/>
-          <a:cs typeface="+mn-cs"/>
-        </a:defRPr>
-      </a:lvl8pPr>
-      <a:lvl9pPr marL="3657600" algn="l" defTabSz="914400" rtl="0" eaLnBrk="1" latinLnBrk="0" hangingPunct="1">
+      <a:lvl9pPr marL="3657600" algn="l" defTabSz="457200" rtl="0" eaLnBrk="1" latinLnBrk="0" hangingPunct="1">
         <a:defRPr sz="1800" kern="1200">
           <a:solidFill>
             <a:schemeClr val="tx1"/>
@@ -2983,46 +3875,103 @@
             <p:ph type="ctrTitle"/>
           </p:nvPr>
         </p:nvSpPr>
-        <p:spPr/>
+        <p:spPr>
+          <a:xfrm>
+            <a:off x="4617614" y="1020429"/>
+            <a:ext cx="6877700" cy="1475013"/>
+          </a:xfrm>
+        </p:spPr>
         <p:txBody>
           <a:bodyPr/>
           <a:lstStyle/>
           <a:p>
-            <a:endParaRPr lang="es-MX"/>
-          </a:p>
-        </p:txBody>
-      </p:sp>
-      <p:sp>
-        <p:nvSpPr>
-          <p:cNvPr id="3" name="Subtítulo 2"/>
-          <p:cNvSpPr>
-            <a:spLocks noGrp="1"/>
-          </p:cNvSpPr>
-          <p:nvPr>
-            <p:ph type="subTitle" idx="1"/>
-          </p:nvPr>
-        </p:nvSpPr>
-        <p:spPr>
-          <a:xfrm>
-            <a:off x="2490652" y="4505646"/>
-            <a:ext cx="9144000" cy="1655762"/>
-          </a:xfrm>
-        </p:spPr>
-        <p:txBody>
-          <a:bodyPr/>
+            <a:r>
+              <a:rPr lang="en-US" dirty="0"/>
+              <a:t>Taller de REST API NODE</a:t>
+            </a:r>
+            <a:endParaRPr lang="es-MX" dirty="0"/>
+          </a:p>
+        </p:txBody>
+      </p:sp>
+      <p:sp>
+        <p:nvSpPr>
+          <p:cNvPr id="5" name="CuadroTexto 4"/>
+          <p:cNvSpPr txBox="1"/>
+          <p:nvPr/>
+        </p:nvSpPr>
+        <p:spPr>
+          <a:xfrm>
+            <a:off x="809147" y="5448181"/>
+            <a:ext cx="2351926" cy="369332"/>
+          </a:xfrm>
+          <a:prstGeom prst="rect">
+            <a:avLst/>
+          </a:prstGeom>
+          <a:noFill/>
+        </p:spPr>
+        <p:txBody>
+          <a:bodyPr wrap="none" rtlCol="0">
+            <a:spAutoFit/>
+          </a:bodyPr>
           <a:lstStyle/>
           <a:p>
             <a:r>
-              <a:rPr lang="en-US" dirty="0" smtClean="0"/>
-              <a:t>Taller de REST API NODE</a:t>
-            </a:r>
-            <a:endParaRPr lang="es-MX" dirty="0"/>
+              <a:rPr lang="en-US" dirty="0" smtClean="0">
+                <a:solidFill>
+                  <a:schemeClr val="bg1"/>
+                </a:solidFill>
+              </a:rPr>
+              <a:t>Martin Cruz Medinilla</a:t>
+            </a:r>
+            <a:endParaRPr lang="es-MX" dirty="0">
+              <a:solidFill>
+                <a:schemeClr val="bg1"/>
+              </a:solidFill>
+            </a:endParaRPr>
+          </a:p>
+        </p:txBody>
+      </p:sp>
+      <p:sp>
+        <p:nvSpPr>
+          <p:cNvPr id="6" name="CuadroTexto 5"/>
+          <p:cNvSpPr txBox="1"/>
+          <p:nvPr/>
+        </p:nvSpPr>
+        <p:spPr>
+          <a:xfrm>
+            <a:off x="809147" y="5817513"/>
+            <a:ext cx="1236236" cy="369332"/>
+          </a:xfrm>
+          <a:prstGeom prst="rect">
+            <a:avLst/>
+          </a:prstGeom>
+          <a:noFill/>
+        </p:spPr>
+        <p:txBody>
+          <a:bodyPr wrap="none" rtlCol="0">
+            <a:spAutoFit/>
+          </a:bodyPr>
+          <a:lstStyle/>
+          <a:p>
+            <a:r>
+              <a:rPr lang="en-US" dirty="0" smtClean="0">
+                <a:solidFill>
+                  <a:schemeClr val="bg1"/>
+                </a:solidFill>
+              </a:rPr>
+              <a:t>Developer</a:t>
+            </a:r>
+            <a:endParaRPr lang="es-MX" dirty="0">
+              <a:solidFill>
+                <a:schemeClr val="bg1"/>
+              </a:solidFill>
+            </a:endParaRPr>
           </a:p>
         </p:txBody>
       </p:sp>
       <p:pic>
         <p:nvPicPr>
-          <p:cNvPr id="4" name="Imagen 3"/>
+          <p:cNvPr id="9" name="Imagen 8"/>
           <p:cNvPicPr>
             <a:picLocks noChangeAspect="1"/>
           </p:cNvPicPr>
@@ -3036,8 +3985,8 @@
         </p:blipFill>
         <p:spPr>
           <a:xfrm>
-            <a:off x="0" y="0"/>
-            <a:ext cx="12192000" cy="4211164"/>
+            <a:off x="597491" y="688900"/>
+            <a:ext cx="3530374" cy="2247417"/>
           </a:xfrm>
           <a:prstGeom prst="rect">
             <a:avLst/>
@@ -3046,14 +3995,14 @@
       </p:pic>
       <p:sp>
         <p:nvSpPr>
-          <p:cNvPr id="5" name="CuadroTexto 4"/>
+          <p:cNvPr id="10" name="CuadroTexto 9"/>
           <p:cNvSpPr txBox="1"/>
           <p:nvPr/>
         </p:nvSpPr>
         <p:spPr>
           <a:xfrm>
-            <a:off x="770708" y="5827004"/>
-            <a:ext cx="2225289" cy="369332"/>
+            <a:off x="9784589" y="6002179"/>
+            <a:ext cx="1710725" cy="369332"/>
           </a:xfrm>
           <a:prstGeom prst="rect">
             <a:avLst/>
@@ -3067,40 +4016,18 @@
           <a:lstStyle/>
           <a:p>
             <a:r>
-              <a:rPr lang="en-US" dirty="0" smtClean="0"/>
-              <a:t>Martin Cruz Medinilla</a:t>
-            </a:r>
-            <a:endParaRPr lang="es-MX" dirty="0"/>
-          </a:p>
-        </p:txBody>
-      </p:sp>
-      <p:sp>
-        <p:nvSpPr>
-          <p:cNvPr id="6" name="CuadroTexto 5"/>
-          <p:cNvSpPr txBox="1"/>
-          <p:nvPr/>
-        </p:nvSpPr>
-        <p:spPr>
-          <a:xfrm>
-            <a:off x="770708" y="6296297"/>
-            <a:ext cx="1151084" cy="369332"/>
-          </a:xfrm>
-          <a:prstGeom prst="rect">
-            <a:avLst/>
-          </a:prstGeom>
-          <a:noFill/>
-        </p:spPr>
-        <p:txBody>
-          <a:bodyPr wrap="none" rtlCol="0">
-            <a:spAutoFit/>
-          </a:bodyPr>
-          <a:lstStyle/>
-          <a:p>
-            <a:r>
-              <a:rPr lang="en-US" dirty="0" smtClean="0"/>
-              <a:t>Developer</a:t>
-            </a:r>
-            <a:endParaRPr lang="es-MX" dirty="0"/>
+              <a:rPr lang="es-MX" dirty="0" smtClean="0">
+                <a:solidFill>
+                  <a:schemeClr val="bg1"/>
+                </a:solidFill>
+              </a:rPr>
+              <a:t>Universe Code</a:t>
+            </a:r>
+            <a:endParaRPr lang="es-MX" dirty="0">
+              <a:solidFill>
+                <a:schemeClr val="bg1"/>
+              </a:solidFill>
+            </a:endParaRPr>
           </a:p>
         </p:txBody>
       </p:sp>
@@ -3210,16 +4137,12 @@
               <a:t>¿Por que aprender a realizar servicios </a:t>
             </a:r>
             <a:r>
-              <a:rPr lang="es-MX" dirty="0" err="1"/>
+              <a:rPr lang="es-MX" dirty="0"/>
               <a:t>R</a:t>
             </a:r>
             <a:r>
-              <a:rPr lang="es-MX" dirty="0" err="1" smtClean="0"/>
-              <a:t>est</a:t>
-            </a:r>
-            <a:r>
               <a:rPr lang="es-MX" dirty="0" smtClean="0"/>
-              <a:t>?</a:t>
+              <a:t>est?</a:t>
             </a:r>
           </a:p>
           <a:p>
@@ -3314,7 +4237,9 @@
         </p:nvSpPr>
         <p:spPr/>
         <p:txBody>
-          <a:bodyPr/>
+          <a:bodyPr>
+            <a:normAutofit/>
+          </a:bodyPr>
           <a:lstStyle/>
           <a:p>
             <a:pPr marL="0" indent="0">
@@ -3325,64 +4250,33 @@
                 <a:latin typeface="Arial" panose="020B0604020202020204" pitchFamily="34" charset="0"/>
                 <a:cs typeface="Arial" panose="020B0604020202020204" pitchFamily="34" charset="0"/>
               </a:rPr>
-              <a:t>1. Instalar </a:t>
+              <a:t>1. Instalar herramientas antes del </a:t>
             </a:r>
             <a:r>
               <a:rPr lang="es-MX" sz="2000" dirty="0" smtClean="0">
                 <a:latin typeface="Arial" panose="020B0604020202020204" pitchFamily="34" charset="0"/>
                 <a:cs typeface="Arial" panose="020B0604020202020204" pitchFamily="34" charset="0"/>
               </a:rPr>
-              <a:t>herramientas antes del </a:t>
-            </a:r>
+              <a:t>taller.</a:t>
+            </a:r>
+            <a:endParaRPr lang="es-MX" sz="2000" dirty="0" smtClean="0">
+              <a:latin typeface="Arial" panose="020B0604020202020204" pitchFamily="34" charset="0"/>
+              <a:cs typeface="Arial" panose="020B0604020202020204" pitchFamily="34" charset="0"/>
+            </a:endParaRPr>
+          </a:p>
+          <a:p>
+            <a:pPr marL="0" lvl="1" indent="0">
+              <a:spcBef>
+                <a:spcPts val="1000"/>
+              </a:spcBef>
+              <a:buNone/>
+            </a:pPr>
             <a:r>
               <a:rPr lang="es-MX" sz="2000" dirty="0" smtClean="0">
                 <a:latin typeface="Arial" panose="020B0604020202020204" pitchFamily="34" charset="0"/>
                 <a:cs typeface="Arial" panose="020B0604020202020204" pitchFamily="34" charset="0"/>
               </a:rPr>
-              <a:t>taller</a:t>
-            </a:r>
-            <a:endParaRPr lang="es-MX" sz="2000" dirty="0" smtClean="0">
-              <a:latin typeface="Arial" panose="020B0604020202020204" pitchFamily="34" charset="0"/>
-              <a:cs typeface="Arial" panose="020B0604020202020204" pitchFamily="34" charset="0"/>
-            </a:endParaRPr>
-          </a:p>
-          <a:p>
-            <a:pPr marL="0" lvl="1" indent="0">
-              <a:spcBef>
-                <a:spcPts val="1000"/>
-              </a:spcBef>
-              <a:buNone/>
-            </a:pPr>
-            <a:endParaRPr lang="es-MX" sz="2000" dirty="0" smtClean="0">
-              <a:latin typeface="Arial" panose="020B0604020202020204" pitchFamily="34" charset="0"/>
-              <a:cs typeface="Arial" panose="020B0604020202020204" pitchFamily="34" charset="0"/>
-            </a:endParaRPr>
-          </a:p>
-          <a:p>
-            <a:pPr marL="0" lvl="1" indent="0">
-              <a:spcBef>
-                <a:spcPts val="1000"/>
-              </a:spcBef>
-              <a:buNone/>
-            </a:pPr>
-            <a:endParaRPr lang="es-MX" sz="2000" dirty="0" smtClean="0">
-              <a:latin typeface="Arial" panose="020B0604020202020204" pitchFamily="34" charset="0"/>
-              <a:cs typeface="Arial" panose="020B0604020202020204" pitchFamily="34" charset="0"/>
-            </a:endParaRPr>
-          </a:p>
-          <a:p>
-            <a:pPr marL="0" lvl="1" indent="0">
-              <a:spcBef>
-                <a:spcPts val="1000"/>
-              </a:spcBef>
-              <a:buNone/>
-            </a:pPr>
-            <a:r>
-              <a:rPr lang="es-MX" sz="2000" dirty="0" smtClean="0">
-                <a:latin typeface="Arial" panose="020B0604020202020204" pitchFamily="34" charset="0"/>
-                <a:cs typeface="Arial" panose="020B0604020202020204" pitchFamily="34" charset="0"/>
-              </a:rPr>
-              <a:t>Comandos </a:t>
+              <a:t>2. Comandos </a:t>
             </a:r>
             <a:r>
               <a:rPr lang="es-MX" sz="2000" dirty="0" smtClean="0">
@@ -3396,8 +4290,12 @@
                 <a:latin typeface="Arial" panose="020B0604020202020204" pitchFamily="34" charset="0"/>
                 <a:cs typeface="Arial" panose="020B0604020202020204" pitchFamily="34" charset="0"/>
               </a:rPr>
-              <a:t>GIT</a:t>
-            </a:r>
+              <a:t>GIT.</a:t>
+            </a:r>
+            <a:endParaRPr lang="es-MX" sz="2000" dirty="0" smtClean="0">
+              <a:latin typeface="Arial" panose="020B0604020202020204" pitchFamily="34" charset="0"/>
+              <a:cs typeface="Arial" panose="020B0604020202020204" pitchFamily="34" charset="0"/>
+            </a:endParaRPr>
           </a:p>
           <a:p>
             <a:pPr marL="0" indent="0">
@@ -3408,7 +4306,7 @@
                 <a:latin typeface="Arial" panose="020B0604020202020204" pitchFamily="34" charset="0"/>
                 <a:cs typeface="Arial" panose="020B0604020202020204" pitchFamily="34" charset="0"/>
               </a:rPr>
-              <a:t>Lenguaje DML</a:t>
+              <a:t>3. Lenguaje DML.</a:t>
             </a:r>
             <a:endParaRPr lang="es-MX" sz="2000" dirty="0" smtClean="0">
               <a:latin typeface="Arial" panose="020B0604020202020204" pitchFamily="34" charset="0"/>
@@ -3419,6 +4317,13 @@
             <a:pPr marL="0" indent="0">
               <a:buNone/>
             </a:pPr>
+            <a:r>
+              <a:rPr lang="es-MX" sz="2000" dirty="0" smtClean="0">
+                <a:latin typeface="Arial" panose="020B0604020202020204" pitchFamily="34" charset="0"/>
+                <a:cs typeface="Arial" panose="020B0604020202020204" pitchFamily="34" charset="0"/>
+              </a:rPr>
+              <a:t>4. </a:t>
+            </a:r>
             <a:r>
               <a:rPr lang="es-MX" sz="2000" dirty="0" smtClean="0">
                 <a:latin typeface="Arial" panose="020B0604020202020204" pitchFamily="34" charset="0"/>
@@ -3431,23 +4336,35 @@
                 <a:latin typeface="Arial" panose="020B0604020202020204" pitchFamily="34" charset="0"/>
                 <a:cs typeface="Arial" panose="020B0604020202020204" pitchFamily="34" charset="0"/>
               </a:rPr>
-              <a:t>básicos </a:t>
+              <a:t>básicos en </a:t>
             </a:r>
             <a:r>
               <a:rPr lang="es-MX" sz="2000" dirty="0" smtClean="0">
                 <a:latin typeface="Arial" panose="020B0604020202020204" pitchFamily="34" charset="0"/>
                 <a:cs typeface="Arial" panose="020B0604020202020204" pitchFamily="34" charset="0"/>
               </a:rPr>
-              <a:t>en </a:t>
-            </a:r>
-            <a:r>
-              <a:rPr lang="es-MX" sz="2000" dirty="0" err="1" smtClean="0">
+              <a:t>JavaScript.</a:t>
+            </a:r>
+            <a:endParaRPr lang="en-US" dirty="0"/>
+          </a:p>
+          <a:p>
+            <a:pPr marL="0" lvl="1" indent="0">
+              <a:spcBef>
+                <a:spcPts val="1000"/>
+              </a:spcBef>
+              <a:buNone/>
+            </a:pPr>
+            <a:r>
+              <a:rPr lang="es-MX" sz="2000" dirty="0" smtClean="0">
                 <a:latin typeface="Arial" panose="020B0604020202020204" pitchFamily="34" charset="0"/>
                 <a:cs typeface="Arial" panose="020B0604020202020204" pitchFamily="34" charset="0"/>
               </a:rPr>
-              <a:t>Javascript</a:t>
-            </a:r>
-            <a:endParaRPr lang="en-US" dirty="0"/>
+              <a:t>Opcional:</a:t>
+            </a:r>
+            <a:endParaRPr lang="es-MX" sz="2000" dirty="0">
+              <a:latin typeface="Arial" panose="020B0604020202020204" pitchFamily="34" charset="0"/>
+              <a:cs typeface="Arial" panose="020B0604020202020204" pitchFamily="34" charset="0"/>
+            </a:endParaRPr>
           </a:p>
           <a:p>
             <a:pPr marL="0" lvl="1" indent="0">
@@ -3475,14 +4392,56 @@
                 <a:latin typeface="Arial" panose="020B0604020202020204" pitchFamily="34" charset="0"/>
                 <a:cs typeface="Arial" panose="020B0604020202020204" pitchFamily="34" charset="0"/>
               </a:rPr>
-              <a:t>con la base de </a:t>
-            </a:r>
-            <a:r>
-              <a:rPr lang="en-US" sz="2000" dirty="0" err="1">
+              <a:t>con </a:t>
+            </a:r>
+            <a:r>
+              <a:rPr lang="en-US" sz="2000" dirty="0" smtClean="0">
+                <a:latin typeface="Arial" panose="020B0604020202020204" pitchFamily="34" charset="0"/>
+                <a:cs typeface="Arial" panose="020B0604020202020204" pitchFamily="34" charset="0"/>
+              </a:rPr>
+              <a:t>el </a:t>
+            </a:r>
+            <a:r>
+              <a:rPr lang="es-MX" sz="2000" dirty="0" smtClean="0">
+                <a:latin typeface="Arial" panose="020B0604020202020204" pitchFamily="34" charset="0"/>
+                <a:cs typeface="Arial" panose="020B0604020202020204" pitchFamily="34" charset="0"/>
+              </a:rPr>
+              <a:t>modelo</a:t>
+            </a:r>
+            <a:r>
+              <a:rPr lang="en-US" sz="2000" dirty="0" smtClean="0">
+                <a:latin typeface="Arial" panose="020B0604020202020204" pitchFamily="34" charset="0"/>
+                <a:cs typeface="Arial" panose="020B0604020202020204" pitchFamily="34" charset="0"/>
+              </a:rPr>
+              <a:t> EVENTUC.JPG que </a:t>
+            </a:r>
+            <a:r>
+              <a:rPr lang="es-MX" sz="2000" dirty="0" smtClean="0">
+                <a:latin typeface="Arial" panose="020B0604020202020204" pitchFamily="34" charset="0"/>
+                <a:cs typeface="Arial" panose="020B0604020202020204" pitchFamily="34" charset="0"/>
+              </a:rPr>
+              <a:t>se encuentra en la carpeta </a:t>
+            </a:r>
+            <a:r>
+              <a:rPr lang="en-US" sz="2000" dirty="0" smtClean="0">
+                <a:latin typeface="Arial" panose="020B0604020202020204" pitchFamily="34" charset="0"/>
+                <a:cs typeface="Arial" panose="020B0604020202020204" pitchFamily="34" charset="0"/>
+              </a:rPr>
+              <a:t>base de </a:t>
+            </a:r>
+            <a:r>
+              <a:rPr lang="es-MX" sz="2000" dirty="0" smtClean="0">
                 <a:latin typeface="Arial" panose="020B0604020202020204" pitchFamily="34" charset="0"/>
                 <a:cs typeface="Arial" panose="020B0604020202020204" pitchFamily="34" charset="0"/>
               </a:rPr>
               <a:t>datos</a:t>
+            </a:r>
+            <a:r>
+              <a:rPr lang="en-US" sz="2000" dirty="0" smtClean="0">
+                <a:latin typeface="Arial" panose="020B0604020202020204" pitchFamily="34" charset="0"/>
+                <a:cs typeface="Arial" panose="020B0604020202020204" pitchFamily="34" charset="0"/>
+              </a:rPr>
+              <a:t>.</a:t>
             </a:r>
             <a:endParaRPr lang="es-MX" sz="2000" dirty="0">
               <a:latin typeface="Arial" panose="020B0604020202020204" pitchFamily="34" charset="0"/>
@@ -3557,12 +4516,8 @@
               <a:t>Herramientas de </a:t>
             </a:r>
             <a:r>
-              <a:rPr lang="es-MX" dirty="0" err="1" smtClean="0"/>
-              <a:t>instalacion</a:t>
-            </a:r>
-            <a:r>
               <a:rPr lang="es-MX" dirty="0" smtClean="0"/>
-              <a:t> </a:t>
+              <a:t>instalación </a:t>
             </a:r>
             <a:endParaRPr lang="es-MX" dirty="0"/>
           </a:p>
@@ -3578,23 +4533,23 @@
             <p:ph idx="1"/>
           </p:nvPr>
         </p:nvSpPr>
-        <p:spPr/>
+        <p:spPr>
+          <a:xfrm>
+            <a:off x="581192" y="1946365"/>
+            <a:ext cx="11029615" cy="4715691"/>
+          </a:xfrm>
+        </p:spPr>
         <p:txBody>
           <a:bodyPr>
-            <a:normAutofit fontScale="92500" lnSpcReduction="10000"/>
+            <a:normAutofit/>
           </a:bodyPr>
           <a:lstStyle/>
           <a:p>
             <a:r>
-              <a:rPr lang="es-MX" dirty="0" smtClean="0"/>
-              <a:t>Cuando se realizo esta presentación las ligas de descarga eran</a:t>
-            </a:r>
-          </a:p>
-          <a:p>
-            <a:r>
               <a:rPr lang="en-US" dirty="0" smtClean="0"/>
               <a:t>Node</a:t>
             </a:r>
+            <a:endParaRPr lang="en-US" dirty="0" smtClean="0"/>
           </a:p>
           <a:p>
             <a:r>
@@ -3664,6 +4619,28 @@
             </a:r>
           </a:p>
           <a:p>
+            <a:r>
+              <a:rPr lang="es-MX" dirty="0" smtClean="0"/>
+              <a:t>POSTMAN </a:t>
+            </a:r>
+          </a:p>
+          <a:p>
+            <a:r>
+              <a:rPr lang="es-MX" dirty="0">
+                <a:hlinkClick r:id="rId6"/>
+              </a:rPr>
+              <a:t>https://www.postman.com/downloads</a:t>
+            </a:r>
+            <a:r>
+              <a:rPr lang="es-MX" dirty="0" smtClean="0">
+                <a:hlinkClick r:id="rId6"/>
+              </a:rPr>
+              <a:t>/</a:t>
+            </a:r>
+            <a:r>
+              <a:rPr lang="es-MX" dirty="0" smtClean="0"/>
+              <a:t> </a:t>
+            </a:r>
             <a:endParaRPr lang="es-MX" dirty="0" smtClean="0"/>
           </a:p>
           <a:p>
@@ -3742,10 +4719,16 @@
         </p:nvSpPr>
         <p:spPr/>
         <p:txBody>
-          <a:bodyPr/>
+          <a:bodyPr>
+            <a:normAutofit/>
+          </a:bodyPr>
           <a:lstStyle/>
           <a:p>
-            <a:endParaRPr lang="es-MX" dirty="0"/>
+            <a:r>
+              <a:rPr lang="es-MX" sz="2000" dirty="0" smtClean="0"/>
+              <a:t>Nos escuchamos el 23 de marzo</a:t>
+            </a:r>
+            <a:endParaRPr lang="es-MX" sz="2000" dirty="0"/>
           </a:p>
         </p:txBody>
       </p:sp>
@@ -3770,9 +4753,9 @@
 </file>
 
 <file path=ppt/theme/theme1.xml><?xml version="1.0" encoding="utf-8"?>
-<a:theme xmlns:a="http://schemas.openxmlformats.org/drawingml/2006/main" name="Tema de Office">
+<a:theme xmlns:a="http://schemas.openxmlformats.org/drawingml/2006/main" name="Dividendo">
   <a:themeElements>
-    <a:clrScheme name="Office">
+    <a:clrScheme name="Dividendo">
       <a:dk1>
         <a:sysClr val="windowText" lastClr="000000"/>
       </a:dk1>
@@ -3780,81 +4763,48 @@
         <a:sysClr val="window" lastClr="FFFFFF"/>
       </a:lt1>
       <a:dk2>
-        <a:srgbClr val="44546A"/>
+        <a:srgbClr val="3D3D3D"/>
       </a:dk2>
       <a:lt2>
-        <a:srgbClr val="E7E6E6"/>
+        <a:srgbClr val="EBEBEB"/>
       </a:lt2>
       <a:accent1>
-        <a:srgbClr val="5B9BD5"/>
+        <a:srgbClr val="4D1434"/>
       </a:accent1>
       <a:accent2>
-        <a:srgbClr val="ED7D31"/>
+        <a:srgbClr val="903163"/>
       </a:accent2>
       <a:accent3>
-        <a:srgbClr val="A5A5A5"/>
+        <a:srgbClr val="B2324B"/>
       </a:accent3>
       <a:accent4>
-        <a:srgbClr val="FFC000"/>
+        <a:srgbClr val="969FA7"/>
       </a:accent4>
       <a:accent5>
-        <a:srgbClr val="4472C4"/>
+        <a:srgbClr val="66B1CE"/>
       </a:accent5>
       <a:accent6>
-        <a:srgbClr val="70AD47"/>
+        <a:srgbClr val="40619D"/>
       </a:accent6>
       <a:hlink>
-        <a:srgbClr val="0563C1"/>
+        <a:srgbClr val="828282"/>
       </a:hlink>
       <a:folHlink>
-        <a:srgbClr val="954F72"/>
+        <a:srgbClr val="A5A5A5"/>
       </a:folHlink>
     </a:clrScheme>
-    <a:fontScheme name="Office">
+    <a:fontScheme name="Dividendo">
       <a:majorFont>
-        <a:latin typeface="Calibri Light" panose="020F0302020204030204"/>
+        <a:latin typeface="Gill Sans MT" panose="020B0502020104020203"/>
         <a:ea typeface=""/>
         <a:cs typeface=""/>
-        <a:font script="Jpan" typeface="游ゴシック Light"/>
-        <a:font script="Hang" typeface="맑은 고딕"/>
-        <a:font script="Hans" typeface="等线 Light"/>
-        <a:font script="Hant" typeface="新細明體"/>
-        <a:font script="Arab" typeface="Times New Roman"/>
-        <a:font script="Hebr" typeface="Times New Roman"/>
-        <a:font script="Thai" typeface="Angsana New"/>
-        <a:font script="Ethi" typeface="Nyala"/>
-        <a:font script="Beng" typeface="Vrinda"/>
-        <a:font script="Gujr" typeface="Shruti"/>
-        <a:font script="Khmr" typeface="MoolBoran"/>
-        <a:font script="Knda" typeface="Tunga"/>
-        <a:font script="Guru" typeface="Raavi"/>
-        <a:font script="Cans" typeface="Euphemia"/>
-        <a:font script="Cher" typeface="Plantagenet Cherokee"/>
-        <a:font script="Yiii" typeface="Microsoft Yi Baiti"/>
-        <a:font script="Tibt" typeface="Microsoft Himalaya"/>
-        <a:font script="Thaa" typeface="MV Boli"/>
-        <a:font script="Deva" typeface="Mangal"/>
-        <a:font script="Telu" typeface="Gautami"/>
-        <a:font script="Taml" typeface="Latha"/>
-        <a:font script="Syrc" typeface="Estrangelo Edessa"/>
-        <a:font script="Orya" typeface="Kalinga"/>
-        <a:font script="Mlym" typeface="Kartika"/>
-        <a:font script="Laoo" typeface="DokChampa"/>
-        <a:font script="Sinh" typeface="Iskoola Pota"/>
-        <a:font script="Mong" typeface="Mongolian Baiti"/>
-        <a:font script="Viet" typeface="Times New Roman"/>
-        <a:font script="Uigh" typeface="Microsoft Uighur"/>
-        <a:font script="Geor" typeface="Sylfaen"/>
-      </a:majorFont>
-      <a:minorFont>
-        <a:latin typeface="Calibri" panose="020F0502020204030204"/>
-        <a:ea typeface=""/>
-        <a:cs typeface=""/>
-        <a:font script="Jpan" typeface="游ゴシック"/>
-        <a:font script="Hang" typeface="맑은 고딕"/>
-        <a:font script="Hans" typeface="等线"/>
-        <a:font script="Hant" typeface="新細明體"/>
-        <a:font script="Arab" typeface="Arial"/>
+        <a:font script="Grek" typeface="Corbel"/>
+        <a:font script="Cyrl" typeface="Corbel"/>
+        <a:font script="Jpan" typeface="HGｺﾞｼｯｸE"/>
+        <a:font script="Hang" typeface="휴먼매직체"/>
+        <a:font script="Hans" typeface="华文中宋"/>
+        <a:font script="Hant" typeface="微軟正黑體"/>
+        <a:font script="Arab" typeface="Majalla UI"/>
         <a:font script="Hebr" typeface="Arial"/>
         <a:font script="Thai" typeface="Cordia New"/>
         <a:font script="Ethi" typeface="Nyala"/>
@@ -3877,12 +4827,49 @@
         <a:font script="Laoo" typeface="DokChampa"/>
         <a:font script="Sinh" typeface="Iskoola Pota"/>
         <a:font script="Mong" typeface="Mongolian Baiti"/>
-        <a:font script="Viet" typeface="Arial"/>
+        <a:font script="Viet" typeface="Tahoma"/>
+        <a:font script="Uigh" typeface="Microsoft Uighur"/>
+        <a:font script="Geor" typeface="Sylfaen"/>
+      </a:majorFont>
+      <a:minorFont>
+        <a:latin typeface="Gill Sans MT" panose="020B0502020104020203"/>
+        <a:ea typeface=""/>
+        <a:cs typeface=""/>
+        <a:font script="Grek" typeface="Corbel"/>
+        <a:font script="Cyrl" typeface="Corbel"/>
+        <a:font script="Jpan" typeface="HGｺﾞｼｯｸE"/>
+        <a:font script="Hang" typeface="휴먼매직체"/>
+        <a:font script="Hans" typeface="华文中宋"/>
+        <a:font script="Hant" typeface="微軟正黑體"/>
+        <a:font script="Arab" typeface="Majalla UI"/>
+        <a:font script="Hebr" typeface="Arial"/>
+        <a:font script="Thai" typeface="Cordia New"/>
+        <a:font script="Ethi" typeface="Nyala"/>
+        <a:font script="Beng" typeface="Vrinda"/>
+        <a:font script="Gujr" typeface="Shruti"/>
+        <a:font script="Khmr" typeface="DaunPenh"/>
+        <a:font script="Knda" typeface="Tunga"/>
+        <a:font script="Guru" typeface="Raavi"/>
+        <a:font script="Cans" typeface="Euphemia"/>
+        <a:font script="Cher" typeface="Plantagenet Cherokee"/>
+        <a:font script="Yiii" typeface="Microsoft Yi Baiti"/>
+        <a:font script="Tibt" typeface="Microsoft Himalaya"/>
+        <a:font script="Thaa" typeface="MV Boli"/>
+        <a:font script="Deva" typeface="Mangal"/>
+        <a:font script="Telu" typeface="Gautami"/>
+        <a:font script="Taml" typeface="Latha"/>
+        <a:font script="Syrc" typeface="Estrangelo Edessa"/>
+        <a:font script="Orya" typeface="Kalinga"/>
+        <a:font script="Mlym" typeface="Kartika"/>
+        <a:font script="Laoo" typeface="DokChampa"/>
+        <a:font script="Sinh" typeface="Iskoola Pota"/>
+        <a:font script="Mong" typeface="Mongolian Baiti"/>
+        <a:font script="Viet" typeface="Tahoma"/>
         <a:font script="Uigh" typeface="Microsoft Uighur"/>
         <a:font script="Geor" typeface="Sylfaen"/>
       </a:minorFont>
     </a:fontScheme>
-    <a:fmtScheme name="Office">
+    <a:fmtScheme name="Dividendo">
       <a:fillStyleLst>
         <a:solidFill>
           <a:schemeClr val="phClr"/>
@@ -3891,23 +4878,111 @@
           <a:gsLst>
             <a:gs pos="0">
               <a:schemeClr val="phClr">
-                <a:lumMod val="110000"/>
-                <a:satMod val="105000"/>
-                <a:tint val="67000"/>
-              </a:schemeClr>
-            </a:gs>
-            <a:gs pos="50000">
-              <a:schemeClr val="phClr">
-                <a:lumMod val="105000"/>
-                <a:satMod val="103000"/>
-                <a:tint val="73000"/>
+                <a:tint val="68000"/>
+                <a:alpha val="90000"/>
+                <a:lumMod val="100000"/>
               </a:schemeClr>
             </a:gs>
             <a:gs pos="100000">
               <a:schemeClr val="phClr">
-                <a:lumMod val="105000"/>
-                <a:satMod val="109000"/>
-                <a:tint val="81000"/>
+                <a:tint val="90000"/>
+                <a:lumMod val="95000"/>
+              </a:schemeClr>
+            </a:gs>
+          </a:gsLst>
+          <a:lin ang="5400000" scaled="1"/>
+        </a:gradFill>
+        <a:gradFill rotWithShape="1">
+          <a:gsLst>
+            <a:gs pos="0">
+              <a:schemeClr val="phClr">
+                <a:tint val="98000"/>
+                <a:lumMod val="110000"/>
+              </a:schemeClr>
+            </a:gs>
+            <a:gs pos="84000">
+              <a:schemeClr val="phClr">
+                <a:shade val="90000"/>
+                <a:lumMod val="88000"/>
+              </a:schemeClr>
+            </a:gs>
+          </a:gsLst>
+          <a:lin ang="5400000" scaled="0"/>
+        </a:gradFill>
+      </a:fillStyleLst>
+      <a:lnStyleLst>
+        <a:ln w="12700" cap="rnd" cmpd="sng" algn="ctr">
+          <a:solidFill>
+            <a:schemeClr val="phClr">
+              <a:lumMod val="90000"/>
+            </a:schemeClr>
+          </a:solidFill>
+          <a:prstDash val="solid"/>
+        </a:ln>
+        <a:ln w="22225" cap="rnd" cmpd="sng" algn="ctr">
+          <a:solidFill>
+            <a:schemeClr val="phClr"/>
+          </a:solidFill>
+          <a:prstDash val="solid"/>
+        </a:ln>
+        <a:ln w="25400" cap="rnd" cmpd="sng" algn="ctr">
+          <a:solidFill>
+            <a:schemeClr val="phClr"/>
+          </a:solidFill>
+          <a:prstDash val="solid"/>
+        </a:ln>
+      </a:lnStyleLst>
+      <a:effectStyleLst>
+        <a:effectStyle>
+          <a:effectLst/>
+        </a:effectStyle>
+        <a:effectStyle>
+          <a:effectLst>
+            <a:outerShdw blurRad="38100" dist="25400" dir="5400000" rotWithShape="0">
+              <a:srgbClr val="000000">
+                <a:alpha val="55000"/>
+              </a:srgbClr>
+            </a:outerShdw>
+          </a:effectLst>
+        </a:effectStyle>
+        <a:effectStyle>
+          <a:effectLst>
+            <a:outerShdw blurRad="88900" dist="38100" dir="5040000" rotWithShape="0">
+              <a:srgbClr val="000000">
+                <a:alpha val="60000"/>
+              </a:srgbClr>
+            </a:outerShdw>
+          </a:effectLst>
+          <a:scene3d>
+            <a:camera prst="orthographicFront">
+              <a:rot lat="0" lon="0" rev="0"/>
+            </a:camera>
+            <a:lightRig rig="threePt" dir="tl">
+              <a:rot lat="0" lon="0" rev="1200000"/>
+            </a:lightRig>
+          </a:scene3d>
+          <a:sp3d>
+            <a:bevelT w="38100" h="50800"/>
+          </a:sp3d>
+        </a:effectStyle>
+      </a:effectStyleLst>
+      <a:bgFillStyleLst>
+        <a:solidFill>
+          <a:schemeClr val="phClr"/>
+        </a:solidFill>
+        <a:gradFill rotWithShape="1">
+          <a:gsLst>
+            <a:gs pos="0">
+              <a:schemeClr val="phClr">
+                <a:tint val="90000"/>
+                <a:lumMod val="110000"/>
+              </a:schemeClr>
+            </a:gs>
+            <a:gs pos="88000">
+              <a:schemeClr val="phClr">
+                <a:shade val="94000"/>
+                <a:satMod val="110000"/>
+                <a:lumMod val="88000"/>
               </a:schemeClr>
             </a:gs>
           </a:gsLst>
@@ -3917,105 +4992,21 @@
           <a:gsLst>
             <a:gs pos="0">
               <a:schemeClr val="phClr">
-                <a:satMod val="103000"/>
-                <a:lumMod val="102000"/>
-                <a:tint val="94000"/>
-              </a:schemeClr>
-            </a:gs>
-            <a:gs pos="50000">
-              <a:schemeClr val="phClr">
-                <a:satMod val="110000"/>
-                <a:lumMod val="100000"/>
-                <a:shade val="100000"/>
+                <a:tint val="90000"/>
+                <a:lumMod val="110000"/>
               </a:schemeClr>
             </a:gs>
             <a:gs pos="100000">
               <a:schemeClr val="phClr">
-                <a:lumMod val="99000"/>
-                <a:satMod val="120000"/>
-                <a:shade val="78000"/>
+                <a:shade val="98000"/>
+                <a:satMod val="110000"/>
+                <a:lumMod val="86000"/>
               </a:schemeClr>
             </a:gs>
           </a:gsLst>
-          <a:lin ang="5400000" scaled="0"/>
-        </a:gradFill>
-      </a:fillStyleLst>
-      <a:lnStyleLst>
-        <a:ln w="6350" cap="flat" cmpd="sng" algn="ctr">
-          <a:solidFill>
-            <a:schemeClr val="phClr"/>
-          </a:solidFill>
-          <a:prstDash val="solid"/>
-          <a:miter lim="800000"/>
-        </a:ln>
-        <a:ln w="12700" cap="flat" cmpd="sng" algn="ctr">
-          <a:solidFill>
-            <a:schemeClr val="phClr"/>
-          </a:solidFill>
-          <a:prstDash val="solid"/>
-          <a:miter lim="800000"/>
-        </a:ln>
-        <a:ln w="19050" cap="flat" cmpd="sng" algn="ctr">
-          <a:solidFill>
-            <a:schemeClr val="phClr"/>
-          </a:solidFill>
-          <a:prstDash val="solid"/>
-          <a:miter lim="800000"/>
-        </a:ln>
-      </a:lnStyleLst>
-      <a:effectStyleLst>
-        <a:effectStyle>
-          <a:effectLst/>
-        </a:effectStyle>
-        <a:effectStyle>
-          <a:effectLst/>
-        </a:effectStyle>
-        <a:effectStyle>
-          <a:effectLst>
-            <a:outerShdw blurRad="57150" dist="19050" dir="5400000" algn="ctr" rotWithShape="0">
-              <a:srgbClr val="000000">
-                <a:alpha val="63000"/>
-              </a:srgbClr>
-            </a:outerShdw>
-          </a:effectLst>
-        </a:effectStyle>
-      </a:effectStyleLst>
-      <a:bgFillStyleLst>
-        <a:solidFill>
-          <a:schemeClr val="phClr"/>
-        </a:solidFill>
-        <a:solidFill>
-          <a:schemeClr val="phClr">
-            <a:tint val="95000"/>
-            <a:satMod val="170000"/>
-          </a:schemeClr>
-        </a:solidFill>
-        <a:gradFill rotWithShape="1">
-          <a:gsLst>
-            <a:gs pos="0">
-              <a:schemeClr val="phClr">
-                <a:tint val="93000"/>
-                <a:satMod val="150000"/>
-                <a:shade val="98000"/>
-                <a:lumMod val="102000"/>
-              </a:schemeClr>
-            </a:gs>
-            <a:gs pos="50000">
-              <a:schemeClr val="phClr">
-                <a:tint val="98000"/>
-                <a:satMod val="130000"/>
-                <a:shade val="90000"/>
-                <a:lumMod val="103000"/>
-              </a:schemeClr>
-            </a:gs>
-            <a:gs pos="100000">
-              <a:schemeClr val="phClr">
-                <a:shade val="63000"/>
-                <a:satMod val="120000"/>
-              </a:schemeClr>
-            </a:gs>
-          </a:gsLst>
-          <a:lin ang="5400000" scaled="0"/>
+          <a:path path="circle">
+            <a:fillToRect l="50000" t="50000" r="100000" b="100000"/>
+          </a:path>
         </a:gradFill>
       </a:bgFillStyleLst>
     </a:fmtScheme>
@@ -4024,7 +5015,7 @@
   <a:extraClrSchemeLst/>
   <a:extLst>
     <a:ext uri="{05A4C25C-085E-4340-85A3-A5531E510DB2}">
-      <thm15:themeFamily xmlns:thm15="http://schemas.microsoft.com/office/thememl/2012/main" name="Office Theme" id="{62F939B6-93AF-4DB8-9C6B-D6C7DFDC589F}" vid="{4A3C46E8-61CC-4603-A589-7422A47A8E4A}"/>
+      <thm15:themeFamily xmlns:thm15="http://schemas.microsoft.com/office/thememl/2012/main" name="Dividend" id="{9697A71B-4AB7-4A1A-BD5B-BB2D22835B57}" vid="{C21699FF-00E4-43C8-BBCC-D7E5536C3717}"/>
     </a:ext>
   </a:extLst>
 </a:theme>

--- a/Presentacion/Taller.pptx
+++ b/Presentacion/Taller.pptx
@@ -7,9 +7,10 @@
   <p:sldIdLst>
     <p:sldId id="256" r:id="rId2"/>
     <p:sldId id="257" r:id="rId3"/>
-    <p:sldId id="258" r:id="rId4"/>
-    <p:sldId id="259" r:id="rId5"/>
-    <p:sldId id="260" r:id="rId6"/>
+    <p:sldId id="259" r:id="rId4"/>
+    <p:sldId id="258" r:id="rId5"/>
+    <p:sldId id="261" r:id="rId6"/>
+    <p:sldId id="260" r:id="rId7"/>
   </p:sldIdLst>
   <p:sldSz cx="12192000" cy="6858000"/>
   <p:notesSz cx="6858000" cy="9144000"/>
@@ -116,6 +117,171 @@
 </p:presentation>
 </file>
 
+<file path=ppt/revisionInfo.xml><?xml version="1.0" encoding="utf-8"?>
+<p1510:revInfo xmlns:a="http://schemas.openxmlformats.org/drawingml/2006/main" xmlns:r="http://schemas.openxmlformats.org/officeDocument/2006/relationships" xmlns:p1510="http://schemas.microsoft.com/office/powerpoint/2015/10/main">
+  <p1510:revLst>
+    <p1510:client id="{6C1BA623-70D9-46C5-ADD1-F2B18404CFA1}" v="326" dt="2021-03-07T00:34:53.512"/>
+    <p1510:client id="{9165F525-19EE-4A82-8DD3-28598AF808C0}" v="128" dt="2021-03-06T21:37:34.864"/>
+    <p1510:client id="{C864E01D-327D-4EE1-B8FE-68312D054438}" v="60" dt="2021-03-07T00:15:20.684"/>
+    <p1510:client id="{C869A228-EF32-4135-B8AB-C19EBEDB4AB8}" v="6" dt="2021-03-12T06:25:13.240"/>
+  </p1510:revLst>
+</p1510:revInfo>
+</file>
+
+<file path=ppt/changesInfos/changesInfo1.xml><?xml version="1.0" encoding="utf-8"?>
+<pc:chgInfo xmlns:a="http://schemas.openxmlformats.org/drawingml/2006/main" xmlns:r="http://schemas.openxmlformats.org/officeDocument/2006/relationships" xmlns:ac="http://schemas.microsoft.com/office/drawing/2013/main/command" xmlns:pc="http://schemas.microsoft.com/office/powerpoint/2013/main/command">
+  <pc:docChgLst>
+    <pc:chgData name="Martin Cruz Medinilla" userId="97fb9944e3b81560" providerId="Windows Live" clId="Web-{C869A228-EF32-4135-B8AB-C19EBEDB4AB8}"/>
+    <pc:docChg chg="modSld">
+      <pc:chgData name="Martin Cruz Medinilla" userId="97fb9944e3b81560" providerId="Windows Live" clId="Web-{C869A228-EF32-4135-B8AB-C19EBEDB4AB8}" dt="2021-03-12T06:25:10.475" v="1" actId="20577"/>
+      <pc:docMkLst>
+        <pc:docMk/>
+      </pc:docMkLst>
+      <pc:sldChg chg="modSp">
+        <pc:chgData name="Martin Cruz Medinilla" userId="97fb9944e3b81560" providerId="Windows Live" clId="Web-{C869A228-EF32-4135-B8AB-C19EBEDB4AB8}" dt="2021-03-12T06:25:10.475" v="1" actId="20577"/>
+        <pc:sldMkLst>
+          <pc:docMk/>
+          <pc:sldMk cId="510906916" sldId="257"/>
+        </pc:sldMkLst>
+        <pc:spChg chg="mod">
+          <ac:chgData name="Martin Cruz Medinilla" userId="97fb9944e3b81560" providerId="Windows Live" clId="Web-{C869A228-EF32-4135-B8AB-C19EBEDB4AB8}" dt="2021-03-12T06:25:10.475" v="1" actId="20577"/>
+          <ac:spMkLst>
+            <pc:docMk/>
+            <pc:sldMk cId="510906916" sldId="257"/>
+            <ac:spMk id="3" creationId="{00000000-0000-0000-0000-000000000000}"/>
+          </ac:spMkLst>
+        </pc:spChg>
+      </pc:sldChg>
+    </pc:docChg>
+  </pc:docChgLst>
+  <pc:docChgLst>
+    <pc:chgData name="Martin Cruz Medinilla" userId="97fb9944e3b81560" providerId="Windows Live" clId="Web-{6C1BA623-70D9-46C5-ADD1-F2B18404CFA1}"/>
+    <pc:docChg chg="modSld">
+      <pc:chgData name="Martin Cruz Medinilla" userId="97fb9944e3b81560" providerId="Windows Live" clId="Web-{6C1BA623-70D9-46C5-ADD1-F2B18404CFA1}" dt="2021-03-07T00:34:53.512" v="158" actId="20577"/>
+      <pc:docMkLst>
+        <pc:docMk/>
+      </pc:docMkLst>
+      <pc:sldChg chg="delSp modSp">
+        <pc:chgData name="Martin Cruz Medinilla" userId="97fb9944e3b81560" providerId="Windows Live" clId="Web-{6C1BA623-70D9-46C5-ADD1-F2B18404CFA1}" dt="2021-03-07T00:31:14.418" v="21"/>
+        <pc:sldMkLst>
+          <pc:docMk/>
+          <pc:sldMk cId="3216943570" sldId="256"/>
+        </pc:sldMkLst>
+        <pc:spChg chg="mod">
+          <ac:chgData name="Martin Cruz Medinilla" userId="97fb9944e3b81560" providerId="Windows Live" clId="Web-{6C1BA623-70D9-46C5-ADD1-F2B18404CFA1}" dt="2021-03-07T00:31:05.808" v="20" actId="20577"/>
+          <ac:spMkLst>
+            <pc:docMk/>
+            <pc:sldMk cId="3216943570" sldId="256"/>
+            <ac:spMk id="2" creationId="{00000000-0000-0000-0000-000000000000}"/>
+          </ac:spMkLst>
+        </pc:spChg>
+        <pc:spChg chg="del">
+          <ac:chgData name="Martin Cruz Medinilla" userId="97fb9944e3b81560" providerId="Windows Live" clId="Web-{6C1BA623-70D9-46C5-ADD1-F2B18404CFA1}" dt="2021-03-07T00:31:14.418" v="21"/>
+          <ac:spMkLst>
+            <pc:docMk/>
+            <pc:sldMk cId="3216943570" sldId="256"/>
+            <ac:spMk id="3" creationId="{903062E1-787C-475E-A2E0-8B5CCA248C97}"/>
+          </ac:spMkLst>
+        </pc:spChg>
+      </pc:sldChg>
+      <pc:sldChg chg="modSp">
+        <pc:chgData name="Martin Cruz Medinilla" userId="97fb9944e3b81560" providerId="Windows Live" clId="Web-{6C1BA623-70D9-46C5-ADD1-F2B18404CFA1}" dt="2021-03-07T00:33:40.818" v="114" actId="20577"/>
+        <pc:sldMkLst>
+          <pc:docMk/>
+          <pc:sldMk cId="510906916" sldId="257"/>
+        </pc:sldMkLst>
+        <pc:spChg chg="mod">
+          <ac:chgData name="Martin Cruz Medinilla" userId="97fb9944e3b81560" providerId="Windows Live" clId="Web-{6C1BA623-70D9-46C5-ADD1-F2B18404CFA1}" dt="2021-03-07T00:31:41.748" v="22" actId="20577"/>
+          <ac:spMkLst>
+            <pc:docMk/>
+            <pc:sldMk cId="510906916" sldId="257"/>
+            <ac:spMk id="2" creationId="{00000000-0000-0000-0000-000000000000}"/>
+          </ac:spMkLst>
+        </pc:spChg>
+        <pc:spChg chg="mod">
+          <ac:chgData name="Martin Cruz Medinilla" userId="97fb9944e3b81560" providerId="Windows Live" clId="Web-{6C1BA623-70D9-46C5-ADD1-F2B18404CFA1}" dt="2021-03-07T00:33:40.818" v="114" actId="20577"/>
+          <ac:spMkLst>
+            <pc:docMk/>
+            <pc:sldMk cId="510906916" sldId="257"/>
+            <ac:spMk id="3" creationId="{00000000-0000-0000-0000-000000000000}"/>
+          </ac:spMkLst>
+        </pc:spChg>
+      </pc:sldChg>
+      <pc:sldChg chg="modSp">
+        <pc:chgData name="Martin Cruz Medinilla" userId="97fb9944e3b81560" providerId="Windows Live" clId="Web-{6C1BA623-70D9-46C5-ADD1-F2B18404CFA1}" dt="2021-03-07T00:34:53.512" v="158" actId="20577"/>
+        <pc:sldMkLst>
+          <pc:docMk/>
+          <pc:sldMk cId="3041236276" sldId="258"/>
+        </pc:sldMkLst>
+        <pc:spChg chg="mod">
+          <ac:chgData name="Martin Cruz Medinilla" userId="97fb9944e3b81560" providerId="Windows Live" clId="Web-{6C1BA623-70D9-46C5-ADD1-F2B18404CFA1}" dt="2021-03-07T00:34:53.512" v="158" actId="20577"/>
+          <ac:spMkLst>
+            <pc:docMk/>
+            <pc:sldMk cId="3041236276" sldId="258"/>
+            <ac:spMk id="3" creationId="{00000000-0000-0000-0000-000000000000}"/>
+          </ac:spMkLst>
+        </pc:spChg>
+      </pc:sldChg>
+    </pc:docChg>
+  </pc:docChgLst>
+  <pc:docChgLst>
+    <pc:chgData name="Martin Cruz Medinilla" userId="97fb9944e3b81560" providerId="Windows Live" clId="Web-{9165F525-19EE-4A82-8DD3-28598AF808C0}"/>
+    <pc:docChg chg="modSld">
+      <pc:chgData name="Martin Cruz Medinilla" userId="97fb9944e3b81560" providerId="Windows Live" clId="Web-{9165F525-19EE-4A82-8DD3-28598AF808C0}" dt="2021-03-06T21:37:34.864" v="61" actId="20577"/>
+      <pc:docMkLst>
+        <pc:docMk/>
+      </pc:docMkLst>
+      <pc:sldChg chg="modSp">
+        <pc:chgData name="Martin Cruz Medinilla" userId="97fb9944e3b81560" providerId="Windows Live" clId="Web-{9165F525-19EE-4A82-8DD3-28598AF808C0}" dt="2021-03-06T21:37:34.864" v="61" actId="20577"/>
+        <pc:sldMkLst>
+          <pc:docMk/>
+          <pc:sldMk cId="1143618442" sldId="259"/>
+        </pc:sldMkLst>
+        <pc:spChg chg="mod">
+          <ac:chgData name="Martin Cruz Medinilla" userId="97fb9944e3b81560" providerId="Windows Live" clId="Web-{9165F525-19EE-4A82-8DD3-28598AF808C0}" dt="2021-03-06T21:37:34.864" v="61" actId="20577"/>
+          <ac:spMkLst>
+            <pc:docMk/>
+            <pc:sldMk cId="1143618442" sldId="259"/>
+            <ac:spMk id="3" creationId="{00000000-0000-0000-0000-000000000000}"/>
+          </ac:spMkLst>
+        </pc:spChg>
+      </pc:sldChg>
+    </pc:docChg>
+  </pc:docChgLst>
+  <pc:docChgLst>
+    <pc:chgData name="Martin Cruz Medinilla" userId="97fb9944e3b81560" providerId="Windows Live" clId="Web-{C864E01D-327D-4EE1-B8FE-68312D054438}"/>
+    <pc:docChg chg="modSld sldOrd">
+      <pc:chgData name="Martin Cruz Medinilla" userId="97fb9944e3b81560" providerId="Windows Live" clId="Web-{C864E01D-327D-4EE1-B8FE-68312D054438}" dt="2021-03-07T00:15:20.684" v="30"/>
+      <pc:docMkLst>
+        <pc:docMk/>
+      </pc:docMkLst>
+      <pc:sldChg chg="addSp modSp">
+        <pc:chgData name="Martin Cruz Medinilla" userId="97fb9944e3b81560" providerId="Windows Live" clId="Web-{C864E01D-327D-4EE1-B8FE-68312D054438}" dt="2021-03-07T00:15:20.684" v="30"/>
+        <pc:sldMkLst>
+          <pc:docMk/>
+          <pc:sldMk cId="3216943570" sldId="256"/>
+        </pc:sldMkLst>
+        <pc:spChg chg="add mod">
+          <ac:chgData name="Martin Cruz Medinilla" userId="97fb9944e3b81560" providerId="Windows Live" clId="Web-{C864E01D-327D-4EE1-B8FE-68312D054438}" dt="2021-03-07T00:15:20.684" v="30"/>
+          <ac:spMkLst>
+            <pc:docMk/>
+            <pc:sldMk cId="3216943570" sldId="256"/>
+            <ac:spMk id="3" creationId="{903062E1-787C-475E-A2E0-8B5CCA248C97}"/>
+          </ac:spMkLst>
+        </pc:spChg>
+      </pc:sldChg>
+      <pc:sldChg chg="ord">
+        <pc:chgData name="Martin Cruz Medinilla" userId="97fb9944e3b81560" providerId="Windows Live" clId="Web-{C864E01D-327D-4EE1-B8FE-68312D054438}" dt="2021-03-07T00:14:32.916" v="0"/>
+        <pc:sldMkLst>
+          <pc:docMk/>
+          <pc:sldMk cId="3041236276" sldId="258"/>
+        </pc:sldMkLst>
+      </pc:sldChg>
+    </pc:docChg>
+  </pc:docChgLst>
+</pc:chgInfo>
+</file>
+
 <file path=ppt/slideLayouts/slideLayout1.xml><?xml version="1.0" encoding="utf-8"?>
 <p:sldLayout xmlns:a="http://schemas.openxmlformats.org/drawingml/2006/main" xmlns:r="http://schemas.openxmlformats.org/officeDocument/2006/relationships" xmlns:p="http://schemas.openxmlformats.org/presentationml/2006/main" type="title" preserve="1">
   <p:cSld name="Diapositiva de título">
@@ -202,7 +368,7 @@
           </a:lstStyle>
           <a:p>
             <a:r>
-              <a:rPr lang="es-ES" smtClean="0"/>
+              <a:rPr lang="es-ES"/>
               <a:t>Haga clic para modificar el estilo de título del patrón</a:t>
             </a:r>
             <a:endParaRPr lang="en-US" dirty="0"/>
@@ -321,7 +487,7 @@
           </a:lstStyle>
           <a:p>
             <a:r>
-              <a:rPr lang="es-ES" smtClean="0"/>
+              <a:rPr lang="es-ES"/>
               <a:t>Haga clic para editar el estilo de subtítulo del patrón</a:t>
             </a:r>
             <a:endParaRPr lang="en-US" dirty="0"/>
@@ -361,7 +527,7 @@
           <a:p>
             <a:fld id="{941820D4-FD18-40B0-A2DA-577109253211}" type="datetimeFigureOut">
               <a:rPr lang="es-MX" smtClean="0"/>
-              <a:t>06/03/2021</a:t>
+              <a:t>11/03/2021</a:t>
             </a:fld>
             <a:endParaRPr lang="es-MX"/>
           </a:p>
@@ -531,7 +697,7 @@
           <a:lstStyle/>
           <a:p>
             <a:r>
-              <a:rPr lang="es-ES" smtClean="0"/>
+              <a:rPr lang="es-ES"/>
               <a:t>Haga clic para modificar el estilo de título del patrón</a:t>
             </a:r>
             <a:endParaRPr lang="en-US" dirty="0"/>
@@ -571,35 +737,35 @@
           <a:p>
             <a:pPr lvl="0"/>
             <a:r>
-              <a:rPr lang="es-ES" smtClean="0"/>
+              <a:rPr lang="es-ES"/>
               <a:t>Editar el estilo de texto del patrón</a:t>
             </a:r>
           </a:p>
           <a:p>
             <a:pPr lvl="1"/>
             <a:r>
-              <a:rPr lang="es-ES" smtClean="0"/>
+              <a:rPr lang="es-ES"/>
               <a:t>Segundo nivel</a:t>
             </a:r>
           </a:p>
           <a:p>
             <a:pPr lvl="2"/>
             <a:r>
-              <a:rPr lang="es-ES" smtClean="0"/>
+              <a:rPr lang="es-ES"/>
               <a:t>Tercer nivel</a:t>
             </a:r>
           </a:p>
           <a:p>
             <a:pPr lvl="3"/>
             <a:r>
-              <a:rPr lang="es-ES" smtClean="0"/>
+              <a:rPr lang="es-ES"/>
               <a:t>Cuarto nivel</a:t>
             </a:r>
           </a:p>
           <a:p>
             <a:pPr lvl="4"/>
             <a:r>
-              <a:rPr lang="es-ES" smtClean="0"/>
+              <a:rPr lang="es-ES"/>
               <a:t>Quinto nivel</a:t>
             </a:r>
             <a:endParaRPr lang="en-US" dirty="0"/>
@@ -623,7 +789,7 @@
           <a:p>
             <a:fld id="{941820D4-FD18-40B0-A2DA-577109253211}" type="datetimeFigureOut">
               <a:rPr lang="es-MX" smtClean="0"/>
-              <a:t>06/03/2021</a:t>
+              <a:t>11/03/2021</a:t>
             </a:fld>
             <a:endParaRPr lang="es-MX"/>
           </a:p>
@@ -761,7 +927,7 @@
           <a:lstStyle/>
           <a:p>
             <a:r>
-              <a:rPr lang="es-ES" smtClean="0"/>
+              <a:rPr lang="es-ES"/>
               <a:t>Haga clic para modificar el estilo de título del patrón</a:t>
             </a:r>
             <a:endParaRPr lang="en-US" dirty="0"/>
@@ -790,35 +956,35 @@
           <a:p>
             <a:pPr lvl="0"/>
             <a:r>
-              <a:rPr lang="es-ES" smtClean="0"/>
+              <a:rPr lang="es-ES"/>
               <a:t>Editar el estilo de texto del patrón</a:t>
             </a:r>
           </a:p>
           <a:p>
             <a:pPr lvl="1"/>
             <a:r>
-              <a:rPr lang="es-ES" smtClean="0"/>
+              <a:rPr lang="es-ES"/>
               <a:t>Segundo nivel</a:t>
             </a:r>
           </a:p>
           <a:p>
             <a:pPr lvl="2"/>
             <a:r>
-              <a:rPr lang="es-ES" smtClean="0"/>
+              <a:rPr lang="es-ES"/>
               <a:t>Tercer nivel</a:t>
             </a:r>
           </a:p>
           <a:p>
             <a:pPr lvl="3"/>
             <a:r>
-              <a:rPr lang="es-ES" smtClean="0"/>
+              <a:rPr lang="es-ES"/>
               <a:t>Cuarto nivel</a:t>
             </a:r>
           </a:p>
           <a:p>
             <a:pPr lvl="4"/>
             <a:r>
-              <a:rPr lang="es-ES" smtClean="0"/>
+              <a:rPr lang="es-ES"/>
               <a:t>Quinto nivel</a:t>
             </a:r>
             <a:endParaRPr lang="en-US" dirty="0"/>
@@ -858,7 +1024,7 @@
           <a:p>
             <a:fld id="{941820D4-FD18-40B0-A2DA-577109253211}" type="datetimeFigureOut">
               <a:rPr lang="es-MX" smtClean="0"/>
-              <a:t>06/03/2021</a:t>
+              <a:t>11/03/2021</a:t>
             </a:fld>
             <a:endParaRPr lang="es-MX"/>
           </a:p>
@@ -1017,7 +1183,7 @@
           <a:lstStyle/>
           <a:p>
             <a:r>
-              <a:rPr lang="es-ES" smtClean="0"/>
+              <a:rPr lang="es-ES"/>
               <a:t>Haga clic para modificar el estilo de título del patrón</a:t>
             </a:r>
             <a:endParaRPr lang="en-US" dirty="0"/>
@@ -1046,35 +1212,35 @@
           <a:p>
             <a:pPr lvl="0"/>
             <a:r>
-              <a:rPr lang="es-ES" smtClean="0"/>
+              <a:rPr lang="es-ES"/>
               <a:t>Editar el estilo de texto del patrón</a:t>
             </a:r>
           </a:p>
           <a:p>
             <a:pPr lvl="1"/>
             <a:r>
-              <a:rPr lang="es-ES" smtClean="0"/>
+              <a:rPr lang="es-ES"/>
               <a:t>Segundo nivel</a:t>
             </a:r>
           </a:p>
           <a:p>
             <a:pPr lvl="2"/>
             <a:r>
-              <a:rPr lang="es-ES" smtClean="0"/>
+              <a:rPr lang="es-ES"/>
               <a:t>Tercer nivel</a:t>
             </a:r>
           </a:p>
           <a:p>
             <a:pPr lvl="3"/>
             <a:r>
-              <a:rPr lang="es-ES" smtClean="0"/>
+              <a:rPr lang="es-ES"/>
               <a:t>Cuarto nivel</a:t>
             </a:r>
           </a:p>
           <a:p>
             <a:pPr lvl="4"/>
             <a:r>
-              <a:rPr lang="es-ES" smtClean="0"/>
+              <a:rPr lang="es-ES"/>
               <a:t>Quinto nivel</a:t>
             </a:r>
             <a:endParaRPr lang="en-US" dirty="0"/>
@@ -1098,7 +1264,7 @@
           <a:p>
             <a:fld id="{941820D4-FD18-40B0-A2DA-577109253211}" type="datetimeFigureOut">
               <a:rPr lang="es-MX" smtClean="0"/>
-              <a:t>06/03/2021</a:t>
+              <a:t>11/03/2021</a:t>
             </a:fld>
             <a:endParaRPr lang="es-MX"/>
           </a:p>
@@ -1251,7 +1417,7 @@
           </a:lstStyle>
           <a:p>
             <a:r>
-              <a:rPr lang="es-ES" smtClean="0"/>
+              <a:rPr lang="es-ES"/>
               <a:t>Haga clic para modificar el estilo de título del patrón</a:t>
             </a:r>
             <a:endParaRPr lang="en-US" dirty="0"/>
@@ -1371,7 +1537,7 @@
           <a:p>
             <a:pPr lvl="0"/>
             <a:r>
-              <a:rPr lang="es-ES" smtClean="0"/>
+              <a:rPr lang="es-ES"/>
               <a:t>Editar el estilo de texto del patrón</a:t>
             </a:r>
           </a:p>
@@ -1405,7 +1571,7 @@
           <a:p>
             <a:fld id="{941820D4-FD18-40B0-A2DA-577109253211}" type="datetimeFigureOut">
               <a:rPr lang="es-MX" smtClean="0"/>
-              <a:t>06/03/2021</a:t>
+              <a:t>11/03/2021</a:t>
             </a:fld>
             <a:endParaRPr lang="es-MX"/>
           </a:p>
@@ -1565,7 +1731,7 @@
           <a:lstStyle/>
           <a:p>
             <a:r>
-              <a:rPr lang="es-ES" smtClean="0"/>
+              <a:rPr lang="es-ES"/>
               <a:t>Haga clic para modificar el estilo de título del patrón</a:t>
             </a:r>
             <a:endParaRPr lang="en-US" dirty="0"/>
@@ -1596,35 +1762,35 @@
           <a:p>
             <a:pPr lvl="0"/>
             <a:r>
-              <a:rPr lang="es-ES" smtClean="0"/>
+              <a:rPr lang="es-ES"/>
               <a:t>Editar el estilo de texto del patrón</a:t>
             </a:r>
           </a:p>
           <a:p>
             <a:pPr lvl="1"/>
             <a:r>
-              <a:rPr lang="es-ES" smtClean="0"/>
+              <a:rPr lang="es-ES"/>
               <a:t>Segundo nivel</a:t>
             </a:r>
           </a:p>
           <a:p>
             <a:pPr lvl="2"/>
             <a:r>
-              <a:rPr lang="es-ES" smtClean="0"/>
+              <a:rPr lang="es-ES"/>
               <a:t>Tercer nivel</a:t>
             </a:r>
           </a:p>
           <a:p>
             <a:pPr lvl="3"/>
             <a:r>
-              <a:rPr lang="es-ES" smtClean="0"/>
+              <a:rPr lang="es-ES"/>
               <a:t>Cuarto nivel</a:t>
             </a:r>
           </a:p>
           <a:p>
             <a:pPr lvl="4"/>
             <a:r>
-              <a:rPr lang="es-ES" smtClean="0"/>
+              <a:rPr lang="es-ES"/>
               <a:t>Quinto nivel</a:t>
             </a:r>
             <a:endParaRPr lang="en-US" dirty="0"/>
@@ -1655,35 +1821,35 @@
           <a:p>
             <a:pPr lvl="0"/>
             <a:r>
-              <a:rPr lang="es-ES" smtClean="0"/>
+              <a:rPr lang="es-ES"/>
               <a:t>Editar el estilo de texto del patrón</a:t>
             </a:r>
           </a:p>
           <a:p>
             <a:pPr lvl="1"/>
             <a:r>
-              <a:rPr lang="es-ES" smtClean="0"/>
+              <a:rPr lang="es-ES"/>
               <a:t>Segundo nivel</a:t>
             </a:r>
           </a:p>
           <a:p>
             <a:pPr lvl="2"/>
             <a:r>
-              <a:rPr lang="es-ES" smtClean="0"/>
+              <a:rPr lang="es-ES"/>
               <a:t>Tercer nivel</a:t>
             </a:r>
           </a:p>
           <a:p>
             <a:pPr lvl="3"/>
             <a:r>
-              <a:rPr lang="es-ES" smtClean="0"/>
+              <a:rPr lang="es-ES"/>
               <a:t>Cuarto nivel</a:t>
             </a:r>
           </a:p>
           <a:p>
             <a:pPr lvl="4"/>
             <a:r>
-              <a:rPr lang="es-ES" smtClean="0"/>
+              <a:rPr lang="es-ES"/>
               <a:t>Quinto nivel</a:t>
             </a:r>
             <a:endParaRPr lang="en-US" dirty="0"/>
@@ -1707,7 +1873,7 @@
           <a:p>
             <a:fld id="{941820D4-FD18-40B0-A2DA-577109253211}" type="datetimeFigureOut">
               <a:rPr lang="es-MX" smtClean="0"/>
-              <a:t>06/03/2021</a:t>
+              <a:t>11/03/2021</a:t>
             </a:fld>
             <a:endParaRPr lang="es-MX"/>
           </a:p>
@@ -1845,7 +2011,7 @@
           <a:lstStyle/>
           <a:p>
             <a:r>
-              <a:rPr lang="es-ES" smtClean="0"/>
+              <a:rPr lang="es-ES"/>
               <a:t>Haga clic para modificar el estilo de título del patrón</a:t>
             </a:r>
             <a:endParaRPr lang="en-US" dirty="0"/>
@@ -1917,7 +2083,7 @@
           <a:p>
             <a:pPr lvl="0"/>
             <a:r>
-              <a:rPr lang="es-ES" smtClean="0"/>
+              <a:rPr lang="es-ES"/>
               <a:t>Editar el estilo de texto del patrón</a:t>
             </a:r>
           </a:p>
@@ -1947,35 +2113,35 @@
           <a:p>
             <a:pPr lvl="0"/>
             <a:r>
-              <a:rPr lang="es-ES" smtClean="0"/>
+              <a:rPr lang="es-ES"/>
               <a:t>Editar el estilo de texto del patrón</a:t>
             </a:r>
           </a:p>
           <a:p>
             <a:pPr lvl="1"/>
             <a:r>
-              <a:rPr lang="es-ES" smtClean="0"/>
+              <a:rPr lang="es-ES"/>
               <a:t>Segundo nivel</a:t>
             </a:r>
           </a:p>
           <a:p>
             <a:pPr lvl="2"/>
             <a:r>
-              <a:rPr lang="es-ES" smtClean="0"/>
+              <a:rPr lang="es-ES"/>
               <a:t>Tercer nivel</a:t>
             </a:r>
           </a:p>
           <a:p>
             <a:pPr lvl="3"/>
             <a:r>
-              <a:rPr lang="es-ES" smtClean="0"/>
+              <a:rPr lang="es-ES"/>
               <a:t>Cuarto nivel</a:t>
             </a:r>
           </a:p>
           <a:p>
             <a:pPr lvl="4"/>
             <a:r>
-              <a:rPr lang="es-ES" smtClean="0"/>
+              <a:rPr lang="es-ES"/>
               <a:t>Quinto nivel</a:t>
             </a:r>
             <a:endParaRPr lang="en-US" dirty="0"/>
@@ -2047,7 +2213,7 @@
           <a:p>
             <a:pPr lvl="0"/>
             <a:r>
-              <a:rPr lang="es-ES" smtClean="0"/>
+              <a:rPr lang="es-ES"/>
               <a:t>Editar el estilo de texto del patrón</a:t>
             </a:r>
           </a:p>
@@ -2077,35 +2243,35 @@
           <a:p>
             <a:pPr lvl="0"/>
             <a:r>
-              <a:rPr lang="es-ES" smtClean="0"/>
+              <a:rPr lang="es-ES"/>
               <a:t>Editar el estilo de texto del patrón</a:t>
             </a:r>
           </a:p>
           <a:p>
             <a:pPr lvl="1"/>
             <a:r>
-              <a:rPr lang="es-ES" smtClean="0"/>
+              <a:rPr lang="es-ES"/>
               <a:t>Segundo nivel</a:t>
             </a:r>
           </a:p>
           <a:p>
             <a:pPr lvl="2"/>
             <a:r>
-              <a:rPr lang="es-ES" smtClean="0"/>
+              <a:rPr lang="es-ES"/>
               <a:t>Tercer nivel</a:t>
             </a:r>
           </a:p>
           <a:p>
             <a:pPr lvl="3"/>
             <a:r>
-              <a:rPr lang="es-ES" smtClean="0"/>
+              <a:rPr lang="es-ES"/>
               <a:t>Cuarto nivel</a:t>
             </a:r>
           </a:p>
           <a:p>
             <a:pPr lvl="4"/>
             <a:r>
-              <a:rPr lang="es-ES" smtClean="0"/>
+              <a:rPr lang="es-ES"/>
               <a:t>Quinto nivel</a:t>
             </a:r>
             <a:endParaRPr lang="en-US" dirty="0"/>
@@ -2129,7 +2295,7 @@
           <a:p>
             <a:fld id="{941820D4-FD18-40B0-A2DA-577109253211}" type="datetimeFigureOut">
               <a:rPr lang="es-MX" smtClean="0"/>
-              <a:t>06/03/2021</a:t>
+              <a:t>11/03/2021</a:t>
             </a:fld>
             <a:endParaRPr lang="es-MX"/>
           </a:p>
@@ -2267,7 +2433,7 @@
           <a:lstStyle/>
           <a:p>
             <a:r>
-              <a:rPr lang="es-ES" smtClean="0"/>
+              <a:rPr lang="es-ES"/>
               <a:t>Haga clic para modificar el estilo de título del patrón</a:t>
             </a:r>
             <a:endParaRPr lang="en-US" dirty="0"/>
@@ -2291,7 +2457,7 @@
           <a:p>
             <a:fld id="{941820D4-FD18-40B0-A2DA-577109253211}" type="datetimeFigureOut">
               <a:rPr lang="es-MX" smtClean="0"/>
-              <a:t>06/03/2021</a:t>
+              <a:t>11/03/2021</a:t>
             </a:fld>
             <a:endParaRPr lang="es-MX"/>
           </a:p>
@@ -2386,7 +2552,7 @@
           <a:p>
             <a:fld id="{941820D4-FD18-40B0-A2DA-577109253211}" type="datetimeFigureOut">
               <a:rPr lang="es-MX" smtClean="0"/>
-              <a:t>06/03/2021</a:t>
+              <a:t>11/03/2021</a:t>
             </a:fld>
             <a:endParaRPr lang="es-MX"/>
           </a:p>
@@ -2535,7 +2701,7 @@
           </a:lstStyle>
           <a:p>
             <a:r>
-              <a:rPr lang="es-ES" smtClean="0"/>
+              <a:rPr lang="es-ES"/>
               <a:t>Haga clic para modificar el estilo de título del patrón</a:t>
             </a:r>
             <a:endParaRPr lang="en-US" dirty="0"/>
@@ -2630,35 +2796,35 @@
           <a:p>
             <a:pPr lvl="0"/>
             <a:r>
-              <a:rPr lang="es-ES" smtClean="0"/>
+              <a:rPr lang="es-ES"/>
               <a:t>Editar el estilo de texto del patrón</a:t>
             </a:r>
           </a:p>
           <a:p>
             <a:pPr lvl="1"/>
             <a:r>
-              <a:rPr lang="es-ES" smtClean="0"/>
+              <a:rPr lang="es-ES"/>
               <a:t>Segundo nivel</a:t>
             </a:r>
           </a:p>
           <a:p>
             <a:pPr lvl="2"/>
             <a:r>
-              <a:rPr lang="es-ES" smtClean="0"/>
+              <a:rPr lang="es-ES"/>
               <a:t>Tercer nivel</a:t>
             </a:r>
           </a:p>
           <a:p>
             <a:pPr lvl="3"/>
             <a:r>
-              <a:rPr lang="es-ES" smtClean="0"/>
+              <a:rPr lang="es-ES"/>
               <a:t>Cuarto nivel</a:t>
             </a:r>
           </a:p>
           <a:p>
             <a:pPr lvl="4"/>
             <a:r>
-              <a:rPr lang="es-ES" smtClean="0"/>
+              <a:rPr lang="es-ES"/>
               <a:t>Quinto nivel</a:t>
             </a:r>
             <a:endParaRPr lang="en-US" dirty="0"/>
@@ -2730,7 +2896,7 @@
           <a:p>
             <a:pPr lvl="0"/>
             <a:r>
-              <a:rPr lang="es-ES" smtClean="0"/>
+              <a:rPr lang="es-ES"/>
               <a:t>Editar el estilo de texto del patrón</a:t>
             </a:r>
           </a:p>
@@ -2764,7 +2930,7 @@
           <a:p>
             <a:fld id="{941820D4-FD18-40B0-A2DA-577109253211}" type="datetimeFigureOut">
               <a:rPr lang="es-MX" smtClean="0"/>
-              <a:t>06/03/2021</a:t>
+              <a:t>11/03/2021</a:t>
             </a:fld>
             <a:endParaRPr lang="es-MX"/>
           </a:p>
@@ -2895,7 +3061,7 @@
           </a:lstStyle>
           <a:p>
             <a:r>
-              <a:rPr lang="es-ES" smtClean="0"/>
+              <a:rPr lang="es-ES"/>
               <a:t>Haga clic para modificar el estilo de título del patrón</a:t>
             </a:r>
             <a:endParaRPr lang="en-US" dirty="0"/>
@@ -2962,7 +3128,7 @@
           </a:lstStyle>
           <a:p>
             <a:r>
-              <a:rPr lang="es-ES" smtClean="0"/>
+              <a:rPr lang="es-ES"/>
               <a:t>Haga clic en el icono para agregar una imagen</a:t>
             </a:r>
             <a:endParaRPr lang="en-US" dirty="0"/>
@@ -3030,7 +3196,7 @@
           <a:p>
             <a:pPr lvl="0"/>
             <a:r>
-              <a:rPr lang="es-ES" smtClean="0"/>
+              <a:rPr lang="es-ES"/>
               <a:t>Editar el estilo de texto del patrón</a:t>
             </a:r>
           </a:p>
@@ -3053,7 +3219,7 @@
           <a:p>
             <a:fld id="{941820D4-FD18-40B0-A2DA-577109253211}" type="datetimeFigureOut">
               <a:rPr lang="es-MX" smtClean="0"/>
-              <a:t>06/03/2021</a:t>
+              <a:t>11/03/2021</a:t>
             </a:fld>
             <a:endParaRPr lang="es-MX"/>
           </a:p>
@@ -3162,7 +3328,7 @@
           <a:lstStyle/>
           <a:p>
             <a:r>
-              <a:rPr lang="es-ES" smtClean="0"/>
+              <a:rPr lang="es-ES"/>
               <a:t>Haga clic para modificar el estilo de título del patrón</a:t>
             </a:r>
             <a:endParaRPr lang="en-US" dirty="0"/>
@@ -3196,35 +3362,35 @@
           <a:p>
             <a:pPr lvl="0"/>
             <a:r>
-              <a:rPr lang="es-ES" smtClean="0"/>
+              <a:rPr lang="es-ES"/>
               <a:t>Editar el estilo de texto del patrón</a:t>
             </a:r>
           </a:p>
           <a:p>
             <a:pPr lvl="1"/>
             <a:r>
-              <a:rPr lang="es-ES" smtClean="0"/>
+              <a:rPr lang="es-ES"/>
               <a:t>Segundo nivel</a:t>
             </a:r>
           </a:p>
           <a:p>
             <a:pPr lvl="2"/>
             <a:r>
-              <a:rPr lang="es-ES" smtClean="0"/>
+              <a:rPr lang="es-ES"/>
               <a:t>Tercer nivel</a:t>
             </a:r>
           </a:p>
           <a:p>
             <a:pPr lvl="3"/>
             <a:r>
-              <a:rPr lang="es-ES" smtClean="0"/>
+              <a:rPr lang="es-ES"/>
               <a:t>Cuarto nivel</a:t>
             </a:r>
           </a:p>
           <a:p>
             <a:pPr lvl="4"/>
             <a:r>
-              <a:rPr lang="es-ES" smtClean="0"/>
+              <a:rPr lang="es-ES"/>
               <a:t>Quinto nivel</a:t>
             </a:r>
             <a:endParaRPr lang="en-US" dirty="0"/>
@@ -3264,7 +3430,7 @@
           <a:p>
             <a:fld id="{941820D4-FD18-40B0-A2DA-577109253211}" type="datetimeFigureOut">
               <a:rPr lang="es-MX" smtClean="0"/>
-              <a:t>06/03/2021</a:t>
+              <a:t>11/03/2021</a:t>
             </a:fld>
             <a:endParaRPr lang="es-MX"/>
           </a:p>
@@ -3886,6 +4052,17 @@
           <a:lstStyle/>
           <a:p>
             <a:r>
+              <a:rPr lang="es-419" dirty="0"/>
+              <a:t>Recomendaciones</a:t>
+            </a:r>
+            <a:r>
+              <a:rPr lang="en-US" dirty="0"/>
+              <a:t> </a:t>
+            </a:r>
+            <a:br>
+              <a:rPr lang="en-US" dirty="0"/>
+            </a:br>
+            <a:r>
               <a:rPr lang="en-US" dirty="0"/>
               <a:t>Taller de REST API NODE</a:t>
             </a:r>
@@ -3916,7 +4093,7 @@
           <a:lstStyle/>
           <a:p>
             <a:r>
-              <a:rPr lang="en-US" dirty="0" smtClean="0">
+              <a:rPr lang="en-US" dirty="0">
                 <a:solidFill>
                   <a:schemeClr val="bg1"/>
                 </a:solidFill>
@@ -3954,7 +4131,7 @@
           <a:lstStyle/>
           <a:p>
             <a:r>
-              <a:rPr lang="en-US" dirty="0" smtClean="0">
+              <a:rPr lang="en-US" dirty="0">
                 <a:solidFill>
                   <a:schemeClr val="bg1"/>
                 </a:solidFill>
@@ -4016,18 +4193,13 @@
           <a:lstStyle/>
           <a:p>
             <a:r>
-              <a:rPr lang="es-MX" dirty="0" smtClean="0">
+              <a:rPr lang="es-MX" dirty="0">
                 <a:solidFill>
                   <a:schemeClr val="bg1"/>
                 </a:solidFill>
               </a:rPr>
               <a:t>Universe Code</a:t>
             </a:r>
-            <a:endParaRPr lang="es-MX" dirty="0">
-              <a:solidFill>
-                <a:schemeClr val="bg1"/>
-              </a:solidFill>
-            </a:endParaRPr>
           </a:p>
         </p:txBody>
       </p:sp>
@@ -4041,13 +4213,6 @@
   <p:clrMapOvr>
     <a:masterClrMapping/>
   </p:clrMapOvr>
-  <p:timing>
-    <p:tnLst>
-      <p:par>
-        <p:cTn id="1" dur="indefinite" restart="never" nodeType="tmRoot"/>
-      </p:par>
-    </p:tnLst>
-  </p:timing>
 </p:sld>
 </file>
 
@@ -4084,14 +4249,10 @@
           <a:lstStyle/>
           <a:p>
             <a:r>
-              <a:rPr lang="es-MX" dirty="0" smtClean="0"/>
-              <a:t>Objetivos</a:t>
-            </a:r>
-            <a:r>
-              <a:rPr lang="en-US" dirty="0" smtClean="0"/>
-              <a:t> </a:t>
-            </a:r>
-            <a:endParaRPr lang="es-MX" dirty="0"/>
+              <a:rPr lang="es-MX" dirty="0"/>
+              <a:t>Objetivo</a:t>
+            </a:r>
+            <a:endParaRPr lang="en-US" dirty="0"/>
           </a:p>
         </p:txBody>
       </p:sp>
@@ -4110,57 +4271,23 @@
           <a:bodyPr/>
           <a:lstStyle/>
           <a:p>
-            <a:r>
-              <a:rPr lang="en-US" dirty="0" smtClean="0"/>
-              <a:t>El </a:t>
-            </a:r>
-            <a:r>
-              <a:rPr lang="es-MX" dirty="0" smtClean="0"/>
-              <a:t>objetivo</a:t>
-            </a:r>
-            <a:r>
-              <a:rPr lang="en-US" dirty="0" smtClean="0"/>
-              <a:t> de </a:t>
-            </a:r>
-            <a:r>
-              <a:rPr lang="es-MX" dirty="0" smtClean="0"/>
-              <a:t>este</a:t>
-            </a:r>
-            <a:r>
-              <a:rPr lang="en-US" dirty="0" smtClean="0"/>
-              <a:t> video</a:t>
-            </a:r>
-          </a:p>
-          <a:p>
-            <a:r>
-              <a:rPr lang="es-MX" dirty="0" smtClean="0"/>
-              <a:t>¿Por que aprender a realizar servicios </a:t>
-            </a:r>
+            <a:pPr marL="305435" indent="-305435"/>
             <a:r>
               <a:rPr lang="es-MX" dirty="0"/>
-              <a:t>R</a:t>
-            </a:r>
-            <a:r>
-              <a:rPr lang="es-MX" dirty="0" smtClean="0"/>
-              <a:t>est?</a:t>
-            </a:r>
-          </a:p>
-          <a:p>
-            <a:r>
-              <a:rPr lang="en-US" dirty="0" smtClean="0"/>
-              <a:t>El </a:t>
-            </a:r>
-            <a:r>
-              <a:rPr lang="es-MX" dirty="0" smtClean="0"/>
-              <a:t>objetivo</a:t>
-            </a:r>
-            <a:r>
-              <a:rPr lang="en-US" dirty="0" smtClean="0"/>
-              <a:t> del taller</a:t>
-            </a:r>
-            <a:endParaRPr lang="es-MX" dirty="0" smtClean="0"/>
-          </a:p>
-          <a:p>
+              <a:t>Consejos para maximizar el aprovechamiento.</a:t>
+            </a:r>
+            <a:endParaRPr lang="es-MX"/>
+          </a:p>
+          <a:p>
+            <a:pPr marL="305435" indent="-305435"/>
+            <a:r>
+              <a:rPr lang="en-US" dirty="0"/>
+              <a:t>La meta del taller.</a:t>
+            </a:r>
+            <a:endParaRPr lang="es-MX" dirty="0"/>
+          </a:p>
+          <a:p>
+            <a:pPr marL="305435" indent="-305435"/>
             <a:endParaRPr lang="es-MX" dirty="0"/>
           </a:p>
         </p:txBody>
@@ -4175,13 +4302,6 @@
   <p:clrMapOvr>
     <a:masterClrMapping/>
   </p:clrMapOvr>
-  <p:timing>
-    <p:tnLst>
-      <p:par>
-        <p:cTn id="1" dur="indefinite" restart="never" nodeType="tmRoot"/>
-      </p:par>
-    </p:tnLst>
-  </p:timing>
 </p:sld>
 </file>
 
@@ -4218,10 +4338,9 @@
           <a:lstStyle/>
           <a:p>
             <a:r>
-              <a:rPr lang="es-MX" dirty="0" smtClean="0"/>
-              <a:t>Recomendaciones</a:t>
-            </a:r>
-            <a:endParaRPr lang="es-MX" dirty="0"/>
+              <a:rPr lang="es-MX" dirty="0"/>
+              <a:t>Herramientas de instalación </a:t>
+            </a:r>
           </a:p>
         </p:txBody>
       </p:sp>
@@ -4235,247 +4354,143 @@
             <p:ph idx="1"/>
           </p:nvPr>
         </p:nvSpPr>
-        <p:spPr/>
+        <p:spPr>
+          <a:xfrm>
+            <a:off x="581192" y="1946365"/>
+            <a:ext cx="11029615" cy="4715691"/>
+          </a:xfrm>
+        </p:spPr>
         <p:txBody>
           <a:bodyPr>
             <a:normAutofit/>
           </a:bodyPr>
           <a:lstStyle/>
           <a:p>
+            <a:pPr marL="305435" indent="-305435"/>
+            <a:r>
+              <a:rPr lang="en-US" dirty="0"/>
+              <a:t>Node</a:t>
+            </a:r>
+            <a:endParaRPr lang="es-MX" dirty="0"/>
+          </a:p>
+          <a:p>
+            <a:pPr marL="305435" indent="-305435"/>
+            <a:r>
+              <a:rPr lang="es-MX" dirty="0">
+                <a:hlinkClick r:id="rId2"/>
+              </a:rPr>
+              <a:t>https://nodejs.org/es/download/</a:t>
+            </a:r>
+            <a:r>
+              <a:rPr lang="es-MX" dirty="0"/>
+              <a:t> </a:t>
+            </a:r>
+          </a:p>
+          <a:p>
+            <a:pPr marL="305435" indent="-305435"/>
+            <a:r>
+              <a:rPr lang="es-MX" dirty="0"/>
+              <a:t>POSTGRESQL (No olvidar la contraseña que le pongan)</a:t>
+            </a:r>
+          </a:p>
+          <a:p>
+            <a:pPr marL="305435" indent="-305435"/>
+            <a:r>
+              <a:rPr lang="en-US" dirty="0">
+                <a:hlinkClick r:id="rId3"/>
+              </a:rPr>
+              <a:t>https://www.enterprisedb.com/downloads/postgres-postgresql-downloads</a:t>
+            </a:r>
+            <a:r>
+              <a:rPr lang="en-US" dirty="0"/>
+              <a:t> </a:t>
+            </a:r>
+          </a:p>
+          <a:p>
+            <a:pPr marL="305435" indent="-305435"/>
+            <a:r>
+              <a:rPr lang="en-US" dirty="0"/>
+              <a:t>GIT</a:t>
+            </a:r>
+          </a:p>
+          <a:p>
+            <a:pPr marL="305435" indent="-305435"/>
+            <a:r>
+              <a:rPr lang="en-US" dirty="0">
+                <a:hlinkClick r:id="rId4"/>
+              </a:rPr>
+              <a:t>https://git-scm.com/</a:t>
+            </a:r>
+            <a:r>
+              <a:rPr lang="en-US" dirty="0"/>
+              <a:t> </a:t>
+            </a:r>
+          </a:p>
+          <a:p>
+            <a:pPr marL="305435" indent="-305435"/>
+            <a:r>
+              <a:rPr lang="en-US" dirty="0"/>
+              <a:t>Visual studio code</a:t>
+            </a:r>
+          </a:p>
+          <a:p>
+            <a:pPr marL="305435" indent="-305435"/>
+            <a:r>
+              <a:rPr lang="en-US" dirty="0">
+                <a:hlinkClick r:id="rId5"/>
+              </a:rPr>
+              <a:t>https://code.visualstudio.com/download</a:t>
+            </a:r>
+            <a:r>
+              <a:rPr lang="en-US" dirty="0"/>
+              <a:t> </a:t>
+            </a:r>
+          </a:p>
+          <a:p>
+            <a:pPr marL="305435" indent="-305435"/>
+            <a:r>
+              <a:rPr lang="es-MX" dirty="0"/>
+              <a:t>POSTMAN </a:t>
+            </a:r>
+          </a:p>
+          <a:p>
+            <a:pPr marL="305435" indent="-305435"/>
+            <a:r>
+              <a:rPr lang="es-MX" dirty="0">
+                <a:hlinkClick r:id="rId6"/>
+              </a:rPr>
+              <a:t>https://www.postman.com/downloads/</a:t>
+            </a:r>
+            <a:r>
+              <a:rPr lang="es-MX" dirty="0"/>
+              <a:t> </a:t>
+            </a:r>
+          </a:p>
+          <a:p>
+            <a:pPr marL="305435" indent="-305435"/>
+            <a:r>
+              <a:rPr lang="es-MX" dirty="0"/>
+              <a:t>Crear una cuenta en GITHUB</a:t>
+            </a:r>
+          </a:p>
+          <a:p>
             <a:pPr marL="0" indent="0">
               <a:buNone/>
             </a:pPr>
-            <a:r>
-              <a:rPr lang="es-MX" sz="2000" dirty="0" smtClean="0">
-                <a:latin typeface="Arial" panose="020B0604020202020204" pitchFamily="34" charset="0"/>
-                <a:cs typeface="Arial" panose="020B0604020202020204" pitchFamily="34" charset="0"/>
-              </a:rPr>
-              <a:t>1. Instalar herramientas antes del </a:t>
-            </a:r>
-            <a:r>
-              <a:rPr lang="es-MX" sz="2000" dirty="0" smtClean="0">
-                <a:latin typeface="Arial" panose="020B0604020202020204" pitchFamily="34" charset="0"/>
-                <a:cs typeface="Arial" panose="020B0604020202020204" pitchFamily="34" charset="0"/>
-              </a:rPr>
-              <a:t>taller.</a:t>
-            </a:r>
-            <a:endParaRPr lang="es-MX" sz="2000" dirty="0" smtClean="0">
-              <a:latin typeface="Arial" panose="020B0604020202020204" pitchFamily="34" charset="0"/>
-              <a:cs typeface="Arial" panose="020B0604020202020204" pitchFamily="34" charset="0"/>
-            </a:endParaRPr>
-          </a:p>
-          <a:p>
-            <a:pPr marL="0" lvl="1" indent="0">
-              <a:spcBef>
-                <a:spcPts val="1000"/>
-              </a:spcBef>
-              <a:buNone/>
-            </a:pPr>
-            <a:r>
-              <a:rPr lang="es-MX" sz="2000" dirty="0" smtClean="0">
-                <a:latin typeface="Arial" panose="020B0604020202020204" pitchFamily="34" charset="0"/>
-                <a:cs typeface="Arial" panose="020B0604020202020204" pitchFamily="34" charset="0"/>
-              </a:rPr>
-              <a:t>2. Comandos </a:t>
-            </a:r>
-            <a:r>
-              <a:rPr lang="es-MX" sz="2000" dirty="0" smtClean="0">
-                <a:latin typeface="Arial" panose="020B0604020202020204" pitchFamily="34" charset="0"/>
-                <a:cs typeface="Arial" panose="020B0604020202020204" pitchFamily="34" charset="0"/>
-              </a:rPr>
-              <a:t>básicos de </a:t>
-            </a:r>
-            <a:r>
-              <a:rPr lang="es-MX" sz="2000" dirty="0" smtClean="0">
-                <a:latin typeface="Arial" panose="020B0604020202020204" pitchFamily="34" charset="0"/>
-                <a:cs typeface="Arial" panose="020B0604020202020204" pitchFamily="34" charset="0"/>
-              </a:rPr>
-              <a:t>GIT.</a:t>
-            </a:r>
-            <a:endParaRPr lang="es-MX" sz="2000" dirty="0" smtClean="0">
-              <a:latin typeface="Arial" panose="020B0604020202020204" pitchFamily="34" charset="0"/>
-              <a:cs typeface="Arial" panose="020B0604020202020204" pitchFamily="34" charset="0"/>
-            </a:endParaRPr>
-          </a:p>
-          <a:p>
-            <a:pPr marL="0" indent="0">
-              <a:buNone/>
-            </a:pPr>
-            <a:r>
-              <a:rPr lang="es-MX" sz="2000" dirty="0" smtClean="0">
-                <a:latin typeface="Arial" panose="020B0604020202020204" pitchFamily="34" charset="0"/>
-                <a:cs typeface="Arial" panose="020B0604020202020204" pitchFamily="34" charset="0"/>
-              </a:rPr>
-              <a:t>3. Lenguaje DML.</a:t>
-            </a:r>
-            <a:endParaRPr lang="es-MX" sz="2000" dirty="0" smtClean="0">
-              <a:latin typeface="Arial" panose="020B0604020202020204" pitchFamily="34" charset="0"/>
-              <a:cs typeface="Arial" panose="020B0604020202020204" pitchFamily="34" charset="0"/>
-            </a:endParaRPr>
-          </a:p>
-          <a:p>
-            <a:pPr marL="0" indent="0">
-              <a:buNone/>
-            </a:pPr>
-            <a:r>
-              <a:rPr lang="es-MX" sz="2000" dirty="0" smtClean="0">
-                <a:latin typeface="Arial" panose="020B0604020202020204" pitchFamily="34" charset="0"/>
-                <a:cs typeface="Arial" panose="020B0604020202020204" pitchFamily="34" charset="0"/>
-              </a:rPr>
-              <a:t>4. </a:t>
-            </a:r>
-            <a:r>
-              <a:rPr lang="es-MX" sz="2000" dirty="0" smtClean="0">
-                <a:latin typeface="Arial" panose="020B0604020202020204" pitchFamily="34" charset="0"/>
-                <a:cs typeface="Arial" panose="020B0604020202020204" pitchFamily="34" charset="0"/>
-              </a:rPr>
-              <a:t>Conocimientos </a:t>
-            </a:r>
-            <a:r>
-              <a:rPr lang="es-MX" sz="2000" dirty="0" smtClean="0">
-                <a:latin typeface="Arial" panose="020B0604020202020204" pitchFamily="34" charset="0"/>
-                <a:cs typeface="Arial" panose="020B0604020202020204" pitchFamily="34" charset="0"/>
-              </a:rPr>
-              <a:t>básicos en </a:t>
-            </a:r>
-            <a:r>
-              <a:rPr lang="es-MX" sz="2000" dirty="0" smtClean="0">
-                <a:latin typeface="Arial" panose="020B0604020202020204" pitchFamily="34" charset="0"/>
-                <a:cs typeface="Arial" panose="020B0604020202020204" pitchFamily="34" charset="0"/>
-              </a:rPr>
-              <a:t>JavaScript.</a:t>
-            </a:r>
-            <a:endParaRPr lang="en-US" dirty="0"/>
-          </a:p>
-          <a:p>
-            <a:pPr marL="0" lvl="1" indent="0">
-              <a:spcBef>
-                <a:spcPts val="1000"/>
-              </a:spcBef>
-              <a:buNone/>
-            </a:pPr>
-            <a:r>
-              <a:rPr lang="es-MX" sz="2000" dirty="0" smtClean="0">
-                <a:latin typeface="Arial" panose="020B0604020202020204" pitchFamily="34" charset="0"/>
-                <a:cs typeface="Arial" panose="020B0604020202020204" pitchFamily="34" charset="0"/>
-              </a:rPr>
-              <a:t>Opcional:</a:t>
-            </a:r>
-            <a:endParaRPr lang="es-MX" sz="2000" dirty="0">
-              <a:latin typeface="Arial" panose="020B0604020202020204" pitchFamily="34" charset="0"/>
-              <a:cs typeface="Arial" panose="020B0604020202020204" pitchFamily="34" charset="0"/>
-            </a:endParaRPr>
-          </a:p>
-          <a:p>
-            <a:pPr marL="0" lvl="1" indent="0">
-              <a:spcBef>
-                <a:spcPts val="1000"/>
-              </a:spcBef>
-              <a:buNone/>
-            </a:pPr>
-            <a:r>
-              <a:rPr lang="es-MX" sz="2000" dirty="0" smtClean="0">
-                <a:latin typeface="Arial" panose="020B0604020202020204" pitchFamily="34" charset="0"/>
-                <a:cs typeface="Arial" panose="020B0604020202020204" pitchFamily="34" charset="0"/>
-              </a:rPr>
-              <a:t>Familiarizarse</a:t>
-            </a:r>
-            <a:r>
-              <a:rPr lang="en-US" sz="2000" dirty="0" smtClean="0">
-                <a:latin typeface="Arial" panose="020B0604020202020204" pitchFamily="34" charset="0"/>
-                <a:cs typeface="Arial" panose="020B0604020202020204" pitchFamily="34" charset="0"/>
-              </a:rPr>
-              <a:t> </a:t>
-            </a:r>
-            <a:r>
-              <a:rPr lang="en-US" sz="2000" dirty="0">
-                <a:latin typeface="Arial" panose="020B0604020202020204" pitchFamily="34" charset="0"/>
-                <a:cs typeface="Arial" panose="020B0604020202020204" pitchFamily="34" charset="0"/>
-              </a:rPr>
-              <a:t>con </a:t>
-            </a:r>
-            <a:r>
-              <a:rPr lang="en-US" sz="2000" dirty="0" smtClean="0">
-                <a:latin typeface="Arial" panose="020B0604020202020204" pitchFamily="34" charset="0"/>
-                <a:cs typeface="Arial" panose="020B0604020202020204" pitchFamily="34" charset="0"/>
-              </a:rPr>
-              <a:t>el </a:t>
-            </a:r>
-            <a:r>
-              <a:rPr lang="es-MX" sz="2000" dirty="0" smtClean="0">
-                <a:latin typeface="Arial" panose="020B0604020202020204" pitchFamily="34" charset="0"/>
-                <a:cs typeface="Arial" panose="020B0604020202020204" pitchFamily="34" charset="0"/>
-              </a:rPr>
-              <a:t>modelo</a:t>
-            </a:r>
-            <a:r>
-              <a:rPr lang="en-US" sz="2000" dirty="0" smtClean="0">
-                <a:latin typeface="Arial" panose="020B0604020202020204" pitchFamily="34" charset="0"/>
-                <a:cs typeface="Arial" panose="020B0604020202020204" pitchFamily="34" charset="0"/>
-              </a:rPr>
-              <a:t> EVENTUC.JPG que </a:t>
-            </a:r>
-            <a:r>
-              <a:rPr lang="es-MX" sz="2000" dirty="0" smtClean="0">
-                <a:latin typeface="Arial" panose="020B0604020202020204" pitchFamily="34" charset="0"/>
-                <a:cs typeface="Arial" panose="020B0604020202020204" pitchFamily="34" charset="0"/>
-              </a:rPr>
-              <a:t>se encuentra en la carpeta </a:t>
-            </a:r>
-            <a:r>
-              <a:rPr lang="en-US" sz="2000" dirty="0" smtClean="0">
-                <a:latin typeface="Arial" panose="020B0604020202020204" pitchFamily="34" charset="0"/>
-                <a:cs typeface="Arial" panose="020B0604020202020204" pitchFamily="34" charset="0"/>
-              </a:rPr>
-              <a:t>base de </a:t>
-            </a:r>
-            <a:r>
-              <a:rPr lang="es-MX" sz="2000" dirty="0" smtClean="0">
-                <a:latin typeface="Arial" panose="020B0604020202020204" pitchFamily="34" charset="0"/>
-                <a:cs typeface="Arial" panose="020B0604020202020204" pitchFamily="34" charset="0"/>
-              </a:rPr>
-              <a:t>datos</a:t>
-            </a:r>
-            <a:r>
-              <a:rPr lang="en-US" sz="2000" dirty="0" smtClean="0">
-                <a:latin typeface="Arial" panose="020B0604020202020204" pitchFamily="34" charset="0"/>
-                <a:cs typeface="Arial" panose="020B0604020202020204" pitchFamily="34" charset="0"/>
-              </a:rPr>
-              <a:t>.</a:t>
-            </a:r>
-            <a:endParaRPr lang="es-MX" sz="2000" dirty="0">
-              <a:latin typeface="Arial" panose="020B0604020202020204" pitchFamily="34" charset="0"/>
-              <a:cs typeface="Arial" panose="020B0604020202020204" pitchFamily="34" charset="0"/>
-            </a:endParaRPr>
-          </a:p>
-          <a:p>
-            <a:pPr marL="0" indent="0">
-              <a:buNone/>
-            </a:pPr>
-            <a:endParaRPr lang="es-MX" sz="2000" dirty="0">
-              <a:latin typeface="Arial" panose="020B0604020202020204" pitchFamily="34" charset="0"/>
-              <a:cs typeface="Arial" panose="020B0604020202020204" pitchFamily="34" charset="0"/>
-            </a:endParaRPr>
+            <a:endParaRPr lang="es-MX" dirty="0"/>
           </a:p>
         </p:txBody>
       </p:sp>
     </p:spTree>
     <p:extLst>
       <p:ext uri="{BB962C8B-B14F-4D97-AF65-F5344CB8AC3E}">
-        <p14:creationId xmlns:p14="http://schemas.microsoft.com/office/powerpoint/2010/main" val="3041236276"/>
+        <p14:creationId xmlns:p14="http://schemas.microsoft.com/office/powerpoint/2010/main" val="1143618442"/>
       </p:ext>
     </p:extLst>
   </p:cSld>
   <p:clrMapOvr>
     <a:masterClrMapping/>
   </p:clrMapOvr>
-  <p:timing>
-    <p:tnLst>
-      <p:par>
-        <p:cTn id="1" dur="indefinite" restart="never" nodeType="tmRoot"/>
-      </p:par>
-    </p:tnLst>
-  </p:timing>
 </p:sld>
 </file>
 
@@ -4512,14 +4527,9 @@
           <a:lstStyle/>
           <a:p>
             <a:r>
-              <a:rPr lang="es-MX" dirty="0" smtClean="0"/>
-              <a:t>Herramientas de </a:t>
-            </a:r>
-            <a:r>
-              <a:rPr lang="es-MX" dirty="0" smtClean="0"/>
-              <a:t>instalación </a:t>
-            </a:r>
-            <a:endParaRPr lang="es-MX" dirty="0"/>
+              <a:rPr lang="es-MX" dirty="0"/>
+              <a:t>Recomendaciones</a:t>
+            </a:r>
           </a:p>
         </p:txBody>
       </p:sp>
@@ -4533,141 +4543,201 @@
             <p:ph idx="1"/>
           </p:nvPr>
         </p:nvSpPr>
-        <p:spPr>
-          <a:xfrm>
-            <a:off x="581192" y="1946365"/>
-            <a:ext cx="11029615" cy="4715691"/>
-          </a:xfrm>
-        </p:spPr>
+        <p:spPr/>
         <p:txBody>
           <a:bodyPr>
-            <a:normAutofit/>
+            <a:normAutofit lnSpcReduction="10000"/>
           </a:bodyPr>
           <a:lstStyle/>
           <a:p>
-            <a:r>
-              <a:rPr lang="en-US" dirty="0" smtClean="0"/>
-              <a:t>Node</a:t>
-            </a:r>
-            <a:endParaRPr lang="en-US" dirty="0" smtClean="0"/>
-          </a:p>
-          <a:p>
-            <a:r>
-              <a:rPr lang="es-MX" dirty="0" smtClean="0">
-                <a:hlinkClick r:id="rId2"/>
+            <a:pPr marL="0" indent="0">
+              <a:buNone/>
+            </a:pPr>
+            <a:r>
+              <a:rPr lang="es-MX" sz="2000" dirty="0">
+                <a:latin typeface="Arial" panose="020B0604020202020204" pitchFamily="34" charset="0"/>
+                <a:cs typeface="Arial" panose="020B0604020202020204" pitchFamily="34" charset="0"/>
               </a:rPr>
-              <a:t>https://nodejs.org/es/download/</a:t>
-            </a:r>
-            <a:r>
-              <a:rPr lang="es-MX" dirty="0" smtClean="0"/>
-              <a:t> </a:t>
-            </a:r>
-          </a:p>
-          <a:p>
-            <a:r>
-              <a:rPr lang="en-US" dirty="0" smtClean="0"/>
-              <a:t>POSTGRESQL</a:t>
-            </a:r>
-          </a:p>
-          <a:p>
-            <a:r>
-              <a:rPr lang="en-US" dirty="0" smtClean="0">
-                <a:hlinkClick r:id="rId3"/>
+              <a:t>1. Instalar herramientas antes del taller.</a:t>
+            </a:r>
+          </a:p>
+          <a:p>
+            <a:pPr marL="0" lvl="1" indent="0">
+              <a:spcBef>
+                <a:spcPts val="1000"/>
+              </a:spcBef>
+              <a:buNone/>
+            </a:pPr>
+            <a:r>
+              <a:rPr lang="es-MX" sz="2000" dirty="0">
+                <a:latin typeface="Arial" panose="020B0604020202020204" pitchFamily="34" charset="0"/>
+                <a:cs typeface="Arial" panose="020B0604020202020204" pitchFamily="34" charset="0"/>
               </a:rPr>
-              <a:t>https://www.enterprisedb.com/downloads/postgres-postgresql-downloads</a:t>
-            </a:r>
-            <a:r>
-              <a:rPr lang="en-US" dirty="0" smtClean="0"/>
-              <a:t> </a:t>
-            </a:r>
-          </a:p>
-          <a:p>
-            <a:r>
-              <a:rPr lang="en-US" dirty="0" smtClean="0"/>
-              <a:t>GIT</a:t>
-            </a:r>
-          </a:p>
-          <a:p>
-            <a:r>
-              <a:rPr lang="en-US" dirty="0" smtClean="0">
-                <a:hlinkClick r:id="rId4"/>
+              <a:t>2. Conocimientos en comandos básicos de GIT (</a:t>
+            </a:r>
+            <a:r>
+              <a:rPr lang="es-MX" sz="2000" dirty="0" err="1">
+                <a:latin typeface="Arial" panose="020B0604020202020204" pitchFamily="34" charset="0"/>
+                <a:cs typeface="Arial" panose="020B0604020202020204" pitchFamily="34" charset="0"/>
               </a:rPr>
-              <a:t>https://git-scm.com/</a:t>
-            </a:r>
-            <a:r>
-              <a:rPr lang="en-US" dirty="0" smtClean="0"/>
-              <a:t> </a:t>
+              <a:t>add</a:t>
+            </a:r>
+            <a:r>
+              <a:rPr lang="es-MX" sz="2000" dirty="0">
+                <a:latin typeface="Arial" panose="020B0604020202020204" pitchFamily="34" charset="0"/>
+                <a:cs typeface="Arial" panose="020B0604020202020204" pitchFamily="34" charset="0"/>
+              </a:rPr>
+              <a:t>, </a:t>
+            </a:r>
+            <a:r>
+              <a:rPr lang="es-MX" sz="2000" dirty="0" err="1">
+                <a:latin typeface="Arial" panose="020B0604020202020204" pitchFamily="34" charset="0"/>
+                <a:cs typeface="Arial" panose="020B0604020202020204" pitchFamily="34" charset="0"/>
+              </a:rPr>
+              <a:t>push</a:t>
+            </a:r>
+            <a:r>
+              <a:rPr lang="es-MX" sz="2000" dirty="0">
+                <a:latin typeface="Arial" panose="020B0604020202020204" pitchFamily="34" charset="0"/>
+                <a:cs typeface="Arial" panose="020B0604020202020204" pitchFamily="34" charset="0"/>
+              </a:rPr>
+              <a:t>, </a:t>
+            </a:r>
+            <a:r>
+              <a:rPr lang="es-MX" sz="2000" dirty="0" err="1">
+                <a:latin typeface="Arial" panose="020B0604020202020204" pitchFamily="34" charset="0"/>
+                <a:cs typeface="Arial" panose="020B0604020202020204" pitchFamily="34" charset="0"/>
+              </a:rPr>
+              <a:t>pull</a:t>
+            </a:r>
+            <a:r>
+              <a:rPr lang="es-MX" sz="2000" dirty="0">
+                <a:latin typeface="Arial" panose="020B0604020202020204" pitchFamily="34" charset="0"/>
+                <a:cs typeface="Arial" panose="020B0604020202020204" pitchFamily="34" charset="0"/>
+              </a:rPr>
+              <a:t>, </a:t>
+            </a:r>
+            <a:r>
+              <a:rPr lang="es-MX" sz="2000" dirty="0" err="1">
+                <a:latin typeface="Arial" panose="020B0604020202020204" pitchFamily="34" charset="0"/>
+                <a:cs typeface="Arial" panose="020B0604020202020204" pitchFamily="34" charset="0"/>
+              </a:rPr>
+              <a:t>commit</a:t>
+            </a:r>
+            <a:r>
+              <a:rPr lang="es-MX" sz="2000" dirty="0">
+                <a:latin typeface="Arial" panose="020B0604020202020204" pitchFamily="34" charset="0"/>
+                <a:cs typeface="Arial" panose="020B0604020202020204" pitchFamily="34" charset="0"/>
+              </a:rPr>
+              <a:t>).</a:t>
+            </a:r>
+          </a:p>
+          <a:p>
+            <a:pPr marL="0" indent="0">
+              <a:buNone/>
+            </a:pPr>
+            <a:r>
+              <a:rPr lang="es-MX" sz="2000" dirty="0">
+                <a:latin typeface="Arial"/>
+                <a:cs typeface="Arial"/>
+              </a:rPr>
+              <a:t>3. Conocimientos de lenguaje DML.</a:t>
+            </a:r>
+          </a:p>
+          <a:p>
+            <a:pPr marL="0" indent="0">
+              <a:buNone/>
+            </a:pPr>
+            <a:r>
+              <a:rPr lang="es-MX" sz="2000" dirty="0">
+                <a:latin typeface="Arial" panose="020B0604020202020204" pitchFamily="34" charset="0"/>
+                <a:cs typeface="Arial" panose="020B0604020202020204" pitchFamily="34" charset="0"/>
+              </a:rPr>
+              <a:t>4. Conocimientos básicos en JavaScript.</a:t>
             </a:r>
             <a:endParaRPr lang="en-US" dirty="0"/>
           </a:p>
           <a:p>
-            <a:r>
-              <a:rPr lang="en-US" dirty="0" smtClean="0"/>
-              <a:t>Visual studio code</a:t>
-            </a:r>
-          </a:p>
-          <a:p>
-            <a:r>
-              <a:rPr lang="en-US" dirty="0" smtClean="0">
-                <a:hlinkClick r:id="rId5"/>
+            <a:pPr marL="0" lvl="1" indent="0">
+              <a:spcBef>
+                <a:spcPts val="1000"/>
+              </a:spcBef>
+              <a:buNone/>
+            </a:pPr>
+            <a:r>
+              <a:rPr lang="es-MX" sz="2000" dirty="0">
+                <a:latin typeface="Arial" panose="020B0604020202020204" pitchFamily="34" charset="0"/>
+                <a:cs typeface="Arial" panose="020B0604020202020204" pitchFamily="34" charset="0"/>
               </a:rPr>
-              <a:t>https://code.visualstudio.com/download</a:t>
-            </a:r>
-            <a:r>
-              <a:rPr lang="en-US" dirty="0" smtClean="0"/>
-              <a:t> </a:t>
-            </a:r>
-          </a:p>
-          <a:p>
-            <a:r>
-              <a:rPr lang="es-MX" dirty="0" smtClean="0"/>
-              <a:t>POSTMAN </a:t>
-            </a:r>
-          </a:p>
-          <a:p>
-            <a:r>
-              <a:rPr lang="es-MX" dirty="0">
-                <a:hlinkClick r:id="rId6"/>
+              <a:t>Opcional:</a:t>
+            </a:r>
+          </a:p>
+          <a:p>
+            <a:pPr marL="0" lvl="1" indent="0">
+              <a:spcBef>
+                <a:spcPts val="1000"/>
+              </a:spcBef>
+              <a:buNone/>
+            </a:pPr>
+            <a:r>
+              <a:rPr lang="es-MX" sz="2000" dirty="0">
+                <a:latin typeface="Arial"/>
+                <a:cs typeface="Arial"/>
               </a:rPr>
-              <a:t>https://www.postman.com/downloads</a:t>
-            </a:r>
-            <a:r>
-              <a:rPr lang="es-MX" dirty="0" smtClean="0">
-                <a:hlinkClick r:id="rId6"/>
+              <a:t>Codificar el script del modelo de la base de datos que se encuentra en la carpeta “</a:t>
+            </a:r>
+            <a:r>
+              <a:rPr lang="es-MX" sz="2000" dirty="0" err="1">
+                <a:latin typeface="Arial"/>
+                <a:cs typeface="Arial"/>
               </a:rPr>
-              <a:t>/</a:t>
-            </a:r>
-            <a:r>
-              <a:rPr lang="es-MX" dirty="0" smtClean="0"/>
-              <a:t> </a:t>
-            </a:r>
-            <a:endParaRPr lang="es-MX" dirty="0" smtClean="0"/>
+              <a:t>basededatos</a:t>
+            </a:r>
+            <a:r>
+              <a:rPr lang="es-MX" sz="2000" dirty="0">
+                <a:latin typeface="Arial"/>
+                <a:cs typeface="Arial"/>
+              </a:rPr>
+              <a:t>” del repositorio.</a:t>
+            </a:r>
+          </a:p>
+          <a:p>
+            <a:pPr marL="0" lvl="1" indent="0">
+              <a:spcBef>
+                <a:spcPts val="1000"/>
+              </a:spcBef>
+              <a:buNone/>
+            </a:pPr>
+            <a:r>
+              <a:rPr lang="es-MX" sz="2000" dirty="0">
+                <a:latin typeface="Arial"/>
+                <a:cs typeface="Arial"/>
+              </a:rPr>
+              <a:t>Nota: Todo esto se vera en el taller, pero se recomienda estar familiarizado con los temas.</a:t>
+            </a:r>
+            <a:endParaRPr lang="es-MX" dirty="0"/>
           </a:p>
           <a:p>
             <a:pPr marL="0" indent="0">
               <a:buNone/>
             </a:pPr>
-            <a:endParaRPr lang="es-MX" dirty="0"/>
+            <a:endParaRPr lang="es-MX" sz="2000" dirty="0">
+              <a:latin typeface="Arial" panose="020B0604020202020204" pitchFamily="34" charset="0"/>
+              <a:cs typeface="Arial" panose="020B0604020202020204" pitchFamily="34" charset="0"/>
+            </a:endParaRPr>
           </a:p>
         </p:txBody>
       </p:sp>
     </p:spTree>
     <p:extLst>
       <p:ext uri="{BB962C8B-B14F-4D97-AF65-F5344CB8AC3E}">
-        <p14:creationId xmlns:p14="http://schemas.microsoft.com/office/powerpoint/2010/main" val="1143618442"/>
+        <p14:creationId xmlns:p14="http://schemas.microsoft.com/office/powerpoint/2010/main" val="3041236276"/>
       </p:ext>
     </p:extLst>
   </p:cSld>
   <p:clrMapOvr>
     <a:masterClrMapping/>
   </p:clrMapOvr>
-  <p:timing>
-    <p:tnLst>
-      <p:par>
-        <p:cTn id="1" dur="indefinite" restart="never" nodeType="tmRoot"/>
-      </p:par>
-    </p:tnLst>
-  </p:timing>
 </p:sld>
 </file>
 
@@ -4703,7 +4773,87 @@
           <a:bodyPr/>
           <a:lstStyle/>
           <a:p>
+            <a:r>
+              <a:rPr lang="es-MX" dirty="0"/>
+              <a:t>Objetivo del taller</a:t>
+            </a:r>
+          </a:p>
+        </p:txBody>
+      </p:sp>
+      <p:sp>
+        <p:nvSpPr>
+          <p:cNvPr id="3" name="Marcador de contenido 2"/>
+          <p:cNvSpPr>
+            <a:spLocks noGrp="1"/>
+          </p:cNvSpPr>
+          <p:nvPr>
+            <p:ph idx="1"/>
+          </p:nvPr>
+        </p:nvSpPr>
+        <p:spPr/>
+        <p:txBody>
+          <a:bodyPr/>
+          <a:lstStyle/>
+          <a:p>
+            <a:r>
+              <a:rPr lang="es-MX" dirty="0"/>
+              <a:t>Desarrollas las operaciones CRUD en una base de datos POSTGRESQL a través de un servicio REST codificado en NODE JS. </a:t>
+            </a:r>
+          </a:p>
+          <a:p>
             <a:endParaRPr lang="es-MX" dirty="0"/>
+          </a:p>
+        </p:txBody>
+      </p:sp>
+    </p:spTree>
+    <p:extLst>
+      <p:ext uri="{BB962C8B-B14F-4D97-AF65-F5344CB8AC3E}">
+        <p14:creationId xmlns:p14="http://schemas.microsoft.com/office/powerpoint/2010/main" val="1720955791"/>
+      </p:ext>
+    </p:extLst>
+  </p:cSld>
+  <p:clrMapOvr>
+    <a:masterClrMapping/>
+  </p:clrMapOvr>
+</p:sld>
+</file>
+
+<file path=ppt/slides/slide6.xml><?xml version="1.0" encoding="utf-8"?>
+<p:sld xmlns:a="http://schemas.openxmlformats.org/drawingml/2006/main" xmlns:r="http://schemas.openxmlformats.org/officeDocument/2006/relationships" xmlns:p="http://schemas.openxmlformats.org/presentationml/2006/main">
+  <p:cSld>
+    <p:spTree>
+      <p:nvGrpSpPr>
+        <p:cNvPr id="1" name=""/>
+        <p:cNvGrpSpPr/>
+        <p:nvPr/>
+      </p:nvGrpSpPr>
+      <p:grpSpPr>
+        <a:xfrm>
+          <a:off x="0" y="0"/>
+          <a:ext cx="0" cy="0"/>
+          <a:chOff x="0" y="0"/>
+          <a:chExt cx="0" cy="0"/>
+        </a:xfrm>
+      </p:grpSpPr>
+      <p:sp>
+        <p:nvSpPr>
+          <p:cNvPr id="2" name="Título 1"/>
+          <p:cNvSpPr>
+            <a:spLocks noGrp="1"/>
+          </p:cNvSpPr>
+          <p:nvPr>
+            <p:ph type="title"/>
+          </p:nvPr>
+        </p:nvSpPr>
+        <p:spPr/>
+        <p:txBody>
+          <a:bodyPr/>
+          <a:lstStyle/>
+          <a:p>
+            <a:r>
+              <a:rPr lang="es-MX" dirty="0"/>
+              <a:t>Que sigue…</a:t>
+            </a:r>
           </a:p>
         </p:txBody>
       </p:sp>
@@ -4725,10 +4875,15 @@
           <a:lstStyle/>
           <a:p>
             <a:r>
-              <a:rPr lang="es-MX" sz="2000" dirty="0" smtClean="0"/>
-              <a:t>Nos escuchamos el 23 de marzo</a:t>
-            </a:r>
-            <a:endParaRPr lang="es-MX" sz="2000" dirty="0"/>
+              <a:rPr lang="es-MX" sz="2000" dirty="0"/>
+              <a:t>Nos escuchamos el 23 de marzo.</a:t>
+            </a:r>
+          </a:p>
+          <a:p>
+            <a:r>
+              <a:rPr lang="es-MX" sz="2000" dirty="0"/>
+              <a:t>En un horario de 9:00-14:00 horas.</a:t>
+            </a:r>
           </a:p>
         </p:txBody>
       </p:sp>
@@ -4742,13 +4897,6 @@
   <p:clrMapOvr>
     <a:masterClrMapping/>
   </p:clrMapOvr>
-  <p:timing>
-    <p:tnLst>
-      <p:par>
-        <p:cTn id="1" dur="indefinite" restart="never" nodeType="tmRoot"/>
-      </p:par>
-    </p:tnLst>
-  </p:timing>
 </p:sld>
 </file>
 
